--- a/docs/CMPE 320 Final Group Presentation.pptx
+++ b/docs/CMPE 320 Final Group Presentation.pptx
@@ -217,7 +217,7 @@
           <a:p>
             <a:fld id="{C4FC6804-2B10-7A4C-8567-7E8DA1DD1FAF}" type="datetimeFigureOut">
               <a:rPr lang="en-US" smtClean="0"/>
-              <a:t>11/18/19</a:t>
+              <a:t>11/21/2019</a:t>
             </a:fld>
             <a:endParaRPr lang="en-US"/>
           </a:p>
@@ -2060,7 +2060,7 @@
             <a:fld id="{08B9EBBA-996F-894A-B54A-D6246ED52CEA}" type="datetimeFigureOut">
               <a:rPr lang="en-US" smtClean="0"/>
               <a:pPr/>
-              <a:t>11/18/19</a:t>
+              <a:t>11/21/2019</a:t>
             </a:fld>
             <a:endParaRPr lang="en-US" dirty="0"/>
           </a:p>
@@ -2313,7 +2313,7 @@
             <a:fld id="{09B482E8-6E0E-1B4F-B1FD-C69DB9E858D9}" type="datetimeFigureOut">
               <a:rPr lang="en-US" smtClean="0"/>
               <a:pPr/>
-              <a:t>11/18/19</a:t>
+              <a:t>11/21/2019</a:t>
             </a:fld>
             <a:endParaRPr lang="en-US" dirty="0"/>
           </a:p>
@@ -2630,7 +2630,7 @@
             <a:fld id="{09B482E8-6E0E-1B4F-B1FD-C69DB9E858D9}" type="datetimeFigureOut">
               <a:rPr lang="en-US" smtClean="0"/>
               <a:pPr/>
-              <a:t>11/18/19</a:t>
+              <a:t>11/21/2019</a:t>
             </a:fld>
             <a:endParaRPr lang="en-US" dirty="0"/>
           </a:p>
@@ -2966,7 +2966,7 @@
             <a:fld id="{09B482E8-6E0E-1B4F-B1FD-C69DB9E858D9}" type="datetimeFigureOut">
               <a:rPr lang="en-US" smtClean="0"/>
               <a:pPr/>
-              <a:t>11/18/19</a:t>
+              <a:t>11/21/2019</a:t>
             </a:fld>
             <a:endParaRPr lang="en-US" dirty="0"/>
           </a:p>
@@ -3283,7 +3283,7 @@
             <a:fld id="{09B482E8-6E0E-1B4F-B1FD-C69DB9E858D9}" type="datetimeFigureOut">
               <a:rPr lang="en-US" smtClean="0"/>
               <a:pPr/>
-              <a:t>11/18/19</a:t>
+              <a:t>11/21/2019</a:t>
             </a:fld>
             <a:endParaRPr lang="en-US" dirty="0"/>
           </a:p>
@@ -3679,7 +3679,7 @@
             <a:fld id="{09B482E8-6E0E-1B4F-B1FD-C69DB9E858D9}" type="datetimeFigureOut">
               <a:rPr lang="en-US" smtClean="0"/>
               <a:pPr/>
-              <a:t>11/18/19</a:t>
+              <a:t>11/21/2019</a:t>
             </a:fld>
             <a:endParaRPr lang="en-US" dirty="0"/>
           </a:p>
@@ -3852,7 +3852,7 @@
             <a:fld id="{C6C52C72-DE31-F449-A4ED-4C594FD91407}" type="datetimeFigureOut">
               <a:rPr lang="en-US" smtClean="0"/>
               <a:pPr/>
-              <a:t>11/18/19</a:t>
+              <a:t>11/21/2019</a:t>
             </a:fld>
             <a:endParaRPr lang="en-US" dirty="0"/>
           </a:p>
@@ -4034,7 +4034,7 @@
             <a:fld id="{ED62726E-379B-B349-9EED-81ED093FA806}" type="datetimeFigureOut">
               <a:rPr lang="en-US" smtClean="0"/>
               <a:pPr/>
-              <a:t>11/18/19</a:t>
+              <a:t>11/21/2019</a:t>
             </a:fld>
             <a:endParaRPr lang="en-US" dirty="0"/>
           </a:p>
@@ -4206,7 +4206,7 @@
             <a:fld id="{9B3A1323-8D79-1946-B0D7-40001CF92E9D}" type="datetimeFigureOut">
               <a:rPr lang="en-US" smtClean="0"/>
               <a:pPr/>
-              <a:t>11/18/19</a:t>
+              <a:t>11/21/2019</a:t>
             </a:fld>
             <a:endParaRPr lang="en-US" dirty="0"/>
           </a:p>
@@ -4455,7 +4455,7 @@
             <a:fld id="{8DFA1846-DA80-1C48-A609-854EA85C59AD}" type="datetimeFigureOut">
               <a:rPr lang="en-US" smtClean="0"/>
               <a:pPr/>
-              <a:t>11/18/19</a:t>
+              <a:t>11/21/2019</a:t>
             </a:fld>
             <a:endParaRPr lang="en-US" dirty="0"/>
           </a:p>
@@ -4689,7 +4689,7 @@
             <a:fld id="{57302355-E14B-8545-A8F8-0FE83CC9D524}" type="datetimeFigureOut">
               <a:rPr lang="en-US" smtClean="0"/>
               <a:pPr/>
-              <a:t>11/18/19</a:t>
+              <a:t>11/21/2019</a:t>
             </a:fld>
             <a:endParaRPr lang="en-US" dirty="0"/>
           </a:p>
@@ -5065,7 +5065,7 @@
             <a:fld id="{02640F58-564D-2B4F-AE67-E407BA4FCF45}" type="datetimeFigureOut">
               <a:rPr lang="en-US" smtClean="0"/>
               <a:pPr/>
-              <a:t>11/18/19</a:t>
+              <a:t>11/21/2019</a:t>
             </a:fld>
             <a:endParaRPr lang="en-US" dirty="0"/>
           </a:p>
@@ -5190,7 +5190,7 @@
             <a:fld id="{F13A34C8-038E-2045-AF43-DF7DBB8E0E9E}" type="datetimeFigureOut">
               <a:rPr lang="en-US" smtClean="0"/>
               <a:pPr/>
-              <a:t>11/18/19</a:t>
+              <a:t>11/21/2019</a:t>
             </a:fld>
             <a:endParaRPr lang="en-US" dirty="0"/>
           </a:p>
@@ -5287,7 +5287,7 @@
             <a:fld id="{8818C68F-D26B-8F47-958C-23B49CF8A634}" type="datetimeFigureOut">
               <a:rPr lang="en-US" smtClean="0"/>
               <a:pPr/>
-              <a:t>11/18/19</a:t>
+              <a:t>11/21/2019</a:t>
             </a:fld>
             <a:endParaRPr lang="en-US" dirty="0"/>
           </a:p>
@@ -5544,7 +5544,7 @@
             <a:fld id="{D0DF5E60-9974-AC48-9591-99C2BB44B7CF}" type="datetimeFigureOut">
               <a:rPr lang="en-US" smtClean="0"/>
               <a:pPr/>
-              <a:t>11/18/19</a:t>
+              <a:t>11/21/2019</a:t>
             </a:fld>
             <a:endParaRPr lang="en-US" dirty="0"/>
           </a:p>
@@ -5852,7 +5852,7 @@
             <a:fld id="{09B482E8-6E0E-1B4F-B1FD-C69DB9E858D9}" type="datetimeFigureOut">
               <a:rPr lang="en-US" smtClean="0"/>
               <a:pPr/>
-              <a:t>11/18/19</a:t>
+              <a:t>11/21/2019</a:t>
             </a:fld>
             <a:endParaRPr lang="en-US" dirty="0"/>
           </a:p>
@@ -6556,7 +6556,7 @@
             <a:fld id="{09B482E8-6E0E-1B4F-B1FD-C69DB9E858D9}" type="datetimeFigureOut">
               <a:rPr lang="en-US" smtClean="0"/>
               <a:pPr/>
-              <a:t>11/18/19</a:t>
+              <a:t>11/21/2019</a:t>
             </a:fld>
             <a:endParaRPr lang="en-US" dirty="0"/>
           </a:p>
@@ -9329,14 +9329,32 @@
           <a:p>
             <a:r>
               <a:rPr lang="en-US" sz="1600" dirty="0"/>
-              <a:t>He</a:t>
+              <a:t>Server hosted on Linux</a:t>
             </a:r>
           </a:p>
           <a:p>
             <a:r>
               <a:rPr lang="en-US" sz="1600" dirty="0"/>
-              <a:t>lo</a:t>
-            </a:r>
+              <a:t>Clients hosted Windows systems </a:t>
+            </a:r>
+          </a:p>
+          <a:p>
+            <a:r>
+              <a:rPr lang="en-US" sz="1600" dirty="0"/>
+              <a:t>Entire server-client relationship built on sockets</a:t>
+            </a:r>
+          </a:p>
+          <a:p>
+            <a:r>
+              <a:rPr lang="en-US" sz="1600" dirty="0"/>
+              <a:t>Multithreading used for asynchronous sending/receiving for both clients and server</a:t>
+            </a:r>
+          </a:p>
+          <a:p>
+            <a:pPr marL="0" indent="0">
+              <a:buNone/>
+            </a:pPr>
+            <a:endParaRPr lang="en-US" sz="1600" dirty="0"/>
           </a:p>
         </p:txBody>
       </p:sp>

--- a/docs/CMPE 320 Final Group Presentation.pptx
+++ b/docs/CMPE 320 Final Group Presentation.pptx
@@ -5,22 +5,21 @@
     <p:sldMasterId id="2147483684" r:id="rId1"/>
   </p:sldMasterIdLst>
   <p:notesMasterIdLst>
-    <p:notesMasterId r:id="rId15"/>
+    <p:notesMasterId r:id="rId14"/>
   </p:notesMasterIdLst>
   <p:sldIdLst>
-    <p:sldId id="256" r:id="rId2"/>
+    <p:sldId id="271" r:id="rId2"/>
     <p:sldId id="269" r:id="rId3"/>
-    <p:sldId id="270" r:id="rId4"/>
+    <p:sldId id="272" r:id="rId4"/>
     <p:sldId id="264" r:id="rId5"/>
     <p:sldId id="258" r:id="rId6"/>
     <p:sldId id="259" r:id="rId7"/>
-    <p:sldId id="260" r:id="rId8"/>
-    <p:sldId id="261" r:id="rId9"/>
-    <p:sldId id="262" r:id="rId10"/>
-    <p:sldId id="263" r:id="rId11"/>
-    <p:sldId id="265" r:id="rId12"/>
-    <p:sldId id="266" r:id="rId13"/>
-    <p:sldId id="268" r:id="rId14"/>
+    <p:sldId id="273" r:id="rId8"/>
+    <p:sldId id="262" r:id="rId9"/>
+    <p:sldId id="263" r:id="rId10"/>
+    <p:sldId id="265" r:id="rId11"/>
+    <p:sldId id="266" r:id="rId12"/>
+    <p:sldId id="268" r:id="rId13"/>
   </p:sldIdLst>
   <p:sldSz cx="12192000" cy="6858000"/>
   <p:notesSz cx="6858000" cy="9144000"/>
@@ -217,7 +216,7 @@
           <a:p>
             <a:fld id="{C4FC6804-2B10-7A4C-8567-7E8DA1DD1FAF}" type="datetimeFigureOut">
               <a:rPr lang="en-US" smtClean="0"/>
-              <a:t>11/21/2019</a:t>
+              <a:t>11/21/19</a:t>
             </a:fld>
             <a:endParaRPr lang="en-US"/>
           </a:p>
@@ -873,7 +872,7 @@
     </p:spTree>
     <p:extLst>
       <p:ext uri="{BB962C8B-B14F-4D97-AF65-F5344CB8AC3E}">
-        <p14:creationId xmlns:p14="http://schemas.microsoft.com/office/powerpoint/2010/main" val="3359629142"/>
+        <p14:creationId xmlns:p14="http://schemas.microsoft.com/office/powerpoint/2010/main" val="1379127382"/>
       </p:ext>
     </p:extLst>
   </p:cSld>
@@ -1305,6 +1304,174 @@
     <p:extLst>
       <p:ext uri="{BB962C8B-B14F-4D97-AF65-F5344CB8AC3E}">
         <p14:creationId xmlns:p14="http://schemas.microsoft.com/office/powerpoint/2010/main" val="1598011070"/>
+      </p:ext>
+    </p:extLst>
+  </p:cSld>
+  <p:clrMapOvr>
+    <a:masterClrMapping/>
+  </p:clrMapOvr>
+</p:notes>
+</file>
+
+<file path=ppt/notesSlides/notesSlide5.xml><?xml version="1.0" encoding="utf-8"?>
+<p:notes xmlns:a="http://schemas.openxmlformats.org/drawingml/2006/main" xmlns:r="http://schemas.openxmlformats.org/officeDocument/2006/relationships" xmlns:p="http://schemas.openxmlformats.org/presentationml/2006/main">
+  <p:cSld>
+    <p:spTree>
+      <p:nvGrpSpPr>
+        <p:cNvPr id="1" name=""/>
+        <p:cNvGrpSpPr/>
+        <p:nvPr/>
+      </p:nvGrpSpPr>
+      <p:grpSpPr>
+        <a:xfrm>
+          <a:off x="0" y="0"/>
+          <a:ext cx="0" cy="0"/>
+          <a:chOff x="0" y="0"/>
+          <a:chExt cx="0" cy="0"/>
+        </a:xfrm>
+      </p:grpSpPr>
+      <p:sp>
+        <p:nvSpPr>
+          <p:cNvPr id="2" name="Slide Image Placeholder 1"/>
+          <p:cNvSpPr>
+            <a:spLocks noGrp="1" noRot="1" noChangeAspect="1"/>
+          </p:cNvSpPr>
+          <p:nvPr>
+            <p:ph type="sldImg"/>
+          </p:nvPr>
+        </p:nvSpPr>
+        <p:spPr/>
+      </p:sp>
+      <p:sp>
+        <p:nvSpPr>
+          <p:cNvPr id="3" name="Notes Placeholder 2"/>
+          <p:cNvSpPr>
+            <a:spLocks noGrp="1"/>
+          </p:cNvSpPr>
+          <p:nvPr>
+            <p:ph type="body" idx="1"/>
+          </p:nvPr>
+        </p:nvSpPr>
+        <p:spPr/>
+        <p:txBody>
+          <a:bodyPr/>
+          <a:lstStyle/>
+          <a:p>
+            <a:endParaRPr lang="en-US" dirty="0"/>
+          </a:p>
+        </p:txBody>
+      </p:sp>
+      <p:sp>
+        <p:nvSpPr>
+          <p:cNvPr id="4" name="Slide Number Placeholder 3"/>
+          <p:cNvSpPr>
+            <a:spLocks noGrp="1"/>
+          </p:cNvSpPr>
+          <p:nvPr>
+            <p:ph type="sldNum" sz="quarter" idx="5"/>
+          </p:nvPr>
+        </p:nvSpPr>
+        <p:spPr/>
+        <p:txBody>
+          <a:bodyPr/>
+          <a:lstStyle/>
+          <a:p>
+            <a:fld id="{E4A74916-00A0-C849-8911-B521A9C8724E}" type="slidenum">
+              <a:rPr lang="en-US" smtClean="0"/>
+              <a:t>8</a:t>
+            </a:fld>
+            <a:endParaRPr lang="en-US"/>
+          </a:p>
+        </p:txBody>
+      </p:sp>
+    </p:spTree>
+    <p:extLst>
+      <p:ext uri="{BB962C8B-B14F-4D97-AF65-F5344CB8AC3E}">
+        <p14:creationId xmlns:p14="http://schemas.microsoft.com/office/powerpoint/2010/main" val="1525417135"/>
+      </p:ext>
+    </p:extLst>
+  </p:cSld>
+  <p:clrMapOvr>
+    <a:masterClrMapping/>
+  </p:clrMapOvr>
+</p:notes>
+</file>
+
+<file path=ppt/notesSlides/notesSlide6.xml><?xml version="1.0" encoding="utf-8"?>
+<p:notes xmlns:a="http://schemas.openxmlformats.org/drawingml/2006/main" xmlns:r="http://schemas.openxmlformats.org/officeDocument/2006/relationships" xmlns:p="http://schemas.openxmlformats.org/presentationml/2006/main">
+  <p:cSld>
+    <p:spTree>
+      <p:nvGrpSpPr>
+        <p:cNvPr id="1" name=""/>
+        <p:cNvGrpSpPr/>
+        <p:nvPr/>
+      </p:nvGrpSpPr>
+      <p:grpSpPr>
+        <a:xfrm>
+          <a:off x="0" y="0"/>
+          <a:ext cx="0" cy="0"/>
+          <a:chOff x="0" y="0"/>
+          <a:chExt cx="0" cy="0"/>
+        </a:xfrm>
+      </p:grpSpPr>
+      <p:sp>
+        <p:nvSpPr>
+          <p:cNvPr id="2" name="Slide Image Placeholder 1"/>
+          <p:cNvSpPr>
+            <a:spLocks noGrp="1" noRot="1" noChangeAspect="1"/>
+          </p:cNvSpPr>
+          <p:nvPr>
+            <p:ph type="sldImg"/>
+          </p:nvPr>
+        </p:nvSpPr>
+        <p:spPr/>
+      </p:sp>
+      <p:sp>
+        <p:nvSpPr>
+          <p:cNvPr id="3" name="Notes Placeholder 2"/>
+          <p:cNvSpPr>
+            <a:spLocks noGrp="1"/>
+          </p:cNvSpPr>
+          <p:nvPr>
+            <p:ph type="body" idx="1"/>
+          </p:nvPr>
+        </p:nvSpPr>
+        <p:spPr/>
+        <p:txBody>
+          <a:bodyPr/>
+          <a:lstStyle/>
+          <a:p>
+            <a:endParaRPr lang="en-US" dirty="0"/>
+          </a:p>
+        </p:txBody>
+      </p:sp>
+      <p:sp>
+        <p:nvSpPr>
+          <p:cNvPr id="4" name="Slide Number Placeholder 3"/>
+          <p:cNvSpPr>
+            <a:spLocks noGrp="1"/>
+          </p:cNvSpPr>
+          <p:nvPr>
+            <p:ph type="sldNum" sz="quarter" idx="5"/>
+          </p:nvPr>
+        </p:nvSpPr>
+        <p:spPr/>
+        <p:txBody>
+          <a:bodyPr/>
+          <a:lstStyle/>
+          <a:p>
+            <a:fld id="{E4A74916-00A0-C849-8911-B521A9C8724E}" type="slidenum">
+              <a:rPr lang="en-US" smtClean="0"/>
+              <a:t>9</a:t>
+            </a:fld>
+            <a:endParaRPr lang="en-US"/>
+          </a:p>
+        </p:txBody>
+      </p:sp>
+    </p:spTree>
+    <p:extLst>
+      <p:ext uri="{BB962C8B-B14F-4D97-AF65-F5344CB8AC3E}">
+        <p14:creationId xmlns:p14="http://schemas.microsoft.com/office/powerpoint/2010/main" val="2343471616"/>
       </p:ext>
     </p:extLst>
   </p:cSld>
@@ -2060,7 +2227,7 @@
             <a:fld id="{08B9EBBA-996F-894A-B54A-D6246ED52CEA}" type="datetimeFigureOut">
               <a:rPr lang="en-US" smtClean="0"/>
               <a:pPr/>
-              <a:t>11/21/2019</a:t>
+              <a:t>11/21/19</a:t>
             </a:fld>
             <a:endParaRPr lang="en-US" dirty="0"/>
           </a:p>
@@ -2313,7 +2480,7 @@
             <a:fld id="{09B482E8-6E0E-1B4F-B1FD-C69DB9E858D9}" type="datetimeFigureOut">
               <a:rPr lang="en-US" smtClean="0"/>
               <a:pPr/>
-              <a:t>11/21/2019</a:t>
+              <a:t>11/21/19</a:t>
             </a:fld>
             <a:endParaRPr lang="en-US" dirty="0"/>
           </a:p>
@@ -2630,7 +2797,7 @@
             <a:fld id="{09B482E8-6E0E-1B4F-B1FD-C69DB9E858D9}" type="datetimeFigureOut">
               <a:rPr lang="en-US" smtClean="0"/>
               <a:pPr/>
-              <a:t>11/21/2019</a:t>
+              <a:t>11/21/19</a:t>
             </a:fld>
             <a:endParaRPr lang="en-US" dirty="0"/>
           </a:p>
@@ -2966,7 +3133,7 @@
             <a:fld id="{09B482E8-6E0E-1B4F-B1FD-C69DB9E858D9}" type="datetimeFigureOut">
               <a:rPr lang="en-US" smtClean="0"/>
               <a:pPr/>
-              <a:t>11/21/2019</a:t>
+              <a:t>11/21/19</a:t>
             </a:fld>
             <a:endParaRPr lang="en-US" dirty="0"/>
           </a:p>
@@ -3283,7 +3450,7 @@
             <a:fld id="{09B482E8-6E0E-1B4F-B1FD-C69DB9E858D9}" type="datetimeFigureOut">
               <a:rPr lang="en-US" smtClean="0"/>
               <a:pPr/>
-              <a:t>11/21/2019</a:t>
+              <a:t>11/21/19</a:t>
             </a:fld>
             <a:endParaRPr lang="en-US" dirty="0"/>
           </a:p>
@@ -3679,7 +3846,7 @@
             <a:fld id="{09B482E8-6E0E-1B4F-B1FD-C69DB9E858D9}" type="datetimeFigureOut">
               <a:rPr lang="en-US" smtClean="0"/>
               <a:pPr/>
-              <a:t>11/21/2019</a:t>
+              <a:t>11/21/19</a:t>
             </a:fld>
             <a:endParaRPr lang="en-US" dirty="0"/>
           </a:p>
@@ -3852,7 +4019,7 @@
             <a:fld id="{C6C52C72-DE31-F449-A4ED-4C594FD91407}" type="datetimeFigureOut">
               <a:rPr lang="en-US" smtClean="0"/>
               <a:pPr/>
-              <a:t>11/21/2019</a:t>
+              <a:t>11/21/19</a:t>
             </a:fld>
             <a:endParaRPr lang="en-US" dirty="0"/>
           </a:p>
@@ -4034,7 +4201,7 @@
             <a:fld id="{ED62726E-379B-B349-9EED-81ED093FA806}" type="datetimeFigureOut">
               <a:rPr lang="en-US" smtClean="0"/>
               <a:pPr/>
-              <a:t>11/21/2019</a:t>
+              <a:t>11/21/19</a:t>
             </a:fld>
             <a:endParaRPr lang="en-US" dirty="0"/>
           </a:p>
@@ -4206,7 +4373,7 @@
             <a:fld id="{9B3A1323-8D79-1946-B0D7-40001CF92E9D}" type="datetimeFigureOut">
               <a:rPr lang="en-US" smtClean="0"/>
               <a:pPr/>
-              <a:t>11/21/2019</a:t>
+              <a:t>11/21/19</a:t>
             </a:fld>
             <a:endParaRPr lang="en-US" dirty="0"/>
           </a:p>
@@ -4455,7 +4622,7 @@
             <a:fld id="{8DFA1846-DA80-1C48-A609-854EA85C59AD}" type="datetimeFigureOut">
               <a:rPr lang="en-US" smtClean="0"/>
               <a:pPr/>
-              <a:t>11/21/2019</a:t>
+              <a:t>11/21/19</a:t>
             </a:fld>
             <a:endParaRPr lang="en-US" dirty="0"/>
           </a:p>
@@ -4689,7 +4856,7 @@
             <a:fld id="{57302355-E14B-8545-A8F8-0FE83CC9D524}" type="datetimeFigureOut">
               <a:rPr lang="en-US" smtClean="0"/>
               <a:pPr/>
-              <a:t>11/21/2019</a:t>
+              <a:t>11/21/19</a:t>
             </a:fld>
             <a:endParaRPr lang="en-US" dirty="0"/>
           </a:p>
@@ -5065,7 +5232,7 @@
             <a:fld id="{02640F58-564D-2B4F-AE67-E407BA4FCF45}" type="datetimeFigureOut">
               <a:rPr lang="en-US" smtClean="0"/>
               <a:pPr/>
-              <a:t>11/21/2019</a:t>
+              <a:t>11/21/19</a:t>
             </a:fld>
             <a:endParaRPr lang="en-US" dirty="0"/>
           </a:p>
@@ -5190,7 +5357,7 @@
             <a:fld id="{F13A34C8-038E-2045-AF43-DF7DBB8E0E9E}" type="datetimeFigureOut">
               <a:rPr lang="en-US" smtClean="0"/>
               <a:pPr/>
-              <a:t>11/21/2019</a:t>
+              <a:t>11/21/19</a:t>
             </a:fld>
             <a:endParaRPr lang="en-US" dirty="0"/>
           </a:p>
@@ -5287,7 +5454,7 @@
             <a:fld id="{8818C68F-D26B-8F47-958C-23B49CF8A634}" type="datetimeFigureOut">
               <a:rPr lang="en-US" smtClean="0"/>
               <a:pPr/>
-              <a:t>11/21/2019</a:t>
+              <a:t>11/21/19</a:t>
             </a:fld>
             <a:endParaRPr lang="en-US" dirty="0"/>
           </a:p>
@@ -5544,7 +5711,7 @@
             <a:fld id="{D0DF5E60-9974-AC48-9591-99C2BB44B7CF}" type="datetimeFigureOut">
               <a:rPr lang="en-US" smtClean="0"/>
               <a:pPr/>
-              <a:t>11/21/2019</a:t>
+              <a:t>11/21/19</a:t>
             </a:fld>
             <a:endParaRPr lang="en-US" dirty="0"/>
           </a:p>
@@ -5852,7 +6019,7 @@
             <a:fld id="{09B482E8-6E0E-1B4F-B1FD-C69DB9E858D9}" type="datetimeFigureOut">
               <a:rPr lang="en-US" smtClean="0"/>
               <a:pPr/>
-              <a:t>11/21/2019</a:t>
+              <a:t>11/21/19</a:t>
             </a:fld>
             <a:endParaRPr lang="en-US" dirty="0"/>
           </a:p>
@@ -6556,7 +6723,7 @@
             <a:fld id="{09B482E8-6E0E-1B4F-B1FD-C69DB9E858D9}" type="datetimeFigureOut">
               <a:rPr lang="en-US" smtClean="0"/>
               <a:pPr/>
-              <a:t>11/21/2019</a:t>
+              <a:t>11/21/19</a:t>
             </a:fld>
             <a:endParaRPr lang="en-US" dirty="0"/>
           </a:p>
@@ -7104,9 +7271,17 @@
           <a:lstStyle/>
           <a:p>
             <a:r>
+              <a:rPr lang="en-US" sz="6600" dirty="0"/>
+              <a:t>Crash!</a:t>
+            </a:r>
+            <a:br>
               <a:rPr lang="en-US" dirty="0"/>
+            </a:br>
+            <a:r>
+              <a:rPr lang="en-US" sz="3600" dirty="0"/>
               <a:t>Stock Simulation Game</a:t>
             </a:r>
+            <a:endParaRPr lang="en-US" dirty="0"/>
           </a:p>
         </p:txBody>
       </p:sp>
@@ -7440,7 +7615,7 @@
     </p:spTree>
     <p:extLst>
       <p:ext uri="{BB962C8B-B14F-4D97-AF65-F5344CB8AC3E}">
-        <p14:creationId xmlns:p14="http://schemas.microsoft.com/office/powerpoint/2010/main" val="1467564254"/>
+        <p14:creationId xmlns:p14="http://schemas.microsoft.com/office/powerpoint/2010/main" val="816844263"/>
       </p:ext>
     </p:extLst>
   </p:cSld>
@@ -7472,7 +7647,7 @@
           <p:cNvPr id="2" name="Title 1">
             <a:extLst>
               <a:ext uri="{FF2B5EF4-FFF2-40B4-BE49-F238E27FC236}">
-                <a16:creationId xmlns:a16="http://schemas.microsoft.com/office/drawing/2014/main" id="{0B8510EA-80A4-A142-8E01-B079CE29C39A}"/>
+                <a16:creationId xmlns:a16="http://schemas.microsoft.com/office/drawing/2014/main" id="{F815B958-F430-284F-937B-4428EDC07691}"/>
               </a:ext>
             </a:extLst>
           </p:cNvPr>
@@ -7490,17 +7665,17 @@
           <a:p>
             <a:r>
               <a:rPr lang="en-US" dirty="0"/>
-              <a:t>Work in Progress</a:t>
-            </a:r>
-          </a:p>
-        </p:txBody>
-      </p:sp>
-      <p:sp>
-        <p:nvSpPr>
-          <p:cNvPr id="4" name="Content Placeholder 2">
+              <a:t>Improvements for Future Projects</a:t>
+            </a:r>
+          </a:p>
+        </p:txBody>
+      </p:sp>
+      <p:sp>
+        <p:nvSpPr>
+          <p:cNvPr id="3" name="Content Placeholder 2">
             <a:extLst>
               <a:ext uri="{FF2B5EF4-FFF2-40B4-BE49-F238E27FC236}">
-                <a16:creationId xmlns:a16="http://schemas.microsoft.com/office/drawing/2014/main" id="{402E3166-D3FF-904F-B026-8092268B2346}"/>
+                <a16:creationId xmlns:a16="http://schemas.microsoft.com/office/drawing/2014/main" id="{10E9FD41-C25C-A84B-A800-C418B543406F}"/>
               </a:ext>
             </a:extLst>
           </p:cNvPr>
@@ -7508,633 +7683,43 @@
             <a:spLocks noGrp="1"/>
           </p:cNvSpPr>
           <p:nvPr>
-            <p:ph sz="half" idx="1"/>
-          </p:nvPr>
-        </p:nvSpPr>
-        <p:spPr>
-          <a:xfrm>
-            <a:off x="677335" y="2160589"/>
-            <a:ext cx="2909928" cy="3880772"/>
-          </a:xfrm>
-        </p:spPr>
+            <p:ph idx="1"/>
+          </p:nvPr>
+        </p:nvSpPr>
+        <p:spPr/>
         <p:txBody>
           <a:bodyPr/>
           <a:lstStyle/>
           <a:p>
-            <a:pPr marL="0" indent="0">
-              <a:buNone/>
-            </a:pPr>
-            <a:r>
-              <a:rPr lang="en-US" b="1" dirty="0"/>
-              <a:t>Front-End Sub-Team</a:t>
-            </a:r>
-          </a:p>
-          <a:p>
-            <a:r>
-              <a:rPr lang="en-US" sz="1600" dirty="0"/>
-              <a:t>Back-end integration</a:t>
-            </a:r>
-          </a:p>
-          <a:p>
-            <a:r>
-              <a:rPr lang="en-US" sz="1600" dirty="0"/>
-              <a:t>Button functionality integration with game logic</a:t>
-            </a:r>
-          </a:p>
-          <a:p>
-            <a:endParaRPr lang="en-US" sz="1600" dirty="0"/>
-          </a:p>
-        </p:txBody>
-      </p:sp>
-      <p:sp>
-        <p:nvSpPr>
-          <p:cNvPr id="5" name="Content Placeholder 2">
-            <a:extLst>
-              <a:ext uri="{FF2B5EF4-FFF2-40B4-BE49-F238E27FC236}">
-                <a16:creationId xmlns:a16="http://schemas.microsoft.com/office/drawing/2014/main" id="{CEDBD428-65E5-EC45-B822-18CC650DBF30}"/>
-              </a:ext>
-            </a:extLst>
-          </p:cNvPr>
-          <p:cNvSpPr txBox="1">
-            <a:spLocks/>
-          </p:cNvSpPr>
-          <p:nvPr/>
-        </p:nvSpPr>
-        <p:spPr>
-          <a:xfrm>
-            <a:off x="3520704" y="2168821"/>
-            <a:ext cx="2909928" cy="3880772"/>
-          </a:xfrm>
-          <a:prstGeom prst="rect">
-            <a:avLst/>
-          </a:prstGeom>
-        </p:spPr>
-        <p:txBody>
-          <a:bodyPr vert="horz" lIns="91440" tIns="45720" rIns="91440" bIns="45720" rtlCol="0">
-            <a:normAutofit/>
-          </a:bodyPr>
-          <a:lstStyle>
-            <a:lvl1pPr marL="342900" indent="-342900" algn="l" defTabSz="457200" rtl="0" eaLnBrk="1" latinLnBrk="0" hangingPunct="1">
-              <a:spcBef>
-                <a:spcPts val="1000"/>
-              </a:spcBef>
-              <a:spcAft>
-                <a:spcPts val="0"/>
-              </a:spcAft>
-              <a:buClr>
-                <a:schemeClr val="accent1"/>
-              </a:buClr>
-              <a:buSzPct val="80000"/>
-              <a:buFont typeface="Wingdings 3" charset="2"/>
-              <a:buChar char=""/>
-              <a:defRPr sz="1800" kern="1200">
-                <a:solidFill>
-                  <a:schemeClr val="tx1">
-                    <a:lumMod val="75000"/>
-                    <a:lumOff val="25000"/>
-                  </a:schemeClr>
-                </a:solidFill>
-                <a:latin typeface="+mn-lt"/>
-                <a:ea typeface="+mn-ea"/>
-                <a:cs typeface="+mn-cs"/>
-              </a:defRPr>
-            </a:lvl1pPr>
-            <a:lvl2pPr marL="742950" indent="-285750" algn="l" defTabSz="457200" rtl="0" eaLnBrk="1" latinLnBrk="0" hangingPunct="1">
-              <a:spcBef>
-                <a:spcPts val="1000"/>
-              </a:spcBef>
-              <a:spcAft>
-                <a:spcPts val="0"/>
-              </a:spcAft>
-              <a:buClr>
-                <a:schemeClr val="accent1"/>
-              </a:buClr>
-              <a:buSzPct val="80000"/>
-              <a:buFont typeface="Wingdings 3" charset="2"/>
-              <a:buChar char=""/>
-              <a:defRPr sz="1600" kern="1200">
-                <a:solidFill>
-                  <a:schemeClr val="tx1">
-                    <a:lumMod val="75000"/>
-                    <a:lumOff val="25000"/>
-                  </a:schemeClr>
-                </a:solidFill>
-                <a:latin typeface="+mn-lt"/>
-                <a:ea typeface="+mn-ea"/>
-                <a:cs typeface="+mn-cs"/>
-              </a:defRPr>
-            </a:lvl2pPr>
-            <a:lvl3pPr marL="1143000" indent="-228600" algn="l" defTabSz="457200" rtl="0" eaLnBrk="1" latinLnBrk="0" hangingPunct="1">
-              <a:spcBef>
-                <a:spcPts val="1000"/>
-              </a:spcBef>
-              <a:spcAft>
-                <a:spcPts val="0"/>
-              </a:spcAft>
-              <a:buClr>
-                <a:schemeClr val="accent1"/>
-              </a:buClr>
-              <a:buSzPct val="80000"/>
-              <a:buFont typeface="Wingdings 3" charset="2"/>
-              <a:buChar char=""/>
-              <a:defRPr sz="1400" kern="1200">
-                <a:solidFill>
-                  <a:schemeClr val="tx1">
-                    <a:lumMod val="75000"/>
-                    <a:lumOff val="25000"/>
-                  </a:schemeClr>
-                </a:solidFill>
-                <a:latin typeface="+mn-lt"/>
-                <a:ea typeface="+mn-ea"/>
-                <a:cs typeface="+mn-cs"/>
-              </a:defRPr>
-            </a:lvl3pPr>
-            <a:lvl4pPr marL="1600200" indent="-228600" algn="l" defTabSz="457200" rtl="0" eaLnBrk="1" latinLnBrk="0" hangingPunct="1">
-              <a:spcBef>
-                <a:spcPts val="1000"/>
-              </a:spcBef>
-              <a:spcAft>
-                <a:spcPts val="0"/>
-              </a:spcAft>
-              <a:buClr>
-                <a:schemeClr val="accent1"/>
-              </a:buClr>
-              <a:buSzPct val="80000"/>
-              <a:buFont typeface="Wingdings 3" charset="2"/>
-              <a:buChar char=""/>
-              <a:defRPr sz="1200" kern="1200">
-                <a:solidFill>
-                  <a:schemeClr val="tx1">
-                    <a:lumMod val="75000"/>
-                    <a:lumOff val="25000"/>
-                  </a:schemeClr>
-                </a:solidFill>
-                <a:latin typeface="+mn-lt"/>
-                <a:ea typeface="+mn-ea"/>
-                <a:cs typeface="+mn-cs"/>
-              </a:defRPr>
-            </a:lvl4pPr>
-            <a:lvl5pPr marL="2057400" indent="-228600" algn="l" defTabSz="457200" rtl="0" eaLnBrk="1" latinLnBrk="0" hangingPunct="1">
-              <a:spcBef>
-                <a:spcPts val="1000"/>
-              </a:spcBef>
-              <a:spcAft>
-                <a:spcPts val="0"/>
-              </a:spcAft>
-              <a:buClr>
-                <a:schemeClr val="accent1"/>
-              </a:buClr>
-              <a:buSzPct val="80000"/>
-              <a:buFont typeface="Wingdings 3" charset="2"/>
-              <a:buChar char=""/>
-              <a:defRPr sz="1200" kern="1200">
-                <a:solidFill>
-                  <a:schemeClr val="tx1">
-                    <a:lumMod val="75000"/>
-                    <a:lumOff val="25000"/>
-                  </a:schemeClr>
-                </a:solidFill>
-                <a:latin typeface="+mn-lt"/>
-                <a:ea typeface="+mn-ea"/>
-                <a:cs typeface="+mn-cs"/>
-              </a:defRPr>
-            </a:lvl5pPr>
-            <a:lvl6pPr marL="2514600" indent="-228600" algn="l" defTabSz="457200" rtl="0" eaLnBrk="1" latinLnBrk="0" hangingPunct="1">
-              <a:spcBef>
-                <a:spcPts val="1000"/>
-              </a:spcBef>
-              <a:spcAft>
-                <a:spcPts val="0"/>
-              </a:spcAft>
-              <a:buClr>
-                <a:schemeClr val="accent1"/>
-              </a:buClr>
-              <a:buSzPct val="80000"/>
-              <a:buFont typeface="Wingdings 3" charset="2"/>
-              <a:buChar char=""/>
-              <a:defRPr sz="1200" kern="1200">
-                <a:solidFill>
-                  <a:schemeClr val="tx1">
-                    <a:lumMod val="75000"/>
-                    <a:lumOff val="25000"/>
-                  </a:schemeClr>
-                </a:solidFill>
-                <a:latin typeface="+mn-lt"/>
-                <a:ea typeface="+mn-ea"/>
-                <a:cs typeface="+mn-cs"/>
-              </a:defRPr>
-            </a:lvl6pPr>
-            <a:lvl7pPr marL="2971800" indent="-228600" algn="l" defTabSz="457200" rtl="0" eaLnBrk="1" latinLnBrk="0" hangingPunct="1">
-              <a:spcBef>
-                <a:spcPts val="1000"/>
-              </a:spcBef>
-              <a:spcAft>
-                <a:spcPts val="0"/>
-              </a:spcAft>
-              <a:buClr>
-                <a:schemeClr val="accent1"/>
-              </a:buClr>
-              <a:buSzPct val="80000"/>
-              <a:buFont typeface="Wingdings 3" charset="2"/>
-              <a:buChar char=""/>
-              <a:defRPr sz="1200" kern="1200">
-                <a:solidFill>
-                  <a:schemeClr val="tx1">
-                    <a:lumMod val="75000"/>
-                    <a:lumOff val="25000"/>
-                  </a:schemeClr>
-                </a:solidFill>
-                <a:latin typeface="+mn-lt"/>
-                <a:ea typeface="+mn-ea"/>
-                <a:cs typeface="+mn-cs"/>
-              </a:defRPr>
-            </a:lvl7pPr>
-            <a:lvl8pPr marL="3429000" indent="-228600" algn="l" defTabSz="457200" rtl="0" eaLnBrk="1" latinLnBrk="0" hangingPunct="1">
-              <a:spcBef>
-                <a:spcPts val="1000"/>
-              </a:spcBef>
-              <a:spcAft>
-                <a:spcPts val="0"/>
-              </a:spcAft>
-              <a:buClr>
-                <a:schemeClr val="accent1"/>
-              </a:buClr>
-              <a:buSzPct val="80000"/>
-              <a:buFont typeface="Wingdings 3" charset="2"/>
-              <a:buChar char=""/>
-              <a:defRPr sz="1200" kern="1200">
-                <a:solidFill>
-                  <a:schemeClr val="tx1">
-                    <a:lumMod val="75000"/>
-                    <a:lumOff val="25000"/>
-                  </a:schemeClr>
-                </a:solidFill>
-                <a:latin typeface="+mn-lt"/>
-                <a:ea typeface="+mn-ea"/>
-                <a:cs typeface="+mn-cs"/>
-              </a:defRPr>
-            </a:lvl8pPr>
-            <a:lvl9pPr marL="3886200" indent="-228600" algn="l" defTabSz="457200" rtl="0" eaLnBrk="1" latinLnBrk="0" hangingPunct="1">
-              <a:spcBef>
-                <a:spcPts val="1000"/>
-              </a:spcBef>
-              <a:spcAft>
-                <a:spcPts val="0"/>
-              </a:spcAft>
-              <a:buClr>
-                <a:schemeClr val="accent1"/>
-              </a:buClr>
-              <a:buSzPct val="80000"/>
-              <a:buFont typeface="Wingdings 3" charset="2"/>
-              <a:buChar char=""/>
-              <a:defRPr sz="1200" kern="1200">
-                <a:solidFill>
-                  <a:schemeClr val="tx1">
-                    <a:lumMod val="75000"/>
-                    <a:lumOff val="25000"/>
-                  </a:schemeClr>
-                </a:solidFill>
-                <a:latin typeface="+mn-lt"/>
-                <a:ea typeface="+mn-ea"/>
-                <a:cs typeface="+mn-cs"/>
-              </a:defRPr>
-            </a:lvl9pPr>
-          </a:lstStyle>
-          <a:p>
-            <a:pPr marL="0" indent="0">
-              <a:buNone/>
-            </a:pPr>
-            <a:r>
-              <a:rPr lang="en-US" b="1" dirty="0"/>
-              <a:t>Back-End Sub-Team</a:t>
-            </a:r>
-          </a:p>
-          <a:p>
-            <a:r>
-              <a:rPr lang="en-US" sz="1600" dirty="0"/>
-              <a:t>He</a:t>
-            </a:r>
-          </a:p>
-          <a:p>
-            <a:r>
-              <a:rPr lang="en-US" sz="1600" dirty="0"/>
-              <a:t>lo</a:t>
-            </a:r>
-          </a:p>
-        </p:txBody>
-      </p:sp>
-      <p:sp>
-        <p:nvSpPr>
-          <p:cNvPr id="6" name="Content Placeholder 2">
-            <a:extLst>
-              <a:ext uri="{FF2B5EF4-FFF2-40B4-BE49-F238E27FC236}">
-                <a16:creationId xmlns:a16="http://schemas.microsoft.com/office/drawing/2014/main" id="{ABFA7731-22EF-2946-AFDC-E09B0D18A463}"/>
-              </a:ext>
-            </a:extLst>
-          </p:cNvPr>
-          <p:cNvSpPr txBox="1">
-            <a:spLocks/>
-          </p:cNvSpPr>
-          <p:nvPr/>
-        </p:nvSpPr>
-        <p:spPr>
-          <a:xfrm>
-            <a:off x="6236676" y="2177053"/>
-            <a:ext cx="3793589" cy="3880772"/>
-          </a:xfrm>
-          <a:prstGeom prst="rect">
-            <a:avLst/>
-          </a:prstGeom>
-        </p:spPr>
-        <p:txBody>
-          <a:bodyPr vert="horz" lIns="91440" tIns="45720" rIns="91440" bIns="45720" rtlCol="0">
-            <a:normAutofit/>
-          </a:bodyPr>
-          <a:lstStyle>
-            <a:lvl1pPr marL="342900" indent="-342900" algn="l" defTabSz="457200" rtl="0" eaLnBrk="1" latinLnBrk="0" hangingPunct="1">
-              <a:spcBef>
-                <a:spcPts val="1000"/>
-              </a:spcBef>
-              <a:spcAft>
-                <a:spcPts val="0"/>
-              </a:spcAft>
-              <a:buClr>
-                <a:schemeClr val="accent1"/>
-              </a:buClr>
-              <a:buSzPct val="80000"/>
-              <a:buFont typeface="Wingdings 3" charset="2"/>
-              <a:buChar char=""/>
-              <a:defRPr sz="1800" kern="1200">
-                <a:solidFill>
-                  <a:schemeClr val="tx1">
-                    <a:lumMod val="75000"/>
-                    <a:lumOff val="25000"/>
-                  </a:schemeClr>
-                </a:solidFill>
-                <a:latin typeface="+mn-lt"/>
-                <a:ea typeface="+mn-ea"/>
-                <a:cs typeface="+mn-cs"/>
-              </a:defRPr>
-            </a:lvl1pPr>
-            <a:lvl2pPr marL="742950" indent="-285750" algn="l" defTabSz="457200" rtl="0" eaLnBrk="1" latinLnBrk="0" hangingPunct="1">
-              <a:spcBef>
-                <a:spcPts val="1000"/>
-              </a:spcBef>
-              <a:spcAft>
-                <a:spcPts val="0"/>
-              </a:spcAft>
-              <a:buClr>
-                <a:schemeClr val="accent1"/>
-              </a:buClr>
-              <a:buSzPct val="80000"/>
-              <a:buFont typeface="Wingdings 3" charset="2"/>
-              <a:buChar char=""/>
-              <a:defRPr sz="1600" kern="1200">
-                <a:solidFill>
-                  <a:schemeClr val="tx1">
-                    <a:lumMod val="75000"/>
-                    <a:lumOff val="25000"/>
-                  </a:schemeClr>
-                </a:solidFill>
-                <a:latin typeface="+mn-lt"/>
-                <a:ea typeface="+mn-ea"/>
-                <a:cs typeface="+mn-cs"/>
-              </a:defRPr>
-            </a:lvl2pPr>
-            <a:lvl3pPr marL="1143000" indent="-228600" algn="l" defTabSz="457200" rtl="0" eaLnBrk="1" latinLnBrk="0" hangingPunct="1">
-              <a:spcBef>
-                <a:spcPts val="1000"/>
-              </a:spcBef>
-              <a:spcAft>
-                <a:spcPts val="0"/>
-              </a:spcAft>
-              <a:buClr>
-                <a:schemeClr val="accent1"/>
-              </a:buClr>
-              <a:buSzPct val="80000"/>
-              <a:buFont typeface="Wingdings 3" charset="2"/>
-              <a:buChar char=""/>
-              <a:defRPr sz="1400" kern="1200">
-                <a:solidFill>
-                  <a:schemeClr val="tx1">
-                    <a:lumMod val="75000"/>
-                    <a:lumOff val="25000"/>
-                  </a:schemeClr>
-                </a:solidFill>
-                <a:latin typeface="+mn-lt"/>
-                <a:ea typeface="+mn-ea"/>
-                <a:cs typeface="+mn-cs"/>
-              </a:defRPr>
-            </a:lvl3pPr>
-            <a:lvl4pPr marL="1600200" indent="-228600" algn="l" defTabSz="457200" rtl="0" eaLnBrk="1" latinLnBrk="0" hangingPunct="1">
-              <a:spcBef>
-                <a:spcPts val="1000"/>
-              </a:spcBef>
-              <a:spcAft>
-                <a:spcPts val="0"/>
-              </a:spcAft>
-              <a:buClr>
-                <a:schemeClr val="accent1"/>
-              </a:buClr>
-              <a:buSzPct val="80000"/>
-              <a:buFont typeface="Wingdings 3" charset="2"/>
-              <a:buChar char=""/>
-              <a:defRPr sz="1200" kern="1200">
-                <a:solidFill>
-                  <a:schemeClr val="tx1">
-                    <a:lumMod val="75000"/>
-                    <a:lumOff val="25000"/>
-                  </a:schemeClr>
-                </a:solidFill>
-                <a:latin typeface="+mn-lt"/>
-                <a:ea typeface="+mn-ea"/>
-                <a:cs typeface="+mn-cs"/>
-              </a:defRPr>
-            </a:lvl4pPr>
-            <a:lvl5pPr marL="2057400" indent="-228600" algn="l" defTabSz="457200" rtl="0" eaLnBrk="1" latinLnBrk="0" hangingPunct="1">
-              <a:spcBef>
-                <a:spcPts val="1000"/>
-              </a:spcBef>
-              <a:spcAft>
-                <a:spcPts val="0"/>
-              </a:spcAft>
-              <a:buClr>
-                <a:schemeClr val="accent1"/>
-              </a:buClr>
-              <a:buSzPct val="80000"/>
-              <a:buFont typeface="Wingdings 3" charset="2"/>
-              <a:buChar char=""/>
-              <a:defRPr sz="1200" kern="1200">
-                <a:solidFill>
-                  <a:schemeClr val="tx1">
-                    <a:lumMod val="75000"/>
-                    <a:lumOff val="25000"/>
-                  </a:schemeClr>
-                </a:solidFill>
-                <a:latin typeface="+mn-lt"/>
-                <a:ea typeface="+mn-ea"/>
-                <a:cs typeface="+mn-cs"/>
-              </a:defRPr>
-            </a:lvl5pPr>
-            <a:lvl6pPr marL="2514600" indent="-228600" algn="l" defTabSz="457200" rtl="0" eaLnBrk="1" latinLnBrk="0" hangingPunct="1">
-              <a:spcBef>
-                <a:spcPts val="1000"/>
-              </a:spcBef>
-              <a:spcAft>
-                <a:spcPts val="0"/>
-              </a:spcAft>
-              <a:buClr>
-                <a:schemeClr val="accent1"/>
-              </a:buClr>
-              <a:buSzPct val="80000"/>
-              <a:buFont typeface="Wingdings 3" charset="2"/>
-              <a:buChar char=""/>
-              <a:defRPr sz="1200" kern="1200">
-                <a:solidFill>
-                  <a:schemeClr val="tx1">
-                    <a:lumMod val="75000"/>
-                    <a:lumOff val="25000"/>
-                  </a:schemeClr>
-                </a:solidFill>
-                <a:latin typeface="+mn-lt"/>
-                <a:ea typeface="+mn-ea"/>
-                <a:cs typeface="+mn-cs"/>
-              </a:defRPr>
-            </a:lvl6pPr>
-            <a:lvl7pPr marL="2971800" indent="-228600" algn="l" defTabSz="457200" rtl="0" eaLnBrk="1" latinLnBrk="0" hangingPunct="1">
-              <a:spcBef>
-                <a:spcPts val="1000"/>
-              </a:spcBef>
-              <a:spcAft>
-                <a:spcPts val="0"/>
-              </a:spcAft>
-              <a:buClr>
-                <a:schemeClr val="accent1"/>
-              </a:buClr>
-              <a:buSzPct val="80000"/>
-              <a:buFont typeface="Wingdings 3" charset="2"/>
-              <a:buChar char=""/>
-              <a:defRPr sz="1200" kern="1200">
-                <a:solidFill>
-                  <a:schemeClr val="tx1">
-                    <a:lumMod val="75000"/>
-                    <a:lumOff val="25000"/>
-                  </a:schemeClr>
-                </a:solidFill>
-                <a:latin typeface="+mn-lt"/>
-                <a:ea typeface="+mn-ea"/>
-                <a:cs typeface="+mn-cs"/>
-              </a:defRPr>
-            </a:lvl7pPr>
-            <a:lvl8pPr marL="3429000" indent="-228600" algn="l" defTabSz="457200" rtl="0" eaLnBrk="1" latinLnBrk="0" hangingPunct="1">
-              <a:spcBef>
-                <a:spcPts val="1000"/>
-              </a:spcBef>
-              <a:spcAft>
-                <a:spcPts val="0"/>
-              </a:spcAft>
-              <a:buClr>
-                <a:schemeClr val="accent1"/>
-              </a:buClr>
-              <a:buSzPct val="80000"/>
-              <a:buFont typeface="Wingdings 3" charset="2"/>
-              <a:buChar char=""/>
-              <a:defRPr sz="1200" kern="1200">
-                <a:solidFill>
-                  <a:schemeClr val="tx1">
-                    <a:lumMod val="75000"/>
-                    <a:lumOff val="25000"/>
-                  </a:schemeClr>
-                </a:solidFill>
-                <a:latin typeface="+mn-lt"/>
-                <a:ea typeface="+mn-ea"/>
-                <a:cs typeface="+mn-cs"/>
-              </a:defRPr>
-            </a:lvl8pPr>
-            <a:lvl9pPr marL="3886200" indent="-228600" algn="l" defTabSz="457200" rtl="0" eaLnBrk="1" latinLnBrk="0" hangingPunct="1">
-              <a:spcBef>
-                <a:spcPts val="1000"/>
-              </a:spcBef>
-              <a:spcAft>
-                <a:spcPts val="0"/>
-              </a:spcAft>
-              <a:buClr>
-                <a:schemeClr val="accent1"/>
-              </a:buClr>
-              <a:buSzPct val="80000"/>
-              <a:buFont typeface="Wingdings 3" charset="2"/>
-              <a:buChar char=""/>
-              <a:defRPr sz="1200" kern="1200">
-                <a:solidFill>
-                  <a:schemeClr val="tx1">
-                    <a:lumMod val="75000"/>
-                    <a:lumOff val="25000"/>
-                  </a:schemeClr>
-                </a:solidFill>
-                <a:latin typeface="+mn-lt"/>
-                <a:ea typeface="+mn-ea"/>
-                <a:cs typeface="+mn-cs"/>
-              </a:defRPr>
-            </a:lvl9pPr>
-          </a:lstStyle>
-          <a:p>
-            <a:pPr marL="0" indent="0">
-              <a:buNone/>
-            </a:pPr>
-            <a:r>
-              <a:rPr lang="en-US" b="1" dirty="0"/>
-              <a:t>Game Functionality Sub-Team</a:t>
-            </a:r>
-          </a:p>
-          <a:p>
-            <a:r>
-              <a:rPr lang="en-US" sz="1600" dirty="0"/>
-              <a:t>Solidify game security</a:t>
-            </a:r>
-          </a:p>
-          <a:p>
-            <a:r>
-              <a:rPr lang="en-US" sz="1600" dirty="0"/>
-              <a:t>Implement new game logic for additional features</a:t>
-            </a:r>
-          </a:p>
-          <a:p>
-            <a:pPr lvl="1"/>
-            <a:r>
-              <a:rPr lang="en-US" sz="1400" dirty="0"/>
-              <a:t>Buy out functionality</a:t>
-            </a:r>
-          </a:p>
-          <a:p>
-            <a:pPr lvl="1"/>
-            <a:r>
-              <a:rPr lang="en-US" sz="1400" dirty="0"/>
-              <a:t>Log out functionality</a:t>
-            </a:r>
-          </a:p>
-          <a:p>
-            <a:pPr lvl="1"/>
-            <a:r>
-              <a:rPr lang="en-US" sz="1400" dirty="0"/>
-              <a:t>Winning conditions</a:t>
-            </a:r>
-          </a:p>
-          <a:p>
-            <a:pPr lvl="1"/>
-            <a:r>
-              <a:rPr lang="en-US" sz="1400" dirty="0"/>
-              <a:t>Per round fee</a:t>
-            </a:r>
-          </a:p>
-          <a:p>
-            <a:endParaRPr lang="en-US" dirty="0"/>
+            <a:r>
+              <a:rPr lang="en-US" dirty="0"/>
+              <a:t>Creation of Game Logic Flowchart at beginning of semester</a:t>
+            </a:r>
+          </a:p>
+          <a:p>
+            <a:r>
+              <a:rPr lang="en-US" dirty="0"/>
+              <a:t>Use alternate IDE for front-end from the start</a:t>
+            </a:r>
+          </a:p>
+          <a:p>
+            <a:r>
+              <a:rPr lang="en-US" dirty="0"/>
+              <a:t>Improved team wide communication </a:t>
+            </a:r>
+          </a:p>
+          <a:p>
+            <a:r>
+              <a:rPr lang="en-US" dirty="0"/>
+              <a:t>Improved communication with TA</a:t>
+            </a:r>
           </a:p>
         </p:txBody>
       </p:sp>
     </p:spTree>
     <p:extLst>
       <p:ext uri="{BB962C8B-B14F-4D97-AF65-F5344CB8AC3E}">
-        <p14:creationId xmlns:p14="http://schemas.microsoft.com/office/powerpoint/2010/main" val="430596845"/>
+        <p14:creationId xmlns:p14="http://schemas.microsoft.com/office/powerpoint/2010/main" val="3146250260"/>
       </p:ext>
     </p:extLst>
   </p:cSld>
@@ -8163,110 +7748,6 @@
       </p:grpSpPr>
       <p:sp>
         <p:nvSpPr>
-          <p:cNvPr id="2" name="Title 1">
-            <a:extLst>
-              <a:ext uri="{FF2B5EF4-FFF2-40B4-BE49-F238E27FC236}">
-                <a16:creationId xmlns:a16="http://schemas.microsoft.com/office/drawing/2014/main" id="{F815B958-F430-284F-937B-4428EDC07691}"/>
-              </a:ext>
-            </a:extLst>
-          </p:cNvPr>
-          <p:cNvSpPr>
-            <a:spLocks noGrp="1"/>
-          </p:cNvSpPr>
-          <p:nvPr>
-            <p:ph type="title"/>
-          </p:nvPr>
-        </p:nvSpPr>
-        <p:spPr/>
-        <p:txBody>
-          <a:bodyPr/>
-          <a:lstStyle/>
-          <a:p>
-            <a:r>
-              <a:rPr lang="en-US" dirty="0"/>
-              <a:t>Improvements for Future Projects</a:t>
-            </a:r>
-          </a:p>
-        </p:txBody>
-      </p:sp>
-      <p:sp>
-        <p:nvSpPr>
-          <p:cNvPr id="3" name="Content Placeholder 2">
-            <a:extLst>
-              <a:ext uri="{FF2B5EF4-FFF2-40B4-BE49-F238E27FC236}">
-                <a16:creationId xmlns:a16="http://schemas.microsoft.com/office/drawing/2014/main" id="{10E9FD41-C25C-A84B-A800-C418B543406F}"/>
-              </a:ext>
-            </a:extLst>
-          </p:cNvPr>
-          <p:cNvSpPr>
-            <a:spLocks noGrp="1"/>
-          </p:cNvSpPr>
-          <p:nvPr>
-            <p:ph idx="1"/>
-          </p:nvPr>
-        </p:nvSpPr>
-        <p:spPr/>
-        <p:txBody>
-          <a:bodyPr/>
-          <a:lstStyle/>
-          <a:p>
-            <a:r>
-              <a:rPr lang="en-US" dirty="0"/>
-              <a:t>Creation of Game Logic Flowchart at beginning of semester</a:t>
-            </a:r>
-          </a:p>
-          <a:p>
-            <a:r>
-              <a:rPr lang="en-US" dirty="0"/>
-              <a:t>Use alternate IDE for front-end due to Qt library issue</a:t>
-            </a:r>
-          </a:p>
-          <a:p>
-            <a:r>
-              <a:rPr lang="en-US" dirty="0"/>
-              <a:t>Improved team wide communication </a:t>
-            </a:r>
-          </a:p>
-          <a:p>
-            <a:r>
-              <a:rPr lang="en-US" dirty="0"/>
-              <a:t>Improved communication with TA</a:t>
-            </a:r>
-          </a:p>
-        </p:txBody>
-      </p:sp>
-    </p:spTree>
-    <p:extLst>
-      <p:ext uri="{BB962C8B-B14F-4D97-AF65-F5344CB8AC3E}">
-        <p14:creationId xmlns:p14="http://schemas.microsoft.com/office/powerpoint/2010/main" val="3146250260"/>
-      </p:ext>
-    </p:extLst>
-  </p:cSld>
-  <p:clrMapOvr>
-    <a:masterClrMapping/>
-  </p:clrMapOvr>
-</p:sld>
-</file>
-
-<file path=ppt/slides/slide12.xml><?xml version="1.0" encoding="utf-8"?>
-<p:sld xmlns:a="http://schemas.openxmlformats.org/drawingml/2006/main" xmlns:r="http://schemas.openxmlformats.org/officeDocument/2006/relationships" xmlns:p="http://schemas.openxmlformats.org/presentationml/2006/main">
-  <p:cSld>
-    <p:spTree>
-      <p:nvGrpSpPr>
-        <p:cNvPr id="1" name=""/>
-        <p:cNvGrpSpPr/>
-        <p:nvPr/>
-      </p:nvGrpSpPr>
-      <p:grpSpPr>
-        <a:xfrm>
-          <a:off x="0" y="0"/>
-          <a:ext cx="0" cy="0"/>
-          <a:chOff x="0" y="0"/>
-          <a:chExt cx="0" cy="0"/>
-        </a:xfrm>
-      </p:grpSpPr>
-      <p:sp>
-        <p:nvSpPr>
           <p:cNvPr id="4" name="Title 3">
             <a:extLst>
               <a:ext uri="{FF2B5EF4-FFF2-40B4-BE49-F238E27FC236}">
@@ -8306,7 +7787,7 @@
 </p:sld>
 </file>
 
-<file path=ppt/slides/slide13.xml><?xml version="1.0" encoding="utf-8"?>
+<file path=ppt/slides/slide12.xml><?xml version="1.0" encoding="utf-8"?>
 <p:sld xmlns:a="http://schemas.openxmlformats.org/drawingml/2006/main" xmlns:r="http://schemas.openxmlformats.org/officeDocument/2006/relationships" xmlns:p="http://schemas.openxmlformats.org/presentationml/2006/main">
   <p:cSld>
     <p:spTree>
@@ -8439,7 +7920,7 @@
             <a:pPr lvl="1"/>
             <a:r>
               <a:rPr lang="en-US" dirty="0"/>
-              <a:t>Race against other users to maximize capital whilst not going bankrupt or getting bought out</a:t>
+              <a:t>Race against other users to maximize capital whilst not going bankrupt</a:t>
             </a:r>
           </a:p>
           <a:p>
@@ -8513,51 +7994,24 @@
             <a:spLocks noGrp="1"/>
           </p:cNvSpPr>
           <p:nvPr>
-            <p:ph type="title"/>
-          </p:nvPr>
-        </p:nvSpPr>
-        <p:spPr/>
-        <p:txBody>
-          <a:bodyPr/>
+            <p:ph type="ctrTitle"/>
+          </p:nvPr>
+        </p:nvSpPr>
+        <p:spPr>
+          <a:xfrm>
+            <a:off x="677335" y="1282701"/>
+            <a:ext cx="5096060" cy="4307148"/>
+          </a:xfrm>
+        </p:spPr>
+        <p:txBody>
+          <a:bodyPr anchor="ctr">
+            <a:normAutofit/>
+          </a:bodyPr>
           <a:lstStyle/>
           <a:p>
             <a:r>
               <a:rPr lang="en-US" dirty="0"/>
               <a:t>Demonstration</a:t>
-            </a:r>
-          </a:p>
-        </p:txBody>
-      </p:sp>
-      <p:sp>
-        <p:nvSpPr>
-          <p:cNvPr id="3" name="Content Placeholder 2">
-            <a:extLst>
-              <a:ext uri="{FF2B5EF4-FFF2-40B4-BE49-F238E27FC236}">
-                <a16:creationId xmlns:a16="http://schemas.microsoft.com/office/drawing/2014/main" id="{449EEBB3-55F2-2348-B2DF-2647E55601D8}"/>
-              </a:ext>
-            </a:extLst>
-          </p:cNvPr>
-          <p:cNvSpPr>
-            <a:spLocks noGrp="1"/>
-          </p:cNvSpPr>
-          <p:nvPr>
-            <p:ph idx="1"/>
-          </p:nvPr>
-        </p:nvSpPr>
-        <p:spPr/>
-        <p:txBody>
-          <a:bodyPr/>
-          <a:lstStyle/>
-          <a:p>
-            <a:r>
-              <a:rPr lang="en-US" dirty="0"/>
-              <a:t>**include screenshot of GUI here**</a:t>
-            </a:r>
-          </a:p>
-          <a:p>
-            <a:r>
-              <a:rPr lang="en-US" dirty="0"/>
-              <a:t>Exit to demonstration??</a:t>
             </a:r>
           </a:p>
         </p:txBody>
@@ -8565,7 +8019,7 @@
     </p:spTree>
     <p:extLst>
       <p:ext uri="{BB962C8B-B14F-4D97-AF65-F5344CB8AC3E}">
-        <p14:creationId xmlns:p14="http://schemas.microsoft.com/office/powerpoint/2010/main" val="1011367267"/>
+        <p14:creationId xmlns:p14="http://schemas.microsoft.com/office/powerpoint/2010/main" val="897546376"/>
       </p:ext>
     </p:extLst>
   </p:cSld>
@@ -9645,16 +9099,6 @@
               <a:rPr lang="en-US" sz="1400" dirty="0"/>
               <a:t>Logic of how players interact with the interface</a:t>
             </a:r>
-          </a:p>
-          <a:p>
-            <a:pPr lvl="1"/>
-            <a:r>
-              <a:rPr lang="en-US" sz="1400" dirty="0"/>
-              <a:t>Logic of how players interact with each other</a:t>
-            </a:r>
-          </a:p>
-          <a:p>
-            <a:endParaRPr lang="en-US" dirty="0"/>
           </a:p>
         </p:txBody>
       </p:sp>
@@ -10562,7 +10006,7 @@
           <a:p>
             <a:r>
               <a:rPr lang="en-US" dirty="0"/>
-              <a:t>Challenges Overcome</a:t>
+              <a:t>Challenges</a:t>
             </a:r>
           </a:p>
         </p:txBody>
@@ -10638,7 +10082,7 @@
         </p:nvSpPr>
         <p:spPr>
           <a:xfrm>
-            <a:off x="3520704" y="2168821"/>
+            <a:off x="3326748" y="2165942"/>
             <a:ext cx="2909928" cy="3880772"/>
           </a:xfrm>
           <a:prstGeom prst="rect">
@@ -10888,14 +10332,63 @@
           <a:p>
             <a:r>
               <a:rPr lang="en-US" sz="1600" dirty="0"/>
-              <a:t>He</a:t>
-            </a:r>
+              <a:t>Security issues on the client-side</a:t>
+            </a:r>
+          </a:p>
+          <a:p>
+            <a:pPr lvl="1"/>
+            <a:r>
+              <a:rPr lang="en-US" sz="1400" dirty="0"/>
+              <a:t>Client could hack the game &amp; cheat</a:t>
+            </a:r>
+            <a:endParaRPr lang="en-US" sz="1600" dirty="0"/>
           </a:p>
           <a:p>
             <a:r>
               <a:rPr lang="en-US" sz="1600" dirty="0"/>
-              <a:t>lo</a:t>
-            </a:r>
+              <a:t>Have server run on Windows system	</a:t>
+            </a:r>
+          </a:p>
+          <a:p>
+            <a:pPr lvl="1"/>
+            <a:r>
+              <a:rPr lang="en-US" sz="1400" dirty="0"/>
+              <a:t>Switched to </a:t>
+            </a:r>
+            <a:r>
+              <a:rPr lang="en-US" sz="1400" dirty="0" err="1"/>
+              <a:t>linux</a:t>
+            </a:r>
+            <a:r>
+              <a:rPr lang="en-US" sz="1400" dirty="0"/>
+              <a:t> system</a:t>
+            </a:r>
+          </a:p>
+          <a:p>
+            <a:r>
+              <a:rPr lang="en-US" sz="1600" dirty="0"/>
+              <a:t>Initial usage of web server for back-end</a:t>
+            </a:r>
+          </a:p>
+          <a:p>
+            <a:pPr lvl="1"/>
+            <a:r>
+              <a:rPr lang="en-US" sz="1400" dirty="0"/>
+              <a:t>Require HTTP request</a:t>
+            </a:r>
+          </a:p>
+          <a:p>
+            <a:pPr lvl="1"/>
+            <a:r>
+              <a:rPr lang="en-US" sz="1400" dirty="0"/>
+              <a:t>Switched to sockets</a:t>
+            </a:r>
+          </a:p>
+          <a:p>
+            <a:pPr marL="457200" lvl="1" indent="0">
+              <a:buNone/>
+            </a:pPr>
+            <a:endParaRPr lang="en-US" sz="1400" dirty="0"/>
           </a:p>
         </p:txBody>
       </p:sp>
@@ -11188,7 +10681,7 @@
     </p:spTree>
     <p:extLst>
       <p:ext uri="{BB962C8B-B14F-4D97-AF65-F5344CB8AC3E}">
-        <p14:creationId xmlns:p14="http://schemas.microsoft.com/office/powerpoint/2010/main" val="3072174952"/>
+        <p14:creationId xmlns:p14="http://schemas.microsoft.com/office/powerpoint/2010/main" val="78488871"/>
       </p:ext>
     </p:extLst>
   </p:cSld>
@@ -11201,6 +10694,14 @@
 <file path=ppt/slides/slide8.xml><?xml version="1.0" encoding="utf-8"?>
 <p:sld xmlns:a="http://schemas.openxmlformats.org/drawingml/2006/main" xmlns:r="http://schemas.openxmlformats.org/officeDocument/2006/relationships" xmlns:p="http://schemas.openxmlformats.org/presentationml/2006/main">
   <p:cSld>
+    <p:bg>
+      <p:bgPr>
+        <a:solidFill>
+          <a:schemeClr val="bg1"/>
+        </a:solidFill>
+        <a:effectLst/>
+      </p:bgPr>
+    </p:bg>
     <p:spTree>
       <p:nvGrpSpPr>
         <p:cNvPr id="1" name=""/>
@@ -11220,7 +10721,7 @@
           <p:cNvPr id="2" name="Title 1">
             <a:extLst>
               <a:ext uri="{FF2B5EF4-FFF2-40B4-BE49-F238E27FC236}">
-                <a16:creationId xmlns:a16="http://schemas.microsoft.com/office/drawing/2014/main" id="{8171B732-FAED-2E42-9CEF-7E91F21E47B9}"/>
+                <a16:creationId xmlns:a16="http://schemas.microsoft.com/office/drawing/2014/main" id="{22C1C253-565C-FE40-80D7-B4AC4F44A2F6}"/>
               </a:ext>
             </a:extLst>
           </p:cNvPr>
@@ -11228,860 +10729,130 @@
             <a:spLocks noGrp="1"/>
           </p:cNvSpPr>
           <p:nvPr>
-            <p:ph type="title"/>
-          </p:nvPr>
-        </p:nvSpPr>
-        <p:spPr/>
-        <p:txBody>
-          <a:bodyPr/>
+            <p:ph type="ctrTitle"/>
+          </p:nvPr>
+        </p:nvSpPr>
+        <p:spPr>
+          <a:xfrm>
+            <a:off x="4974337" y="1265314"/>
+            <a:ext cx="4890880" cy="3249131"/>
+          </a:xfrm>
+        </p:spPr>
+        <p:txBody>
+          <a:bodyPr>
+            <a:normAutofit/>
+          </a:bodyPr>
           <a:lstStyle/>
           <a:p>
+            <a:pPr algn="l"/>
             <a:r>
               <a:rPr lang="en-US" dirty="0"/>
-              <a:t>Active Difficulties</a:t>
-            </a:r>
-          </a:p>
-        </p:txBody>
-      </p:sp>
-      <p:sp>
-        <p:nvSpPr>
-          <p:cNvPr id="11" name="Content Placeholder 2">
+              <a:t>Library Usage</a:t>
+            </a:r>
+          </a:p>
+        </p:txBody>
+      </p:sp>
+      <p:sp>
+        <p:nvSpPr>
+          <p:cNvPr id="11" name="Isosceles Triangle 10">
             <a:extLst>
               <a:ext uri="{FF2B5EF4-FFF2-40B4-BE49-F238E27FC236}">
-                <a16:creationId xmlns:a16="http://schemas.microsoft.com/office/drawing/2014/main" id="{5CD39C7C-6174-A541-8571-C1EAC6FBFE81}"/>
+                <a16:creationId xmlns:a16="http://schemas.microsoft.com/office/drawing/2014/main" id="{DC99427B-A97E-40A3-B1FD-4557346C6A91}"/>
+              </a:ext>
+              <a:ext uri="{C183D7F6-B498-43B3-948B-1728B52AA6E4}">
+                <adec:decorative xmlns:adec="http://schemas.microsoft.com/office/drawing/2017/decorative" val="1"/>
               </a:ext>
             </a:extLst>
           </p:cNvPr>
-          <p:cNvSpPr txBox="1">
-            <a:spLocks/>
-          </p:cNvSpPr>
+          <p:cNvSpPr>
+            <a:spLocks noGrp="1" noRot="1" noChangeAspect="1" noMove="1" noResize="1" noEditPoints="1" noAdjustHandles="1" noChangeArrowheads="1" noChangeShapeType="1" noTextEdit="1"/>
+          </p:cNvSpPr>
+          <p:nvPr>
+            <p:extLst>
+              <p:ext uri="{386F3935-93C4-4BCD-93E2-E3B085C9AB24}">
+                <p16:designElem xmlns:p16="http://schemas.microsoft.com/office/powerpoint/2015/main" val="1"/>
+              </p:ext>
+            </p:extLst>
+          </p:nvPr>
+        </p:nvSpPr>
+        <p:spPr>
+          <a:xfrm rot="10800000">
+            <a:off x="3174" y="12700"/>
+            <a:ext cx="842596" cy="5666154"/>
+          </a:xfrm>
+          <a:prstGeom prst="triangle">
+            <a:avLst>
+              <a:gd name="adj" fmla="val 100000"/>
+            </a:avLst>
+          </a:prstGeom>
+          <a:solidFill>
+            <a:schemeClr val="accent1">
+              <a:alpha val="85000"/>
+            </a:schemeClr>
+          </a:solidFill>
+          <a:ln>
+            <a:noFill/>
+          </a:ln>
+          <a:effectLst/>
+        </p:spPr>
+        <p:style>
+          <a:lnRef idx="1">
+            <a:schemeClr val="accent1"/>
+          </a:lnRef>
+          <a:fillRef idx="3">
+            <a:schemeClr val="accent1"/>
+          </a:fillRef>
+          <a:effectRef idx="2">
+            <a:schemeClr val="accent1"/>
+          </a:effectRef>
+          <a:fontRef idx="minor">
+            <a:schemeClr val="lt1"/>
+          </a:fontRef>
+        </p:style>
+      </p:sp>
+      <p:pic>
+        <p:nvPicPr>
+          <p:cNvPr id="8" name="Graphic 7" descr="Books">
+            <a:extLst>
+              <a:ext uri="{FF2B5EF4-FFF2-40B4-BE49-F238E27FC236}">
+                <a16:creationId xmlns:a16="http://schemas.microsoft.com/office/drawing/2014/main" id="{28DD637B-07D0-4CAF-81EC-2E1DF8014900}"/>
+              </a:ext>
+            </a:extLst>
+          </p:cNvPr>
+          <p:cNvPicPr>
+            <a:picLocks noChangeAspect="1"/>
+          </p:cNvPicPr>
           <p:nvPr/>
-        </p:nvSpPr>
+        </p:nvPicPr>
+        <p:blipFill>
+          <a:blip r:embed="rId3">
+            <a:extLst>
+              <a:ext uri="{28A0092B-C50C-407E-A947-70E740481C1C}">
+                <a14:useLocalDpi xmlns:a14="http://schemas.microsoft.com/office/drawing/2010/main" val="0"/>
+              </a:ext>
+              <a:ext uri="{96DAC541-7B7A-43D3-8B79-37D633B846F1}">
+                <asvg:svgBlip xmlns:asvg="http://schemas.microsoft.com/office/drawing/2016/SVG/main" r:embed="rId4"/>
+              </a:ext>
+            </a:extLst>
+          </a:blip>
+          <a:stretch>
+            <a:fillRect/>
+          </a:stretch>
+        </p:blipFill>
         <p:spPr>
           <a:xfrm>
-            <a:off x="677335" y="2160589"/>
-            <a:ext cx="2909928" cy="3880772"/>
+            <a:off x="888604" y="1550139"/>
+            <a:ext cx="3765692" cy="3765692"/>
           </a:xfrm>
           <a:prstGeom prst="rect">
             <a:avLst/>
           </a:prstGeom>
         </p:spPr>
-        <p:txBody>
-          <a:bodyPr vert="horz" lIns="91440" tIns="45720" rIns="91440" bIns="45720" rtlCol="0">
-            <a:normAutofit/>
-          </a:bodyPr>
-          <a:lstStyle>
-            <a:lvl1pPr marL="342900" indent="-342900" algn="l" defTabSz="457200" rtl="0" eaLnBrk="1" latinLnBrk="0" hangingPunct="1">
-              <a:spcBef>
-                <a:spcPts val="1000"/>
-              </a:spcBef>
-              <a:spcAft>
-                <a:spcPts val="0"/>
-              </a:spcAft>
-              <a:buClr>
-                <a:schemeClr val="accent1"/>
-              </a:buClr>
-              <a:buSzPct val="80000"/>
-              <a:buFont typeface="Wingdings 3" charset="2"/>
-              <a:buChar char=""/>
-              <a:defRPr sz="1800" kern="1200">
-                <a:solidFill>
-                  <a:schemeClr val="tx1">
-                    <a:lumMod val="75000"/>
-                    <a:lumOff val="25000"/>
-                  </a:schemeClr>
-                </a:solidFill>
-                <a:latin typeface="+mn-lt"/>
-                <a:ea typeface="+mn-ea"/>
-                <a:cs typeface="+mn-cs"/>
-              </a:defRPr>
-            </a:lvl1pPr>
-            <a:lvl2pPr marL="742950" indent="-285750" algn="l" defTabSz="457200" rtl="0" eaLnBrk="1" latinLnBrk="0" hangingPunct="1">
-              <a:spcBef>
-                <a:spcPts val="1000"/>
-              </a:spcBef>
-              <a:spcAft>
-                <a:spcPts val="0"/>
-              </a:spcAft>
-              <a:buClr>
-                <a:schemeClr val="accent1"/>
-              </a:buClr>
-              <a:buSzPct val="80000"/>
-              <a:buFont typeface="Wingdings 3" charset="2"/>
-              <a:buChar char=""/>
-              <a:defRPr sz="1600" kern="1200">
-                <a:solidFill>
-                  <a:schemeClr val="tx1">
-                    <a:lumMod val="75000"/>
-                    <a:lumOff val="25000"/>
-                  </a:schemeClr>
-                </a:solidFill>
-                <a:latin typeface="+mn-lt"/>
-                <a:ea typeface="+mn-ea"/>
-                <a:cs typeface="+mn-cs"/>
-              </a:defRPr>
-            </a:lvl2pPr>
-            <a:lvl3pPr marL="1143000" indent="-228600" algn="l" defTabSz="457200" rtl="0" eaLnBrk="1" latinLnBrk="0" hangingPunct="1">
-              <a:spcBef>
-                <a:spcPts val="1000"/>
-              </a:spcBef>
-              <a:spcAft>
-                <a:spcPts val="0"/>
-              </a:spcAft>
-              <a:buClr>
-                <a:schemeClr val="accent1"/>
-              </a:buClr>
-              <a:buSzPct val="80000"/>
-              <a:buFont typeface="Wingdings 3" charset="2"/>
-              <a:buChar char=""/>
-              <a:defRPr sz="1400" kern="1200">
-                <a:solidFill>
-                  <a:schemeClr val="tx1">
-                    <a:lumMod val="75000"/>
-                    <a:lumOff val="25000"/>
-                  </a:schemeClr>
-                </a:solidFill>
-                <a:latin typeface="+mn-lt"/>
-                <a:ea typeface="+mn-ea"/>
-                <a:cs typeface="+mn-cs"/>
-              </a:defRPr>
-            </a:lvl3pPr>
-            <a:lvl4pPr marL="1600200" indent="-228600" algn="l" defTabSz="457200" rtl="0" eaLnBrk="1" latinLnBrk="0" hangingPunct="1">
-              <a:spcBef>
-                <a:spcPts val="1000"/>
-              </a:spcBef>
-              <a:spcAft>
-                <a:spcPts val="0"/>
-              </a:spcAft>
-              <a:buClr>
-                <a:schemeClr val="accent1"/>
-              </a:buClr>
-              <a:buSzPct val="80000"/>
-              <a:buFont typeface="Wingdings 3" charset="2"/>
-              <a:buChar char=""/>
-              <a:defRPr sz="1200" kern="1200">
-                <a:solidFill>
-                  <a:schemeClr val="tx1">
-                    <a:lumMod val="75000"/>
-                    <a:lumOff val="25000"/>
-                  </a:schemeClr>
-                </a:solidFill>
-                <a:latin typeface="+mn-lt"/>
-                <a:ea typeface="+mn-ea"/>
-                <a:cs typeface="+mn-cs"/>
-              </a:defRPr>
-            </a:lvl4pPr>
-            <a:lvl5pPr marL="2057400" indent="-228600" algn="l" defTabSz="457200" rtl="0" eaLnBrk="1" latinLnBrk="0" hangingPunct="1">
-              <a:spcBef>
-                <a:spcPts val="1000"/>
-              </a:spcBef>
-              <a:spcAft>
-                <a:spcPts val="0"/>
-              </a:spcAft>
-              <a:buClr>
-                <a:schemeClr val="accent1"/>
-              </a:buClr>
-              <a:buSzPct val="80000"/>
-              <a:buFont typeface="Wingdings 3" charset="2"/>
-              <a:buChar char=""/>
-              <a:defRPr sz="1200" kern="1200">
-                <a:solidFill>
-                  <a:schemeClr val="tx1">
-                    <a:lumMod val="75000"/>
-                    <a:lumOff val="25000"/>
-                  </a:schemeClr>
-                </a:solidFill>
-                <a:latin typeface="+mn-lt"/>
-                <a:ea typeface="+mn-ea"/>
-                <a:cs typeface="+mn-cs"/>
-              </a:defRPr>
-            </a:lvl5pPr>
-            <a:lvl6pPr marL="2514600" indent="-228600" algn="l" defTabSz="457200" rtl="0" eaLnBrk="1" latinLnBrk="0" hangingPunct="1">
-              <a:spcBef>
-                <a:spcPts val="1000"/>
-              </a:spcBef>
-              <a:spcAft>
-                <a:spcPts val="0"/>
-              </a:spcAft>
-              <a:buClr>
-                <a:schemeClr val="accent1"/>
-              </a:buClr>
-              <a:buSzPct val="80000"/>
-              <a:buFont typeface="Wingdings 3" charset="2"/>
-              <a:buChar char=""/>
-              <a:defRPr sz="1200" kern="1200">
-                <a:solidFill>
-                  <a:schemeClr val="tx1">
-                    <a:lumMod val="75000"/>
-                    <a:lumOff val="25000"/>
-                  </a:schemeClr>
-                </a:solidFill>
-                <a:latin typeface="+mn-lt"/>
-                <a:ea typeface="+mn-ea"/>
-                <a:cs typeface="+mn-cs"/>
-              </a:defRPr>
-            </a:lvl6pPr>
-            <a:lvl7pPr marL="2971800" indent="-228600" algn="l" defTabSz="457200" rtl="0" eaLnBrk="1" latinLnBrk="0" hangingPunct="1">
-              <a:spcBef>
-                <a:spcPts val="1000"/>
-              </a:spcBef>
-              <a:spcAft>
-                <a:spcPts val="0"/>
-              </a:spcAft>
-              <a:buClr>
-                <a:schemeClr val="accent1"/>
-              </a:buClr>
-              <a:buSzPct val="80000"/>
-              <a:buFont typeface="Wingdings 3" charset="2"/>
-              <a:buChar char=""/>
-              <a:defRPr sz="1200" kern="1200">
-                <a:solidFill>
-                  <a:schemeClr val="tx1">
-                    <a:lumMod val="75000"/>
-                    <a:lumOff val="25000"/>
-                  </a:schemeClr>
-                </a:solidFill>
-                <a:latin typeface="+mn-lt"/>
-                <a:ea typeface="+mn-ea"/>
-                <a:cs typeface="+mn-cs"/>
-              </a:defRPr>
-            </a:lvl7pPr>
-            <a:lvl8pPr marL="3429000" indent="-228600" algn="l" defTabSz="457200" rtl="0" eaLnBrk="1" latinLnBrk="0" hangingPunct="1">
-              <a:spcBef>
-                <a:spcPts val="1000"/>
-              </a:spcBef>
-              <a:spcAft>
-                <a:spcPts val="0"/>
-              </a:spcAft>
-              <a:buClr>
-                <a:schemeClr val="accent1"/>
-              </a:buClr>
-              <a:buSzPct val="80000"/>
-              <a:buFont typeface="Wingdings 3" charset="2"/>
-              <a:buChar char=""/>
-              <a:defRPr sz="1200" kern="1200">
-                <a:solidFill>
-                  <a:schemeClr val="tx1">
-                    <a:lumMod val="75000"/>
-                    <a:lumOff val="25000"/>
-                  </a:schemeClr>
-                </a:solidFill>
-                <a:latin typeface="+mn-lt"/>
-                <a:ea typeface="+mn-ea"/>
-                <a:cs typeface="+mn-cs"/>
-              </a:defRPr>
-            </a:lvl8pPr>
-            <a:lvl9pPr marL="3886200" indent="-228600" algn="l" defTabSz="457200" rtl="0" eaLnBrk="1" latinLnBrk="0" hangingPunct="1">
-              <a:spcBef>
-                <a:spcPts val="1000"/>
-              </a:spcBef>
-              <a:spcAft>
-                <a:spcPts val="0"/>
-              </a:spcAft>
-              <a:buClr>
-                <a:schemeClr val="accent1"/>
-              </a:buClr>
-              <a:buSzPct val="80000"/>
-              <a:buFont typeface="Wingdings 3" charset="2"/>
-              <a:buChar char=""/>
-              <a:defRPr sz="1200" kern="1200">
-                <a:solidFill>
-                  <a:schemeClr val="tx1">
-                    <a:lumMod val="75000"/>
-                    <a:lumOff val="25000"/>
-                  </a:schemeClr>
-                </a:solidFill>
-                <a:latin typeface="+mn-lt"/>
-                <a:ea typeface="+mn-ea"/>
-                <a:cs typeface="+mn-cs"/>
-              </a:defRPr>
-            </a:lvl9pPr>
-          </a:lstStyle>
-          <a:p>
-            <a:pPr marL="0" indent="0">
-              <a:buFont typeface="Wingdings 3" charset="2"/>
-              <a:buNone/>
-            </a:pPr>
-            <a:r>
-              <a:rPr lang="en-US" b="1" dirty="0"/>
-              <a:t>Front-End Sub-Team</a:t>
-            </a:r>
-          </a:p>
-          <a:p>
-            <a:r>
-              <a:rPr lang="en-US" sz="1600" dirty="0"/>
-              <a:t>Creating a working chat box for users to interact during the simulation</a:t>
-            </a:r>
-          </a:p>
-        </p:txBody>
-      </p:sp>
-      <p:sp>
-        <p:nvSpPr>
-          <p:cNvPr id="12" name="Content Placeholder 2">
-            <a:extLst>
-              <a:ext uri="{FF2B5EF4-FFF2-40B4-BE49-F238E27FC236}">
-                <a16:creationId xmlns:a16="http://schemas.microsoft.com/office/drawing/2014/main" id="{68AAB067-258F-CD4F-BE53-EA1A575E7B01}"/>
-              </a:ext>
-            </a:extLst>
-          </p:cNvPr>
-          <p:cNvSpPr txBox="1">
-            <a:spLocks/>
-          </p:cNvSpPr>
-          <p:nvPr/>
-        </p:nvSpPr>
-        <p:spPr>
-          <a:xfrm>
-            <a:off x="3520704" y="2168821"/>
-            <a:ext cx="2909928" cy="3880772"/>
-          </a:xfrm>
-          <a:prstGeom prst="rect">
-            <a:avLst/>
-          </a:prstGeom>
-        </p:spPr>
-        <p:txBody>
-          <a:bodyPr vert="horz" lIns="91440" tIns="45720" rIns="91440" bIns="45720" rtlCol="0">
-            <a:normAutofit/>
-          </a:bodyPr>
-          <a:lstStyle>
-            <a:lvl1pPr marL="342900" indent="-342900" algn="l" defTabSz="457200" rtl="0" eaLnBrk="1" latinLnBrk="0" hangingPunct="1">
-              <a:spcBef>
-                <a:spcPts val="1000"/>
-              </a:spcBef>
-              <a:spcAft>
-                <a:spcPts val="0"/>
-              </a:spcAft>
-              <a:buClr>
-                <a:schemeClr val="accent1"/>
-              </a:buClr>
-              <a:buSzPct val="80000"/>
-              <a:buFont typeface="Wingdings 3" charset="2"/>
-              <a:buChar char=""/>
-              <a:defRPr sz="1800" kern="1200">
-                <a:solidFill>
-                  <a:schemeClr val="tx1">
-                    <a:lumMod val="75000"/>
-                    <a:lumOff val="25000"/>
-                  </a:schemeClr>
-                </a:solidFill>
-                <a:latin typeface="+mn-lt"/>
-                <a:ea typeface="+mn-ea"/>
-                <a:cs typeface="+mn-cs"/>
-              </a:defRPr>
-            </a:lvl1pPr>
-            <a:lvl2pPr marL="742950" indent="-285750" algn="l" defTabSz="457200" rtl="0" eaLnBrk="1" latinLnBrk="0" hangingPunct="1">
-              <a:spcBef>
-                <a:spcPts val="1000"/>
-              </a:spcBef>
-              <a:spcAft>
-                <a:spcPts val="0"/>
-              </a:spcAft>
-              <a:buClr>
-                <a:schemeClr val="accent1"/>
-              </a:buClr>
-              <a:buSzPct val="80000"/>
-              <a:buFont typeface="Wingdings 3" charset="2"/>
-              <a:buChar char=""/>
-              <a:defRPr sz="1600" kern="1200">
-                <a:solidFill>
-                  <a:schemeClr val="tx1">
-                    <a:lumMod val="75000"/>
-                    <a:lumOff val="25000"/>
-                  </a:schemeClr>
-                </a:solidFill>
-                <a:latin typeface="+mn-lt"/>
-                <a:ea typeface="+mn-ea"/>
-                <a:cs typeface="+mn-cs"/>
-              </a:defRPr>
-            </a:lvl2pPr>
-            <a:lvl3pPr marL="1143000" indent="-228600" algn="l" defTabSz="457200" rtl="0" eaLnBrk="1" latinLnBrk="0" hangingPunct="1">
-              <a:spcBef>
-                <a:spcPts val="1000"/>
-              </a:spcBef>
-              <a:spcAft>
-                <a:spcPts val="0"/>
-              </a:spcAft>
-              <a:buClr>
-                <a:schemeClr val="accent1"/>
-              </a:buClr>
-              <a:buSzPct val="80000"/>
-              <a:buFont typeface="Wingdings 3" charset="2"/>
-              <a:buChar char=""/>
-              <a:defRPr sz="1400" kern="1200">
-                <a:solidFill>
-                  <a:schemeClr val="tx1">
-                    <a:lumMod val="75000"/>
-                    <a:lumOff val="25000"/>
-                  </a:schemeClr>
-                </a:solidFill>
-                <a:latin typeface="+mn-lt"/>
-                <a:ea typeface="+mn-ea"/>
-                <a:cs typeface="+mn-cs"/>
-              </a:defRPr>
-            </a:lvl3pPr>
-            <a:lvl4pPr marL="1600200" indent="-228600" algn="l" defTabSz="457200" rtl="0" eaLnBrk="1" latinLnBrk="0" hangingPunct="1">
-              <a:spcBef>
-                <a:spcPts val="1000"/>
-              </a:spcBef>
-              <a:spcAft>
-                <a:spcPts val="0"/>
-              </a:spcAft>
-              <a:buClr>
-                <a:schemeClr val="accent1"/>
-              </a:buClr>
-              <a:buSzPct val="80000"/>
-              <a:buFont typeface="Wingdings 3" charset="2"/>
-              <a:buChar char=""/>
-              <a:defRPr sz="1200" kern="1200">
-                <a:solidFill>
-                  <a:schemeClr val="tx1">
-                    <a:lumMod val="75000"/>
-                    <a:lumOff val="25000"/>
-                  </a:schemeClr>
-                </a:solidFill>
-                <a:latin typeface="+mn-lt"/>
-                <a:ea typeface="+mn-ea"/>
-                <a:cs typeface="+mn-cs"/>
-              </a:defRPr>
-            </a:lvl4pPr>
-            <a:lvl5pPr marL="2057400" indent="-228600" algn="l" defTabSz="457200" rtl="0" eaLnBrk="1" latinLnBrk="0" hangingPunct="1">
-              <a:spcBef>
-                <a:spcPts val="1000"/>
-              </a:spcBef>
-              <a:spcAft>
-                <a:spcPts val="0"/>
-              </a:spcAft>
-              <a:buClr>
-                <a:schemeClr val="accent1"/>
-              </a:buClr>
-              <a:buSzPct val="80000"/>
-              <a:buFont typeface="Wingdings 3" charset="2"/>
-              <a:buChar char=""/>
-              <a:defRPr sz="1200" kern="1200">
-                <a:solidFill>
-                  <a:schemeClr val="tx1">
-                    <a:lumMod val="75000"/>
-                    <a:lumOff val="25000"/>
-                  </a:schemeClr>
-                </a:solidFill>
-                <a:latin typeface="+mn-lt"/>
-                <a:ea typeface="+mn-ea"/>
-                <a:cs typeface="+mn-cs"/>
-              </a:defRPr>
-            </a:lvl5pPr>
-            <a:lvl6pPr marL="2514600" indent="-228600" algn="l" defTabSz="457200" rtl="0" eaLnBrk="1" latinLnBrk="0" hangingPunct="1">
-              <a:spcBef>
-                <a:spcPts val="1000"/>
-              </a:spcBef>
-              <a:spcAft>
-                <a:spcPts val="0"/>
-              </a:spcAft>
-              <a:buClr>
-                <a:schemeClr val="accent1"/>
-              </a:buClr>
-              <a:buSzPct val="80000"/>
-              <a:buFont typeface="Wingdings 3" charset="2"/>
-              <a:buChar char=""/>
-              <a:defRPr sz="1200" kern="1200">
-                <a:solidFill>
-                  <a:schemeClr val="tx1">
-                    <a:lumMod val="75000"/>
-                    <a:lumOff val="25000"/>
-                  </a:schemeClr>
-                </a:solidFill>
-                <a:latin typeface="+mn-lt"/>
-                <a:ea typeface="+mn-ea"/>
-                <a:cs typeface="+mn-cs"/>
-              </a:defRPr>
-            </a:lvl6pPr>
-            <a:lvl7pPr marL="2971800" indent="-228600" algn="l" defTabSz="457200" rtl="0" eaLnBrk="1" latinLnBrk="0" hangingPunct="1">
-              <a:spcBef>
-                <a:spcPts val="1000"/>
-              </a:spcBef>
-              <a:spcAft>
-                <a:spcPts val="0"/>
-              </a:spcAft>
-              <a:buClr>
-                <a:schemeClr val="accent1"/>
-              </a:buClr>
-              <a:buSzPct val="80000"/>
-              <a:buFont typeface="Wingdings 3" charset="2"/>
-              <a:buChar char=""/>
-              <a:defRPr sz="1200" kern="1200">
-                <a:solidFill>
-                  <a:schemeClr val="tx1">
-                    <a:lumMod val="75000"/>
-                    <a:lumOff val="25000"/>
-                  </a:schemeClr>
-                </a:solidFill>
-                <a:latin typeface="+mn-lt"/>
-                <a:ea typeface="+mn-ea"/>
-                <a:cs typeface="+mn-cs"/>
-              </a:defRPr>
-            </a:lvl7pPr>
-            <a:lvl8pPr marL="3429000" indent="-228600" algn="l" defTabSz="457200" rtl="0" eaLnBrk="1" latinLnBrk="0" hangingPunct="1">
-              <a:spcBef>
-                <a:spcPts val="1000"/>
-              </a:spcBef>
-              <a:spcAft>
-                <a:spcPts val="0"/>
-              </a:spcAft>
-              <a:buClr>
-                <a:schemeClr val="accent1"/>
-              </a:buClr>
-              <a:buSzPct val="80000"/>
-              <a:buFont typeface="Wingdings 3" charset="2"/>
-              <a:buChar char=""/>
-              <a:defRPr sz="1200" kern="1200">
-                <a:solidFill>
-                  <a:schemeClr val="tx1">
-                    <a:lumMod val="75000"/>
-                    <a:lumOff val="25000"/>
-                  </a:schemeClr>
-                </a:solidFill>
-                <a:latin typeface="+mn-lt"/>
-                <a:ea typeface="+mn-ea"/>
-                <a:cs typeface="+mn-cs"/>
-              </a:defRPr>
-            </a:lvl8pPr>
-            <a:lvl9pPr marL="3886200" indent="-228600" algn="l" defTabSz="457200" rtl="0" eaLnBrk="1" latinLnBrk="0" hangingPunct="1">
-              <a:spcBef>
-                <a:spcPts val="1000"/>
-              </a:spcBef>
-              <a:spcAft>
-                <a:spcPts val="0"/>
-              </a:spcAft>
-              <a:buClr>
-                <a:schemeClr val="accent1"/>
-              </a:buClr>
-              <a:buSzPct val="80000"/>
-              <a:buFont typeface="Wingdings 3" charset="2"/>
-              <a:buChar char=""/>
-              <a:defRPr sz="1200" kern="1200">
-                <a:solidFill>
-                  <a:schemeClr val="tx1">
-                    <a:lumMod val="75000"/>
-                    <a:lumOff val="25000"/>
-                  </a:schemeClr>
-                </a:solidFill>
-                <a:latin typeface="+mn-lt"/>
-                <a:ea typeface="+mn-ea"/>
-                <a:cs typeface="+mn-cs"/>
-              </a:defRPr>
-            </a:lvl9pPr>
-          </a:lstStyle>
-          <a:p>
-            <a:pPr marL="0" indent="0">
-              <a:buNone/>
-            </a:pPr>
-            <a:r>
-              <a:rPr lang="en-US" b="1" dirty="0"/>
-              <a:t>Back-End Sub-Team</a:t>
-            </a:r>
-          </a:p>
-          <a:p>
-            <a:r>
-              <a:rPr lang="en-US" sz="1600" dirty="0"/>
-              <a:t>He</a:t>
-            </a:r>
-          </a:p>
-          <a:p>
-            <a:r>
-              <a:rPr lang="en-US" sz="1600" dirty="0"/>
-              <a:t>lo</a:t>
-            </a:r>
-          </a:p>
-        </p:txBody>
-      </p:sp>
-      <p:sp>
-        <p:nvSpPr>
-          <p:cNvPr id="13" name="Content Placeholder 2">
-            <a:extLst>
-              <a:ext uri="{FF2B5EF4-FFF2-40B4-BE49-F238E27FC236}">
-                <a16:creationId xmlns:a16="http://schemas.microsoft.com/office/drawing/2014/main" id="{DA9C3D7C-0DA3-9141-BEC8-7FC4600A4370}"/>
-              </a:ext>
-            </a:extLst>
-          </p:cNvPr>
-          <p:cNvSpPr txBox="1">
-            <a:spLocks/>
-          </p:cNvSpPr>
-          <p:nvPr/>
-        </p:nvSpPr>
-        <p:spPr>
-          <a:xfrm>
-            <a:off x="6236676" y="2177053"/>
-            <a:ext cx="3793589" cy="3880772"/>
-          </a:xfrm>
-          <a:prstGeom prst="rect">
-            <a:avLst/>
-          </a:prstGeom>
-        </p:spPr>
-        <p:txBody>
-          <a:bodyPr vert="horz" lIns="91440" tIns="45720" rIns="91440" bIns="45720" rtlCol="0">
-            <a:normAutofit/>
-          </a:bodyPr>
-          <a:lstStyle>
-            <a:lvl1pPr marL="342900" indent="-342900" algn="l" defTabSz="457200" rtl="0" eaLnBrk="1" latinLnBrk="0" hangingPunct="1">
-              <a:spcBef>
-                <a:spcPts val="1000"/>
-              </a:spcBef>
-              <a:spcAft>
-                <a:spcPts val="0"/>
-              </a:spcAft>
-              <a:buClr>
-                <a:schemeClr val="accent1"/>
-              </a:buClr>
-              <a:buSzPct val="80000"/>
-              <a:buFont typeface="Wingdings 3" charset="2"/>
-              <a:buChar char=""/>
-              <a:defRPr sz="1800" kern="1200">
-                <a:solidFill>
-                  <a:schemeClr val="tx1">
-                    <a:lumMod val="75000"/>
-                    <a:lumOff val="25000"/>
-                  </a:schemeClr>
-                </a:solidFill>
-                <a:latin typeface="+mn-lt"/>
-                <a:ea typeface="+mn-ea"/>
-                <a:cs typeface="+mn-cs"/>
-              </a:defRPr>
-            </a:lvl1pPr>
-            <a:lvl2pPr marL="742950" indent="-285750" algn="l" defTabSz="457200" rtl="0" eaLnBrk="1" latinLnBrk="0" hangingPunct="1">
-              <a:spcBef>
-                <a:spcPts val="1000"/>
-              </a:spcBef>
-              <a:spcAft>
-                <a:spcPts val="0"/>
-              </a:spcAft>
-              <a:buClr>
-                <a:schemeClr val="accent1"/>
-              </a:buClr>
-              <a:buSzPct val="80000"/>
-              <a:buFont typeface="Wingdings 3" charset="2"/>
-              <a:buChar char=""/>
-              <a:defRPr sz="1600" kern="1200">
-                <a:solidFill>
-                  <a:schemeClr val="tx1">
-                    <a:lumMod val="75000"/>
-                    <a:lumOff val="25000"/>
-                  </a:schemeClr>
-                </a:solidFill>
-                <a:latin typeface="+mn-lt"/>
-                <a:ea typeface="+mn-ea"/>
-                <a:cs typeface="+mn-cs"/>
-              </a:defRPr>
-            </a:lvl2pPr>
-            <a:lvl3pPr marL="1143000" indent="-228600" algn="l" defTabSz="457200" rtl="0" eaLnBrk="1" latinLnBrk="0" hangingPunct="1">
-              <a:spcBef>
-                <a:spcPts val="1000"/>
-              </a:spcBef>
-              <a:spcAft>
-                <a:spcPts val="0"/>
-              </a:spcAft>
-              <a:buClr>
-                <a:schemeClr val="accent1"/>
-              </a:buClr>
-              <a:buSzPct val="80000"/>
-              <a:buFont typeface="Wingdings 3" charset="2"/>
-              <a:buChar char=""/>
-              <a:defRPr sz="1400" kern="1200">
-                <a:solidFill>
-                  <a:schemeClr val="tx1">
-                    <a:lumMod val="75000"/>
-                    <a:lumOff val="25000"/>
-                  </a:schemeClr>
-                </a:solidFill>
-                <a:latin typeface="+mn-lt"/>
-                <a:ea typeface="+mn-ea"/>
-                <a:cs typeface="+mn-cs"/>
-              </a:defRPr>
-            </a:lvl3pPr>
-            <a:lvl4pPr marL="1600200" indent="-228600" algn="l" defTabSz="457200" rtl="0" eaLnBrk="1" latinLnBrk="0" hangingPunct="1">
-              <a:spcBef>
-                <a:spcPts val="1000"/>
-              </a:spcBef>
-              <a:spcAft>
-                <a:spcPts val="0"/>
-              </a:spcAft>
-              <a:buClr>
-                <a:schemeClr val="accent1"/>
-              </a:buClr>
-              <a:buSzPct val="80000"/>
-              <a:buFont typeface="Wingdings 3" charset="2"/>
-              <a:buChar char=""/>
-              <a:defRPr sz="1200" kern="1200">
-                <a:solidFill>
-                  <a:schemeClr val="tx1">
-                    <a:lumMod val="75000"/>
-                    <a:lumOff val="25000"/>
-                  </a:schemeClr>
-                </a:solidFill>
-                <a:latin typeface="+mn-lt"/>
-                <a:ea typeface="+mn-ea"/>
-                <a:cs typeface="+mn-cs"/>
-              </a:defRPr>
-            </a:lvl4pPr>
-            <a:lvl5pPr marL="2057400" indent="-228600" algn="l" defTabSz="457200" rtl="0" eaLnBrk="1" latinLnBrk="0" hangingPunct="1">
-              <a:spcBef>
-                <a:spcPts val="1000"/>
-              </a:spcBef>
-              <a:spcAft>
-                <a:spcPts val="0"/>
-              </a:spcAft>
-              <a:buClr>
-                <a:schemeClr val="accent1"/>
-              </a:buClr>
-              <a:buSzPct val="80000"/>
-              <a:buFont typeface="Wingdings 3" charset="2"/>
-              <a:buChar char=""/>
-              <a:defRPr sz="1200" kern="1200">
-                <a:solidFill>
-                  <a:schemeClr val="tx1">
-                    <a:lumMod val="75000"/>
-                    <a:lumOff val="25000"/>
-                  </a:schemeClr>
-                </a:solidFill>
-                <a:latin typeface="+mn-lt"/>
-                <a:ea typeface="+mn-ea"/>
-                <a:cs typeface="+mn-cs"/>
-              </a:defRPr>
-            </a:lvl5pPr>
-            <a:lvl6pPr marL="2514600" indent="-228600" algn="l" defTabSz="457200" rtl="0" eaLnBrk="1" latinLnBrk="0" hangingPunct="1">
-              <a:spcBef>
-                <a:spcPts val="1000"/>
-              </a:spcBef>
-              <a:spcAft>
-                <a:spcPts val="0"/>
-              </a:spcAft>
-              <a:buClr>
-                <a:schemeClr val="accent1"/>
-              </a:buClr>
-              <a:buSzPct val="80000"/>
-              <a:buFont typeface="Wingdings 3" charset="2"/>
-              <a:buChar char=""/>
-              <a:defRPr sz="1200" kern="1200">
-                <a:solidFill>
-                  <a:schemeClr val="tx1">
-                    <a:lumMod val="75000"/>
-                    <a:lumOff val="25000"/>
-                  </a:schemeClr>
-                </a:solidFill>
-                <a:latin typeface="+mn-lt"/>
-                <a:ea typeface="+mn-ea"/>
-                <a:cs typeface="+mn-cs"/>
-              </a:defRPr>
-            </a:lvl6pPr>
-            <a:lvl7pPr marL="2971800" indent="-228600" algn="l" defTabSz="457200" rtl="0" eaLnBrk="1" latinLnBrk="0" hangingPunct="1">
-              <a:spcBef>
-                <a:spcPts val="1000"/>
-              </a:spcBef>
-              <a:spcAft>
-                <a:spcPts val="0"/>
-              </a:spcAft>
-              <a:buClr>
-                <a:schemeClr val="accent1"/>
-              </a:buClr>
-              <a:buSzPct val="80000"/>
-              <a:buFont typeface="Wingdings 3" charset="2"/>
-              <a:buChar char=""/>
-              <a:defRPr sz="1200" kern="1200">
-                <a:solidFill>
-                  <a:schemeClr val="tx1">
-                    <a:lumMod val="75000"/>
-                    <a:lumOff val="25000"/>
-                  </a:schemeClr>
-                </a:solidFill>
-                <a:latin typeface="+mn-lt"/>
-                <a:ea typeface="+mn-ea"/>
-                <a:cs typeface="+mn-cs"/>
-              </a:defRPr>
-            </a:lvl7pPr>
-            <a:lvl8pPr marL="3429000" indent="-228600" algn="l" defTabSz="457200" rtl="0" eaLnBrk="1" latinLnBrk="0" hangingPunct="1">
-              <a:spcBef>
-                <a:spcPts val="1000"/>
-              </a:spcBef>
-              <a:spcAft>
-                <a:spcPts val="0"/>
-              </a:spcAft>
-              <a:buClr>
-                <a:schemeClr val="accent1"/>
-              </a:buClr>
-              <a:buSzPct val="80000"/>
-              <a:buFont typeface="Wingdings 3" charset="2"/>
-              <a:buChar char=""/>
-              <a:defRPr sz="1200" kern="1200">
-                <a:solidFill>
-                  <a:schemeClr val="tx1">
-                    <a:lumMod val="75000"/>
-                    <a:lumOff val="25000"/>
-                  </a:schemeClr>
-                </a:solidFill>
-                <a:latin typeface="+mn-lt"/>
-                <a:ea typeface="+mn-ea"/>
-                <a:cs typeface="+mn-cs"/>
-              </a:defRPr>
-            </a:lvl8pPr>
-            <a:lvl9pPr marL="3886200" indent="-228600" algn="l" defTabSz="457200" rtl="0" eaLnBrk="1" latinLnBrk="0" hangingPunct="1">
-              <a:spcBef>
-                <a:spcPts val="1000"/>
-              </a:spcBef>
-              <a:spcAft>
-                <a:spcPts val="0"/>
-              </a:spcAft>
-              <a:buClr>
-                <a:schemeClr val="accent1"/>
-              </a:buClr>
-              <a:buSzPct val="80000"/>
-              <a:buFont typeface="Wingdings 3" charset="2"/>
-              <a:buChar char=""/>
-              <a:defRPr sz="1200" kern="1200">
-                <a:solidFill>
-                  <a:schemeClr val="tx1">
-                    <a:lumMod val="75000"/>
-                    <a:lumOff val="25000"/>
-                  </a:schemeClr>
-                </a:solidFill>
-                <a:latin typeface="+mn-lt"/>
-                <a:ea typeface="+mn-ea"/>
-                <a:cs typeface="+mn-cs"/>
-              </a:defRPr>
-            </a:lvl9pPr>
-          </a:lstStyle>
-          <a:p>
-            <a:pPr marL="0" indent="0">
-              <a:buNone/>
-            </a:pPr>
-            <a:r>
-              <a:rPr lang="en-US" b="1" dirty="0"/>
-              <a:t>Game Functionality Sub-Team</a:t>
-            </a:r>
-          </a:p>
-          <a:p>
-            <a:r>
-              <a:rPr lang="en-US" sz="1600" dirty="0"/>
-              <a:t>Lack of clear outline around game logic</a:t>
-            </a:r>
-          </a:p>
-          <a:p>
-            <a:r>
-              <a:rPr lang="en-US" sz="1600" dirty="0"/>
-              <a:t>Developing model for stock simulation</a:t>
-            </a:r>
-          </a:p>
-          <a:p>
-            <a:r>
-              <a:rPr lang="en-US" sz="1600" dirty="0"/>
-              <a:t>Fine tuning stock simulation algorithm to return realistic results</a:t>
-            </a:r>
-          </a:p>
-          <a:p>
-            <a:endParaRPr lang="en-US" dirty="0"/>
-          </a:p>
-        </p:txBody>
-      </p:sp>
+      </p:pic>
     </p:spTree>
     <p:extLst>
       <p:ext uri="{BB962C8B-B14F-4D97-AF65-F5344CB8AC3E}">
-        <p14:creationId xmlns:p14="http://schemas.microsoft.com/office/powerpoint/2010/main" val="186295014"/>
+        <p14:creationId xmlns:p14="http://schemas.microsoft.com/office/powerpoint/2010/main" val="1736920621"/>
       </p:ext>
     </p:extLst>
   </p:cSld>
@@ -12113,7 +10884,7 @@
           <p:cNvPr id="2" name="Title 1">
             <a:extLst>
               <a:ext uri="{FF2B5EF4-FFF2-40B4-BE49-F238E27FC236}">
-                <a16:creationId xmlns:a16="http://schemas.microsoft.com/office/drawing/2014/main" id="{22C1C253-565C-FE40-80D7-B4AC4F44A2F6}"/>
+                <a16:creationId xmlns:a16="http://schemas.microsoft.com/office/drawing/2014/main" id="{0B8510EA-80A4-A142-8E01-B079CE29C39A}"/>
               </a:ext>
             </a:extLst>
           </p:cNvPr>
@@ -12131,17 +10902,17 @@
           <a:p>
             <a:r>
               <a:rPr lang="en-US" dirty="0"/>
-              <a:t>Library Usage</a:t>
-            </a:r>
-          </a:p>
-        </p:txBody>
-      </p:sp>
-      <p:sp>
-        <p:nvSpPr>
-          <p:cNvPr id="3" name="Content Placeholder 2">
+              <a:t>Work in Progress</a:t>
+            </a:r>
+          </a:p>
+        </p:txBody>
+      </p:sp>
+      <p:sp>
+        <p:nvSpPr>
+          <p:cNvPr id="4" name="Content Placeholder 2">
             <a:extLst>
               <a:ext uri="{FF2B5EF4-FFF2-40B4-BE49-F238E27FC236}">
-                <a16:creationId xmlns:a16="http://schemas.microsoft.com/office/drawing/2014/main" id="{50660145-C99A-6B4F-A208-31F6374E4A14}"/>
+                <a16:creationId xmlns:a16="http://schemas.microsoft.com/office/drawing/2014/main" id="{402E3166-D3FF-904F-B026-8092268B2346}"/>
               </a:ext>
             </a:extLst>
           </p:cNvPr>
@@ -12149,52 +10920,73 @@
             <a:spLocks noGrp="1"/>
           </p:cNvSpPr>
           <p:nvPr>
-            <p:ph idx="1"/>
-          </p:nvPr>
-        </p:nvSpPr>
-        <p:spPr/>
-        <p:txBody>
-          <a:bodyPr/>
+            <p:ph sz="half" idx="1"/>
+          </p:nvPr>
+        </p:nvSpPr>
+        <p:spPr>
+          <a:xfrm>
+            <a:off x="677334" y="2160589"/>
+            <a:ext cx="7784085" cy="3880772"/>
+          </a:xfrm>
+        </p:spPr>
+        <p:txBody>
+          <a:bodyPr>
+            <a:normAutofit/>
+          </a:bodyPr>
           <a:lstStyle/>
           <a:p>
             <a:r>
               <a:rPr lang="en-US" dirty="0"/>
-              <a:t>Qt library usage</a:t>
+              <a:t>Button functionality integration with game logic</a:t>
+            </a:r>
+          </a:p>
+          <a:p>
+            <a:r>
+              <a:rPr lang="en-US" dirty="0"/>
+              <a:t>Solidify game security</a:t>
+            </a:r>
+          </a:p>
+          <a:p>
+            <a:r>
+              <a:rPr lang="en-US" dirty="0"/>
+              <a:t>Implement new game logic for additional features</a:t>
             </a:r>
           </a:p>
           <a:p>
             <a:pPr lvl="1"/>
             <a:r>
               <a:rPr lang="en-US" dirty="0"/>
-              <a:t>Good libraries visually, but do not exist on many IDE’s</a:t>
+              <a:t>Buy out functionality</a:t>
             </a:r>
           </a:p>
           <a:p>
             <a:pPr lvl="1"/>
             <a:r>
               <a:rPr lang="en-US" dirty="0"/>
-              <a:t>Led to many team members needing to download Qt Creator IDE in order to run the program</a:t>
-            </a:r>
+              <a:t>Log out functionality</a:t>
+            </a:r>
+            <a:endParaRPr lang="en-US" sz="1800" dirty="0"/>
           </a:p>
           <a:p>
             <a:pPr lvl="1"/>
             <a:r>
               <a:rPr lang="en-US" dirty="0"/>
-              <a:t>IDE does not show errors well – difficulty debugging</a:t>
-            </a:r>
-          </a:p>
-          <a:p>
-            <a:pPr marL="457200" lvl="1" indent="0">
-              <a:buNone/>
-            </a:pPr>
-            <a:endParaRPr lang="en-US" dirty="0"/>
+              <a:t>Per round fee</a:t>
+            </a:r>
+          </a:p>
+          <a:p>
+            <a:pPr lvl="1"/>
+            <a:r>
+              <a:rPr lang="en-US" dirty="0"/>
+              <a:t>Chat box</a:t>
+            </a:r>
           </a:p>
         </p:txBody>
       </p:sp>
     </p:spTree>
     <p:extLst>
       <p:ext uri="{BB962C8B-B14F-4D97-AF65-F5344CB8AC3E}">
-        <p14:creationId xmlns:p14="http://schemas.microsoft.com/office/powerpoint/2010/main" val="1736920621"/>
+        <p14:creationId xmlns:p14="http://schemas.microsoft.com/office/powerpoint/2010/main" val="430596845"/>
       </p:ext>
     </p:extLst>
   </p:cSld>

--- a/docs/CMPE 320 Final Group Presentation.pptx
+++ b/docs/CMPE 320 Final Group Presentation.pptx
@@ -5,21 +5,22 @@
     <p:sldMasterId id="2147483684" r:id="rId1"/>
   </p:sldMasterIdLst>
   <p:notesMasterIdLst>
-    <p:notesMasterId r:id="rId14"/>
+    <p:notesMasterId r:id="rId15"/>
   </p:notesMasterIdLst>
   <p:sldIdLst>
-    <p:sldId id="271" r:id="rId2"/>
+    <p:sldId id="256" r:id="rId2"/>
     <p:sldId id="269" r:id="rId3"/>
-    <p:sldId id="272" r:id="rId4"/>
+    <p:sldId id="270" r:id="rId4"/>
     <p:sldId id="264" r:id="rId5"/>
     <p:sldId id="258" r:id="rId6"/>
     <p:sldId id="259" r:id="rId7"/>
-    <p:sldId id="273" r:id="rId8"/>
-    <p:sldId id="262" r:id="rId9"/>
-    <p:sldId id="263" r:id="rId10"/>
-    <p:sldId id="265" r:id="rId11"/>
-    <p:sldId id="266" r:id="rId12"/>
-    <p:sldId id="268" r:id="rId13"/>
+    <p:sldId id="260" r:id="rId8"/>
+    <p:sldId id="261" r:id="rId9"/>
+    <p:sldId id="262" r:id="rId10"/>
+    <p:sldId id="263" r:id="rId11"/>
+    <p:sldId id="265" r:id="rId12"/>
+    <p:sldId id="266" r:id="rId13"/>
+    <p:sldId id="268" r:id="rId14"/>
   </p:sldIdLst>
   <p:sldSz cx="12192000" cy="6858000"/>
   <p:notesSz cx="6858000" cy="9144000"/>
@@ -216,7 +217,7 @@
           <a:p>
             <a:fld id="{C4FC6804-2B10-7A4C-8567-7E8DA1DD1FAF}" type="datetimeFigureOut">
               <a:rPr lang="en-US" smtClean="0"/>
-              <a:t>11/21/19</a:t>
+              <a:t>11/21/2019</a:t>
             </a:fld>
             <a:endParaRPr lang="en-US"/>
           </a:p>
@@ -872,7 +873,7 @@
     </p:spTree>
     <p:extLst>
       <p:ext uri="{BB962C8B-B14F-4D97-AF65-F5344CB8AC3E}">
-        <p14:creationId xmlns:p14="http://schemas.microsoft.com/office/powerpoint/2010/main" val="1379127382"/>
+        <p14:creationId xmlns:p14="http://schemas.microsoft.com/office/powerpoint/2010/main" val="3359629142"/>
       </p:ext>
     </p:extLst>
   </p:cSld>
@@ -1304,174 +1305,6 @@
     <p:extLst>
       <p:ext uri="{BB962C8B-B14F-4D97-AF65-F5344CB8AC3E}">
         <p14:creationId xmlns:p14="http://schemas.microsoft.com/office/powerpoint/2010/main" val="1598011070"/>
-      </p:ext>
-    </p:extLst>
-  </p:cSld>
-  <p:clrMapOvr>
-    <a:masterClrMapping/>
-  </p:clrMapOvr>
-</p:notes>
-</file>
-
-<file path=ppt/notesSlides/notesSlide5.xml><?xml version="1.0" encoding="utf-8"?>
-<p:notes xmlns:a="http://schemas.openxmlformats.org/drawingml/2006/main" xmlns:r="http://schemas.openxmlformats.org/officeDocument/2006/relationships" xmlns:p="http://schemas.openxmlformats.org/presentationml/2006/main">
-  <p:cSld>
-    <p:spTree>
-      <p:nvGrpSpPr>
-        <p:cNvPr id="1" name=""/>
-        <p:cNvGrpSpPr/>
-        <p:nvPr/>
-      </p:nvGrpSpPr>
-      <p:grpSpPr>
-        <a:xfrm>
-          <a:off x="0" y="0"/>
-          <a:ext cx="0" cy="0"/>
-          <a:chOff x="0" y="0"/>
-          <a:chExt cx="0" cy="0"/>
-        </a:xfrm>
-      </p:grpSpPr>
-      <p:sp>
-        <p:nvSpPr>
-          <p:cNvPr id="2" name="Slide Image Placeholder 1"/>
-          <p:cNvSpPr>
-            <a:spLocks noGrp="1" noRot="1" noChangeAspect="1"/>
-          </p:cNvSpPr>
-          <p:nvPr>
-            <p:ph type="sldImg"/>
-          </p:nvPr>
-        </p:nvSpPr>
-        <p:spPr/>
-      </p:sp>
-      <p:sp>
-        <p:nvSpPr>
-          <p:cNvPr id="3" name="Notes Placeholder 2"/>
-          <p:cNvSpPr>
-            <a:spLocks noGrp="1"/>
-          </p:cNvSpPr>
-          <p:nvPr>
-            <p:ph type="body" idx="1"/>
-          </p:nvPr>
-        </p:nvSpPr>
-        <p:spPr/>
-        <p:txBody>
-          <a:bodyPr/>
-          <a:lstStyle/>
-          <a:p>
-            <a:endParaRPr lang="en-US" dirty="0"/>
-          </a:p>
-        </p:txBody>
-      </p:sp>
-      <p:sp>
-        <p:nvSpPr>
-          <p:cNvPr id="4" name="Slide Number Placeholder 3"/>
-          <p:cNvSpPr>
-            <a:spLocks noGrp="1"/>
-          </p:cNvSpPr>
-          <p:nvPr>
-            <p:ph type="sldNum" sz="quarter" idx="5"/>
-          </p:nvPr>
-        </p:nvSpPr>
-        <p:spPr/>
-        <p:txBody>
-          <a:bodyPr/>
-          <a:lstStyle/>
-          <a:p>
-            <a:fld id="{E4A74916-00A0-C849-8911-B521A9C8724E}" type="slidenum">
-              <a:rPr lang="en-US" smtClean="0"/>
-              <a:t>8</a:t>
-            </a:fld>
-            <a:endParaRPr lang="en-US"/>
-          </a:p>
-        </p:txBody>
-      </p:sp>
-    </p:spTree>
-    <p:extLst>
-      <p:ext uri="{BB962C8B-B14F-4D97-AF65-F5344CB8AC3E}">
-        <p14:creationId xmlns:p14="http://schemas.microsoft.com/office/powerpoint/2010/main" val="1525417135"/>
-      </p:ext>
-    </p:extLst>
-  </p:cSld>
-  <p:clrMapOvr>
-    <a:masterClrMapping/>
-  </p:clrMapOvr>
-</p:notes>
-</file>
-
-<file path=ppt/notesSlides/notesSlide6.xml><?xml version="1.0" encoding="utf-8"?>
-<p:notes xmlns:a="http://schemas.openxmlformats.org/drawingml/2006/main" xmlns:r="http://schemas.openxmlformats.org/officeDocument/2006/relationships" xmlns:p="http://schemas.openxmlformats.org/presentationml/2006/main">
-  <p:cSld>
-    <p:spTree>
-      <p:nvGrpSpPr>
-        <p:cNvPr id="1" name=""/>
-        <p:cNvGrpSpPr/>
-        <p:nvPr/>
-      </p:nvGrpSpPr>
-      <p:grpSpPr>
-        <a:xfrm>
-          <a:off x="0" y="0"/>
-          <a:ext cx="0" cy="0"/>
-          <a:chOff x="0" y="0"/>
-          <a:chExt cx="0" cy="0"/>
-        </a:xfrm>
-      </p:grpSpPr>
-      <p:sp>
-        <p:nvSpPr>
-          <p:cNvPr id="2" name="Slide Image Placeholder 1"/>
-          <p:cNvSpPr>
-            <a:spLocks noGrp="1" noRot="1" noChangeAspect="1"/>
-          </p:cNvSpPr>
-          <p:nvPr>
-            <p:ph type="sldImg"/>
-          </p:nvPr>
-        </p:nvSpPr>
-        <p:spPr/>
-      </p:sp>
-      <p:sp>
-        <p:nvSpPr>
-          <p:cNvPr id="3" name="Notes Placeholder 2"/>
-          <p:cNvSpPr>
-            <a:spLocks noGrp="1"/>
-          </p:cNvSpPr>
-          <p:nvPr>
-            <p:ph type="body" idx="1"/>
-          </p:nvPr>
-        </p:nvSpPr>
-        <p:spPr/>
-        <p:txBody>
-          <a:bodyPr/>
-          <a:lstStyle/>
-          <a:p>
-            <a:endParaRPr lang="en-US" dirty="0"/>
-          </a:p>
-        </p:txBody>
-      </p:sp>
-      <p:sp>
-        <p:nvSpPr>
-          <p:cNvPr id="4" name="Slide Number Placeholder 3"/>
-          <p:cNvSpPr>
-            <a:spLocks noGrp="1"/>
-          </p:cNvSpPr>
-          <p:nvPr>
-            <p:ph type="sldNum" sz="quarter" idx="5"/>
-          </p:nvPr>
-        </p:nvSpPr>
-        <p:spPr/>
-        <p:txBody>
-          <a:bodyPr/>
-          <a:lstStyle/>
-          <a:p>
-            <a:fld id="{E4A74916-00A0-C849-8911-B521A9C8724E}" type="slidenum">
-              <a:rPr lang="en-US" smtClean="0"/>
-              <a:t>9</a:t>
-            </a:fld>
-            <a:endParaRPr lang="en-US"/>
-          </a:p>
-        </p:txBody>
-      </p:sp>
-    </p:spTree>
-    <p:extLst>
-      <p:ext uri="{BB962C8B-B14F-4D97-AF65-F5344CB8AC3E}">
-        <p14:creationId xmlns:p14="http://schemas.microsoft.com/office/powerpoint/2010/main" val="2343471616"/>
       </p:ext>
     </p:extLst>
   </p:cSld>
@@ -2227,7 +2060,7 @@
             <a:fld id="{08B9EBBA-996F-894A-B54A-D6246ED52CEA}" type="datetimeFigureOut">
               <a:rPr lang="en-US" smtClean="0"/>
               <a:pPr/>
-              <a:t>11/21/19</a:t>
+              <a:t>11/21/2019</a:t>
             </a:fld>
             <a:endParaRPr lang="en-US" dirty="0"/>
           </a:p>
@@ -2480,7 +2313,7 @@
             <a:fld id="{09B482E8-6E0E-1B4F-B1FD-C69DB9E858D9}" type="datetimeFigureOut">
               <a:rPr lang="en-US" smtClean="0"/>
               <a:pPr/>
-              <a:t>11/21/19</a:t>
+              <a:t>11/21/2019</a:t>
             </a:fld>
             <a:endParaRPr lang="en-US" dirty="0"/>
           </a:p>
@@ -2797,7 +2630,7 @@
             <a:fld id="{09B482E8-6E0E-1B4F-B1FD-C69DB9E858D9}" type="datetimeFigureOut">
               <a:rPr lang="en-US" smtClean="0"/>
               <a:pPr/>
-              <a:t>11/21/19</a:t>
+              <a:t>11/21/2019</a:t>
             </a:fld>
             <a:endParaRPr lang="en-US" dirty="0"/>
           </a:p>
@@ -3133,7 +2966,7 @@
             <a:fld id="{09B482E8-6E0E-1B4F-B1FD-C69DB9E858D9}" type="datetimeFigureOut">
               <a:rPr lang="en-US" smtClean="0"/>
               <a:pPr/>
-              <a:t>11/21/19</a:t>
+              <a:t>11/21/2019</a:t>
             </a:fld>
             <a:endParaRPr lang="en-US" dirty="0"/>
           </a:p>
@@ -3450,7 +3283,7 @@
             <a:fld id="{09B482E8-6E0E-1B4F-B1FD-C69DB9E858D9}" type="datetimeFigureOut">
               <a:rPr lang="en-US" smtClean="0"/>
               <a:pPr/>
-              <a:t>11/21/19</a:t>
+              <a:t>11/21/2019</a:t>
             </a:fld>
             <a:endParaRPr lang="en-US" dirty="0"/>
           </a:p>
@@ -3846,7 +3679,7 @@
             <a:fld id="{09B482E8-6E0E-1B4F-B1FD-C69DB9E858D9}" type="datetimeFigureOut">
               <a:rPr lang="en-US" smtClean="0"/>
               <a:pPr/>
-              <a:t>11/21/19</a:t>
+              <a:t>11/21/2019</a:t>
             </a:fld>
             <a:endParaRPr lang="en-US" dirty="0"/>
           </a:p>
@@ -4019,7 +3852,7 @@
             <a:fld id="{C6C52C72-DE31-F449-A4ED-4C594FD91407}" type="datetimeFigureOut">
               <a:rPr lang="en-US" smtClean="0"/>
               <a:pPr/>
-              <a:t>11/21/19</a:t>
+              <a:t>11/21/2019</a:t>
             </a:fld>
             <a:endParaRPr lang="en-US" dirty="0"/>
           </a:p>
@@ -4201,7 +4034,7 @@
             <a:fld id="{ED62726E-379B-B349-9EED-81ED093FA806}" type="datetimeFigureOut">
               <a:rPr lang="en-US" smtClean="0"/>
               <a:pPr/>
-              <a:t>11/21/19</a:t>
+              <a:t>11/21/2019</a:t>
             </a:fld>
             <a:endParaRPr lang="en-US" dirty="0"/>
           </a:p>
@@ -4373,7 +4206,7 @@
             <a:fld id="{9B3A1323-8D79-1946-B0D7-40001CF92E9D}" type="datetimeFigureOut">
               <a:rPr lang="en-US" smtClean="0"/>
               <a:pPr/>
-              <a:t>11/21/19</a:t>
+              <a:t>11/21/2019</a:t>
             </a:fld>
             <a:endParaRPr lang="en-US" dirty="0"/>
           </a:p>
@@ -4622,7 +4455,7 @@
             <a:fld id="{8DFA1846-DA80-1C48-A609-854EA85C59AD}" type="datetimeFigureOut">
               <a:rPr lang="en-US" smtClean="0"/>
               <a:pPr/>
-              <a:t>11/21/19</a:t>
+              <a:t>11/21/2019</a:t>
             </a:fld>
             <a:endParaRPr lang="en-US" dirty="0"/>
           </a:p>
@@ -4856,7 +4689,7 @@
             <a:fld id="{57302355-E14B-8545-A8F8-0FE83CC9D524}" type="datetimeFigureOut">
               <a:rPr lang="en-US" smtClean="0"/>
               <a:pPr/>
-              <a:t>11/21/19</a:t>
+              <a:t>11/21/2019</a:t>
             </a:fld>
             <a:endParaRPr lang="en-US" dirty="0"/>
           </a:p>
@@ -5232,7 +5065,7 @@
             <a:fld id="{02640F58-564D-2B4F-AE67-E407BA4FCF45}" type="datetimeFigureOut">
               <a:rPr lang="en-US" smtClean="0"/>
               <a:pPr/>
-              <a:t>11/21/19</a:t>
+              <a:t>11/21/2019</a:t>
             </a:fld>
             <a:endParaRPr lang="en-US" dirty="0"/>
           </a:p>
@@ -5357,7 +5190,7 @@
             <a:fld id="{F13A34C8-038E-2045-AF43-DF7DBB8E0E9E}" type="datetimeFigureOut">
               <a:rPr lang="en-US" smtClean="0"/>
               <a:pPr/>
-              <a:t>11/21/19</a:t>
+              <a:t>11/21/2019</a:t>
             </a:fld>
             <a:endParaRPr lang="en-US" dirty="0"/>
           </a:p>
@@ -5454,7 +5287,7 @@
             <a:fld id="{8818C68F-D26B-8F47-958C-23B49CF8A634}" type="datetimeFigureOut">
               <a:rPr lang="en-US" smtClean="0"/>
               <a:pPr/>
-              <a:t>11/21/19</a:t>
+              <a:t>11/21/2019</a:t>
             </a:fld>
             <a:endParaRPr lang="en-US" dirty="0"/>
           </a:p>
@@ -5711,7 +5544,7 @@
             <a:fld id="{D0DF5E60-9974-AC48-9591-99C2BB44B7CF}" type="datetimeFigureOut">
               <a:rPr lang="en-US" smtClean="0"/>
               <a:pPr/>
-              <a:t>11/21/19</a:t>
+              <a:t>11/21/2019</a:t>
             </a:fld>
             <a:endParaRPr lang="en-US" dirty="0"/>
           </a:p>
@@ -6019,7 +5852,7 @@
             <a:fld id="{09B482E8-6E0E-1B4F-B1FD-C69DB9E858D9}" type="datetimeFigureOut">
               <a:rPr lang="en-US" smtClean="0"/>
               <a:pPr/>
-              <a:t>11/21/19</a:t>
+              <a:t>11/21/2019</a:t>
             </a:fld>
             <a:endParaRPr lang="en-US" dirty="0"/>
           </a:p>
@@ -6723,7 +6556,7 @@
             <a:fld id="{09B482E8-6E0E-1B4F-B1FD-C69DB9E858D9}" type="datetimeFigureOut">
               <a:rPr lang="en-US" smtClean="0"/>
               <a:pPr/>
-              <a:t>11/21/19</a:t>
+              <a:t>11/21/2019</a:t>
             </a:fld>
             <a:endParaRPr lang="en-US" dirty="0"/>
           </a:p>
@@ -7271,17 +7104,9 @@
           <a:lstStyle/>
           <a:p>
             <a:r>
-              <a:rPr lang="en-US" sz="6600" dirty="0"/>
-              <a:t>Crash!</a:t>
-            </a:r>
-            <a:br>
               <a:rPr lang="en-US" dirty="0"/>
-            </a:br>
-            <a:r>
-              <a:rPr lang="en-US" sz="3600" dirty="0"/>
               <a:t>Stock Simulation Game</a:t>
             </a:r>
-            <a:endParaRPr lang="en-US" dirty="0"/>
           </a:p>
         </p:txBody>
       </p:sp>
@@ -7615,7 +7440,7 @@
     </p:spTree>
     <p:extLst>
       <p:ext uri="{BB962C8B-B14F-4D97-AF65-F5344CB8AC3E}">
-        <p14:creationId xmlns:p14="http://schemas.microsoft.com/office/powerpoint/2010/main" val="816844263"/>
+        <p14:creationId xmlns:p14="http://schemas.microsoft.com/office/powerpoint/2010/main" val="1467564254"/>
       </p:ext>
     </p:extLst>
   </p:cSld>
@@ -7647,7 +7472,7 @@
           <p:cNvPr id="2" name="Title 1">
             <a:extLst>
               <a:ext uri="{FF2B5EF4-FFF2-40B4-BE49-F238E27FC236}">
-                <a16:creationId xmlns:a16="http://schemas.microsoft.com/office/drawing/2014/main" id="{F815B958-F430-284F-937B-4428EDC07691}"/>
+                <a16:creationId xmlns:a16="http://schemas.microsoft.com/office/drawing/2014/main" id="{0B8510EA-80A4-A142-8E01-B079CE29C39A}"/>
               </a:ext>
             </a:extLst>
           </p:cNvPr>
@@ -7665,17 +7490,17 @@
           <a:p>
             <a:r>
               <a:rPr lang="en-US" dirty="0"/>
-              <a:t>Improvements for Future Projects</a:t>
-            </a:r>
-          </a:p>
-        </p:txBody>
-      </p:sp>
-      <p:sp>
-        <p:nvSpPr>
-          <p:cNvPr id="3" name="Content Placeholder 2">
+              <a:t>Work in Progress</a:t>
+            </a:r>
+          </a:p>
+        </p:txBody>
+      </p:sp>
+      <p:sp>
+        <p:nvSpPr>
+          <p:cNvPr id="4" name="Content Placeholder 2">
             <a:extLst>
               <a:ext uri="{FF2B5EF4-FFF2-40B4-BE49-F238E27FC236}">
-                <a16:creationId xmlns:a16="http://schemas.microsoft.com/office/drawing/2014/main" id="{10E9FD41-C25C-A84B-A800-C418B543406F}"/>
+                <a16:creationId xmlns:a16="http://schemas.microsoft.com/office/drawing/2014/main" id="{402E3166-D3FF-904F-B026-8092268B2346}"/>
               </a:ext>
             </a:extLst>
           </p:cNvPr>
@@ -7683,43 +7508,633 @@
             <a:spLocks noGrp="1"/>
           </p:cNvSpPr>
           <p:nvPr>
-            <p:ph idx="1"/>
-          </p:nvPr>
-        </p:nvSpPr>
-        <p:spPr/>
+            <p:ph sz="half" idx="1"/>
+          </p:nvPr>
+        </p:nvSpPr>
+        <p:spPr>
+          <a:xfrm>
+            <a:off x="677335" y="2160589"/>
+            <a:ext cx="2909928" cy="3880772"/>
+          </a:xfrm>
+        </p:spPr>
         <p:txBody>
           <a:bodyPr/>
           <a:lstStyle/>
           <a:p>
-            <a:r>
-              <a:rPr lang="en-US" dirty="0"/>
-              <a:t>Creation of Game Logic Flowchart at beginning of semester</a:t>
-            </a:r>
-          </a:p>
-          <a:p>
-            <a:r>
-              <a:rPr lang="en-US" dirty="0"/>
-              <a:t>Use alternate IDE for front-end from the start</a:t>
-            </a:r>
-          </a:p>
-          <a:p>
-            <a:r>
-              <a:rPr lang="en-US" dirty="0"/>
-              <a:t>Improved team wide communication </a:t>
-            </a:r>
-          </a:p>
-          <a:p>
-            <a:r>
-              <a:rPr lang="en-US" dirty="0"/>
-              <a:t>Improved communication with TA</a:t>
-            </a:r>
+            <a:pPr marL="0" indent="0">
+              <a:buNone/>
+            </a:pPr>
+            <a:r>
+              <a:rPr lang="en-US" b="1" dirty="0"/>
+              <a:t>Front-End Sub-Team</a:t>
+            </a:r>
+          </a:p>
+          <a:p>
+            <a:r>
+              <a:rPr lang="en-US" sz="1600" dirty="0"/>
+              <a:t>Back-end integration</a:t>
+            </a:r>
+          </a:p>
+          <a:p>
+            <a:r>
+              <a:rPr lang="en-US" sz="1600" dirty="0"/>
+              <a:t>Button functionality integration with game logic</a:t>
+            </a:r>
+          </a:p>
+          <a:p>
+            <a:endParaRPr lang="en-US" sz="1600" dirty="0"/>
+          </a:p>
+        </p:txBody>
+      </p:sp>
+      <p:sp>
+        <p:nvSpPr>
+          <p:cNvPr id="5" name="Content Placeholder 2">
+            <a:extLst>
+              <a:ext uri="{FF2B5EF4-FFF2-40B4-BE49-F238E27FC236}">
+                <a16:creationId xmlns:a16="http://schemas.microsoft.com/office/drawing/2014/main" id="{CEDBD428-65E5-EC45-B822-18CC650DBF30}"/>
+              </a:ext>
+            </a:extLst>
+          </p:cNvPr>
+          <p:cNvSpPr txBox="1">
+            <a:spLocks/>
+          </p:cNvSpPr>
+          <p:nvPr/>
+        </p:nvSpPr>
+        <p:spPr>
+          <a:xfrm>
+            <a:off x="3520704" y="2168821"/>
+            <a:ext cx="2909928" cy="3880772"/>
+          </a:xfrm>
+          <a:prstGeom prst="rect">
+            <a:avLst/>
+          </a:prstGeom>
+        </p:spPr>
+        <p:txBody>
+          <a:bodyPr vert="horz" lIns="91440" tIns="45720" rIns="91440" bIns="45720" rtlCol="0">
+            <a:normAutofit/>
+          </a:bodyPr>
+          <a:lstStyle>
+            <a:lvl1pPr marL="342900" indent="-342900" algn="l" defTabSz="457200" rtl="0" eaLnBrk="1" latinLnBrk="0" hangingPunct="1">
+              <a:spcBef>
+                <a:spcPts val="1000"/>
+              </a:spcBef>
+              <a:spcAft>
+                <a:spcPts val="0"/>
+              </a:spcAft>
+              <a:buClr>
+                <a:schemeClr val="accent1"/>
+              </a:buClr>
+              <a:buSzPct val="80000"/>
+              <a:buFont typeface="Wingdings 3" charset="2"/>
+              <a:buChar char=""/>
+              <a:defRPr sz="1800" kern="1200">
+                <a:solidFill>
+                  <a:schemeClr val="tx1">
+                    <a:lumMod val="75000"/>
+                    <a:lumOff val="25000"/>
+                  </a:schemeClr>
+                </a:solidFill>
+                <a:latin typeface="+mn-lt"/>
+                <a:ea typeface="+mn-ea"/>
+                <a:cs typeface="+mn-cs"/>
+              </a:defRPr>
+            </a:lvl1pPr>
+            <a:lvl2pPr marL="742950" indent="-285750" algn="l" defTabSz="457200" rtl="0" eaLnBrk="1" latinLnBrk="0" hangingPunct="1">
+              <a:spcBef>
+                <a:spcPts val="1000"/>
+              </a:spcBef>
+              <a:spcAft>
+                <a:spcPts val="0"/>
+              </a:spcAft>
+              <a:buClr>
+                <a:schemeClr val="accent1"/>
+              </a:buClr>
+              <a:buSzPct val="80000"/>
+              <a:buFont typeface="Wingdings 3" charset="2"/>
+              <a:buChar char=""/>
+              <a:defRPr sz="1600" kern="1200">
+                <a:solidFill>
+                  <a:schemeClr val="tx1">
+                    <a:lumMod val="75000"/>
+                    <a:lumOff val="25000"/>
+                  </a:schemeClr>
+                </a:solidFill>
+                <a:latin typeface="+mn-lt"/>
+                <a:ea typeface="+mn-ea"/>
+                <a:cs typeface="+mn-cs"/>
+              </a:defRPr>
+            </a:lvl2pPr>
+            <a:lvl3pPr marL="1143000" indent="-228600" algn="l" defTabSz="457200" rtl="0" eaLnBrk="1" latinLnBrk="0" hangingPunct="1">
+              <a:spcBef>
+                <a:spcPts val="1000"/>
+              </a:spcBef>
+              <a:spcAft>
+                <a:spcPts val="0"/>
+              </a:spcAft>
+              <a:buClr>
+                <a:schemeClr val="accent1"/>
+              </a:buClr>
+              <a:buSzPct val="80000"/>
+              <a:buFont typeface="Wingdings 3" charset="2"/>
+              <a:buChar char=""/>
+              <a:defRPr sz="1400" kern="1200">
+                <a:solidFill>
+                  <a:schemeClr val="tx1">
+                    <a:lumMod val="75000"/>
+                    <a:lumOff val="25000"/>
+                  </a:schemeClr>
+                </a:solidFill>
+                <a:latin typeface="+mn-lt"/>
+                <a:ea typeface="+mn-ea"/>
+                <a:cs typeface="+mn-cs"/>
+              </a:defRPr>
+            </a:lvl3pPr>
+            <a:lvl4pPr marL="1600200" indent="-228600" algn="l" defTabSz="457200" rtl="0" eaLnBrk="1" latinLnBrk="0" hangingPunct="1">
+              <a:spcBef>
+                <a:spcPts val="1000"/>
+              </a:spcBef>
+              <a:spcAft>
+                <a:spcPts val="0"/>
+              </a:spcAft>
+              <a:buClr>
+                <a:schemeClr val="accent1"/>
+              </a:buClr>
+              <a:buSzPct val="80000"/>
+              <a:buFont typeface="Wingdings 3" charset="2"/>
+              <a:buChar char=""/>
+              <a:defRPr sz="1200" kern="1200">
+                <a:solidFill>
+                  <a:schemeClr val="tx1">
+                    <a:lumMod val="75000"/>
+                    <a:lumOff val="25000"/>
+                  </a:schemeClr>
+                </a:solidFill>
+                <a:latin typeface="+mn-lt"/>
+                <a:ea typeface="+mn-ea"/>
+                <a:cs typeface="+mn-cs"/>
+              </a:defRPr>
+            </a:lvl4pPr>
+            <a:lvl5pPr marL="2057400" indent="-228600" algn="l" defTabSz="457200" rtl="0" eaLnBrk="1" latinLnBrk="0" hangingPunct="1">
+              <a:spcBef>
+                <a:spcPts val="1000"/>
+              </a:spcBef>
+              <a:spcAft>
+                <a:spcPts val="0"/>
+              </a:spcAft>
+              <a:buClr>
+                <a:schemeClr val="accent1"/>
+              </a:buClr>
+              <a:buSzPct val="80000"/>
+              <a:buFont typeface="Wingdings 3" charset="2"/>
+              <a:buChar char=""/>
+              <a:defRPr sz="1200" kern="1200">
+                <a:solidFill>
+                  <a:schemeClr val="tx1">
+                    <a:lumMod val="75000"/>
+                    <a:lumOff val="25000"/>
+                  </a:schemeClr>
+                </a:solidFill>
+                <a:latin typeface="+mn-lt"/>
+                <a:ea typeface="+mn-ea"/>
+                <a:cs typeface="+mn-cs"/>
+              </a:defRPr>
+            </a:lvl5pPr>
+            <a:lvl6pPr marL="2514600" indent="-228600" algn="l" defTabSz="457200" rtl="0" eaLnBrk="1" latinLnBrk="0" hangingPunct="1">
+              <a:spcBef>
+                <a:spcPts val="1000"/>
+              </a:spcBef>
+              <a:spcAft>
+                <a:spcPts val="0"/>
+              </a:spcAft>
+              <a:buClr>
+                <a:schemeClr val="accent1"/>
+              </a:buClr>
+              <a:buSzPct val="80000"/>
+              <a:buFont typeface="Wingdings 3" charset="2"/>
+              <a:buChar char=""/>
+              <a:defRPr sz="1200" kern="1200">
+                <a:solidFill>
+                  <a:schemeClr val="tx1">
+                    <a:lumMod val="75000"/>
+                    <a:lumOff val="25000"/>
+                  </a:schemeClr>
+                </a:solidFill>
+                <a:latin typeface="+mn-lt"/>
+                <a:ea typeface="+mn-ea"/>
+                <a:cs typeface="+mn-cs"/>
+              </a:defRPr>
+            </a:lvl6pPr>
+            <a:lvl7pPr marL="2971800" indent="-228600" algn="l" defTabSz="457200" rtl="0" eaLnBrk="1" latinLnBrk="0" hangingPunct="1">
+              <a:spcBef>
+                <a:spcPts val="1000"/>
+              </a:spcBef>
+              <a:spcAft>
+                <a:spcPts val="0"/>
+              </a:spcAft>
+              <a:buClr>
+                <a:schemeClr val="accent1"/>
+              </a:buClr>
+              <a:buSzPct val="80000"/>
+              <a:buFont typeface="Wingdings 3" charset="2"/>
+              <a:buChar char=""/>
+              <a:defRPr sz="1200" kern="1200">
+                <a:solidFill>
+                  <a:schemeClr val="tx1">
+                    <a:lumMod val="75000"/>
+                    <a:lumOff val="25000"/>
+                  </a:schemeClr>
+                </a:solidFill>
+                <a:latin typeface="+mn-lt"/>
+                <a:ea typeface="+mn-ea"/>
+                <a:cs typeface="+mn-cs"/>
+              </a:defRPr>
+            </a:lvl7pPr>
+            <a:lvl8pPr marL="3429000" indent="-228600" algn="l" defTabSz="457200" rtl="0" eaLnBrk="1" latinLnBrk="0" hangingPunct="1">
+              <a:spcBef>
+                <a:spcPts val="1000"/>
+              </a:spcBef>
+              <a:spcAft>
+                <a:spcPts val="0"/>
+              </a:spcAft>
+              <a:buClr>
+                <a:schemeClr val="accent1"/>
+              </a:buClr>
+              <a:buSzPct val="80000"/>
+              <a:buFont typeface="Wingdings 3" charset="2"/>
+              <a:buChar char=""/>
+              <a:defRPr sz="1200" kern="1200">
+                <a:solidFill>
+                  <a:schemeClr val="tx1">
+                    <a:lumMod val="75000"/>
+                    <a:lumOff val="25000"/>
+                  </a:schemeClr>
+                </a:solidFill>
+                <a:latin typeface="+mn-lt"/>
+                <a:ea typeface="+mn-ea"/>
+                <a:cs typeface="+mn-cs"/>
+              </a:defRPr>
+            </a:lvl8pPr>
+            <a:lvl9pPr marL="3886200" indent="-228600" algn="l" defTabSz="457200" rtl="0" eaLnBrk="1" latinLnBrk="0" hangingPunct="1">
+              <a:spcBef>
+                <a:spcPts val="1000"/>
+              </a:spcBef>
+              <a:spcAft>
+                <a:spcPts val="0"/>
+              </a:spcAft>
+              <a:buClr>
+                <a:schemeClr val="accent1"/>
+              </a:buClr>
+              <a:buSzPct val="80000"/>
+              <a:buFont typeface="Wingdings 3" charset="2"/>
+              <a:buChar char=""/>
+              <a:defRPr sz="1200" kern="1200">
+                <a:solidFill>
+                  <a:schemeClr val="tx1">
+                    <a:lumMod val="75000"/>
+                    <a:lumOff val="25000"/>
+                  </a:schemeClr>
+                </a:solidFill>
+                <a:latin typeface="+mn-lt"/>
+                <a:ea typeface="+mn-ea"/>
+                <a:cs typeface="+mn-cs"/>
+              </a:defRPr>
+            </a:lvl9pPr>
+          </a:lstStyle>
+          <a:p>
+            <a:pPr marL="0" indent="0">
+              <a:buNone/>
+            </a:pPr>
+            <a:r>
+              <a:rPr lang="en-US" b="1" dirty="0"/>
+              <a:t>Back-End Sub-Team</a:t>
+            </a:r>
+          </a:p>
+          <a:p>
+            <a:r>
+              <a:rPr lang="en-US" sz="1600" dirty="0"/>
+              <a:t>He</a:t>
+            </a:r>
+          </a:p>
+          <a:p>
+            <a:r>
+              <a:rPr lang="en-US" sz="1600" dirty="0"/>
+              <a:t>lo</a:t>
+            </a:r>
+          </a:p>
+        </p:txBody>
+      </p:sp>
+      <p:sp>
+        <p:nvSpPr>
+          <p:cNvPr id="6" name="Content Placeholder 2">
+            <a:extLst>
+              <a:ext uri="{FF2B5EF4-FFF2-40B4-BE49-F238E27FC236}">
+                <a16:creationId xmlns:a16="http://schemas.microsoft.com/office/drawing/2014/main" id="{ABFA7731-22EF-2946-AFDC-E09B0D18A463}"/>
+              </a:ext>
+            </a:extLst>
+          </p:cNvPr>
+          <p:cNvSpPr txBox="1">
+            <a:spLocks/>
+          </p:cNvSpPr>
+          <p:nvPr/>
+        </p:nvSpPr>
+        <p:spPr>
+          <a:xfrm>
+            <a:off x="6236676" y="2177053"/>
+            <a:ext cx="3793589" cy="3880772"/>
+          </a:xfrm>
+          <a:prstGeom prst="rect">
+            <a:avLst/>
+          </a:prstGeom>
+        </p:spPr>
+        <p:txBody>
+          <a:bodyPr vert="horz" lIns="91440" tIns="45720" rIns="91440" bIns="45720" rtlCol="0">
+            <a:normAutofit/>
+          </a:bodyPr>
+          <a:lstStyle>
+            <a:lvl1pPr marL="342900" indent="-342900" algn="l" defTabSz="457200" rtl="0" eaLnBrk="1" latinLnBrk="0" hangingPunct="1">
+              <a:spcBef>
+                <a:spcPts val="1000"/>
+              </a:spcBef>
+              <a:spcAft>
+                <a:spcPts val="0"/>
+              </a:spcAft>
+              <a:buClr>
+                <a:schemeClr val="accent1"/>
+              </a:buClr>
+              <a:buSzPct val="80000"/>
+              <a:buFont typeface="Wingdings 3" charset="2"/>
+              <a:buChar char=""/>
+              <a:defRPr sz="1800" kern="1200">
+                <a:solidFill>
+                  <a:schemeClr val="tx1">
+                    <a:lumMod val="75000"/>
+                    <a:lumOff val="25000"/>
+                  </a:schemeClr>
+                </a:solidFill>
+                <a:latin typeface="+mn-lt"/>
+                <a:ea typeface="+mn-ea"/>
+                <a:cs typeface="+mn-cs"/>
+              </a:defRPr>
+            </a:lvl1pPr>
+            <a:lvl2pPr marL="742950" indent="-285750" algn="l" defTabSz="457200" rtl="0" eaLnBrk="1" latinLnBrk="0" hangingPunct="1">
+              <a:spcBef>
+                <a:spcPts val="1000"/>
+              </a:spcBef>
+              <a:spcAft>
+                <a:spcPts val="0"/>
+              </a:spcAft>
+              <a:buClr>
+                <a:schemeClr val="accent1"/>
+              </a:buClr>
+              <a:buSzPct val="80000"/>
+              <a:buFont typeface="Wingdings 3" charset="2"/>
+              <a:buChar char=""/>
+              <a:defRPr sz="1600" kern="1200">
+                <a:solidFill>
+                  <a:schemeClr val="tx1">
+                    <a:lumMod val="75000"/>
+                    <a:lumOff val="25000"/>
+                  </a:schemeClr>
+                </a:solidFill>
+                <a:latin typeface="+mn-lt"/>
+                <a:ea typeface="+mn-ea"/>
+                <a:cs typeface="+mn-cs"/>
+              </a:defRPr>
+            </a:lvl2pPr>
+            <a:lvl3pPr marL="1143000" indent="-228600" algn="l" defTabSz="457200" rtl="0" eaLnBrk="1" latinLnBrk="0" hangingPunct="1">
+              <a:spcBef>
+                <a:spcPts val="1000"/>
+              </a:spcBef>
+              <a:spcAft>
+                <a:spcPts val="0"/>
+              </a:spcAft>
+              <a:buClr>
+                <a:schemeClr val="accent1"/>
+              </a:buClr>
+              <a:buSzPct val="80000"/>
+              <a:buFont typeface="Wingdings 3" charset="2"/>
+              <a:buChar char=""/>
+              <a:defRPr sz="1400" kern="1200">
+                <a:solidFill>
+                  <a:schemeClr val="tx1">
+                    <a:lumMod val="75000"/>
+                    <a:lumOff val="25000"/>
+                  </a:schemeClr>
+                </a:solidFill>
+                <a:latin typeface="+mn-lt"/>
+                <a:ea typeface="+mn-ea"/>
+                <a:cs typeface="+mn-cs"/>
+              </a:defRPr>
+            </a:lvl3pPr>
+            <a:lvl4pPr marL="1600200" indent="-228600" algn="l" defTabSz="457200" rtl="0" eaLnBrk="1" latinLnBrk="0" hangingPunct="1">
+              <a:spcBef>
+                <a:spcPts val="1000"/>
+              </a:spcBef>
+              <a:spcAft>
+                <a:spcPts val="0"/>
+              </a:spcAft>
+              <a:buClr>
+                <a:schemeClr val="accent1"/>
+              </a:buClr>
+              <a:buSzPct val="80000"/>
+              <a:buFont typeface="Wingdings 3" charset="2"/>
+              <a:buChar char=""/>
+              <a:defRPr sz="1200" kern="1200">
+                <a:solidFill>
+                  <a:schemeClr val="tx1">
+                    <a:lumMod val="75000"/>
+                    <a:lumOff val="25000"/>
+                  </a:schemeClr>
+                </a:solidFill>
+                <a:latin typeface="+mn-lt"/>
+                <a:ea typeface="+mn-ea"/>
+                <a:cs typeface="+mn-cs"/>
+              </a:defRPr>
+            </a:lvl4pPr>
+            <a:lvl5pPr marL="2057400" indent="-228600" algn="l" defTabSz="457200" rtl="0" eaLnBrk="1" latinLnBrk="0" hangingPunct="1">
+              <a:spcBef>
+                <a:spcPts val="1000"/>
+              </a:spcBef>
+              <a:spcAft>
+                <a:spcPts val="0"/>
+              </a:spcAft>
+              <a:buClr>
+                <a:schemeClr val="accent1"/>
+              </a:buClr>
+              <a:buSzPct val="80000"/>
+              <a:buFont typeface="Wingdings 3" charset="2"/>
+              <a:buChar char=""/>
+              <a:defRPr sz="1200" kern="1200">
+                <a:solidFill>
+                  <a:schemeClr val="tx1">
+                    <a:lumMod val="75000"/>
+                    <a:lumOff val="25000"/>
+                  </a:schemeClr>
+                </a:solidFill>
+                <a:latin typeface="+mn-lt"/>
+                <a:ea typeface="+mn-ea"/>
+                <a:cs typeface="+mn-cs"/>
+              </a:defRPr>
+            </a:lvl5pPr>
+            <a:lvl6pPr marL="2514600" indent="-228600" algn="l" defTabSz="457200" rtl="0" eaLnBrk="1" latinLnBrk="0" hangingPunct="1">
+              <a:spcBef>
+                <a:spcPts val="1000"/>
+              </a:spcBef>
+              <a:spcAft>
+                <a:spcPts val="0"/>
+              </a:spcAft>
+              <a:buClr>
+                <a:schemeClr val="accent1"/>
+              </a:buClr>
+              <a:buSzPct val="80000"/>
+              <a:buFont typeface="Wingdings 3" charset="2"/>
+              <a:buChar char=""/>
+              <a:defRPr sz="1200" kern="1200">
+                <a:solidFill>
+                  <a:schemeClr val="tx1">
+                    <a:lumMod val="75000"/>
+                    <a:lumOff val="25000"/>
+                  </a:schemeClr>
+                </a:solidFill>
+                <a:latin typeface="+mn-lt"/>
+                <a:ea typeface="+mn-ea"/>
+                <a:cs typeface="+mn-cs"/>
+              </a:defRPr>
+            </a:lvl6pPr>
+            <a:lvl7pPr marL="2971800" indent="-228600" algn="l" defTabSz="457200" rtl="0" eaLnBrk="1" latinLnBrk="0" hangingPunct="1">
+              <a:spcBef>
+                <a:spcPts val="1000"/>
+              </a:spcBef>
+              <a:spcAft>
+                <a:spcPts val="0"/>
+              </a:spcAft>
+              <a:buClr>
+                <a:schemeClr val="accent1"/>
+              </a:buClr>
+              <a:buSzPct val="80000"/>
+              <a:buFont typeface="Wingdings 3" charset="2"/>
+              <a:buChar char=""/>
+              <a:defRPr sz="1200" kern="1200">
+                <a:solidFill>
+                  <a:schemeClr val="tx1">
+                    <a:lumMod val="75000"/>
+                    <a:lumOff val="25000"/>
+                  </a:schemeClr>
+                </a:solidFill>
+                <a:latin typeface="+mn-lt"/>
+                <a:ea typeface="+mn-ea"/>
+                <a:cs typeface="+mn-cs"/>
+              </a:defRPr>
+            </a:lvl7pPr>
+            <a:lvl8pPr marL="3429000" indent="-228600" algn="l" defTabSz="457200" rtl="0" eaLnBrk="1" latinLnBrk="0" hangingPunct="1">
+              <a:spcBef>
+                <a:spcPts val="1000"/>
+              </a:spcBef>
+              <a:spcAft>
+                <a:spcPts val="0"/>
+              </a:spcAft>
+              <a:buClr>
+                <a:schemeClr val="accent1"/>
+              </a:buClr>
+              <a:buSzPct val="80000"/>
+              <a:buFont typeface="Wingdings 3" charset="2"/>
+              <a:buChar char=""/>
+              <a:defRPr sz="1200" kern="1200">
+                <a:solidFill>
+                  <a:schemeClr val="tx1">
+                    <a:lumMod val="75000"/>
+                    <a:lumOff val="25000"/>
+                  </a:schemeClr>
+                </a:solidFill>
+                <a:latin typeface="+mn-lt"/>
+                <a:ea typeface="+mn-ea"/>
+                <a:cs typeface="+mn-cs"/>
+              </a:defRPr>
+            </a:lvl8pPr>
+            <a:lvl9pPr marL="3886200" indent="-228600" algn="l" defTabSz="457200" rtl="0" eaLnBrk="1" latinLnBrk="0" hangingPunct="1">
+              <a:spcBef>
+                <a:spcPts val="1000"/>
+              </a:spcBef>
+              <a:spcAft>
+                <a:spcPts val="0"/>
+              </a:spcAft>
+              <a:buClr>
+                <a:schemeClr val="accent1"/>
+              </a:buClr>
+              <a:buSzPct val="80000"/>
+              <a:buFont typeface="Wingdings 3" charset="2"/>
+              <a:buChar char=""/>
+              <a:defRPr sz="1200" kern="1200">
+                <a:solidFill>
+                  <a:schemeClr val="tx1">
+                    <a:lumMod val="75000"/>
+                    <a:lumOff val="25000"/>
+                  </a:schemeClr>
+                </a:solidFill>
+                <a:latin typeface="+mn-lt"/>
+                <a:ea typeface="+mn-ea"/>
+                <a:cs typeface="+mn-cs"/>
+              </a:defRPr>
+            </a:lvl9pPr>
+          </a:lstStyle>
+          <a:p>
+            <a:pPr marL="0" indent="0">
+              <a:buNone/>
+            </a:pPr>
+            <a:r>
+              <a:rPr lang="en-US" b="1" dirty="0"/>
+              <a:t>Game Functionality Sub-Team</a:t>
+            </a:r>
+          </a:p>
+          <a:p>
+            <a:r>
+              <a:rPr lang="en-US" sz="1600" dirty="0"/>
+              <a:t>Solidify game security</a:t>
+            </a:r>
+          </a:p>
+          <a:p>
+            <a:r>
+              <a:rPr lang="en-US" sz="1600" dirty="0"/>
+              <a:t>Implement new game logic for additional features</a:t>
+            </a:r>
+          </a:p>
+          <a:p>
+            <a:pPr lvl="1"/>
+            <a:r>
+              <a:rPr lang="en-US" sz="1400" dirty="0"/>
+              <a:t>Buy out functionality</a:t>
+            </a:r>
+          </a:p>
+          <a:p>
+            <a:pPr lvl="1"/>
+            <a:r>
+              <a:rPr lang="en-US" sz="1400" dirty="0"/>
+              <a:t>Log out functionality</a:t>
+            </a:r>
+          </a:p>
+          <a:p>
+            <a:pPr lvl="1"/>
+            <a:r>
+              <a:rPr lang="en-US" sz="1400" dirty="0"/>
+              <a:t>Winning conditions</a:t>
+            </a:r>
+          </a:p>
+          <a:p>
+            <a:pPr lvl="1"/>
+            <a:r>
+              <a:rPr lang="en-US" sz="1400" dirty="0"/>
+              <a:t>Per round fee</a:t>
+            </a:r>
+          </a:p>
+          <a:p>
+            <a:endParaRPr lang="en-US" dirty="0"/>
           </a:p>
         </p:txBody>
       </p:sp>
     </p:spTree>
     <p:extLst>
       <p:ext uri="{BB962C8B-B14F-4D97-AF65-F5344CB8AC3E}">
-        <p14:creationId xmlns:p14="http://schemas.microsoft.com/office/powerpoint/2010/main" val="3146250260"/>
+        <p14:creationId xmlns:p14="http://schemas.microsoft.com/office/powerpoint/2010/main" val="430596845"/>
       </p:ext>
     </p:extLst>
   </p:cSld>
@@ -7748,6 +8163,110 @@
       </p:grpSpPr>
       <p:sp>
         <p:nvSpPr>
+          <p:cNvPr id="2" name="Title 1">
+            <a:extLst>
+              <a:ext uri="{FF2B5EF4-FFF2-40B4-BE49-F238E27FC236}">
+                <a16:creationId xmlns:a16="http://schemas.microsoft.com/office/drawing/2014/main" id="{F815B958-F430-284F-937B-4428EDC07691}"/>
+              </a:ext>
+            </a:extLst>
+          </p:cNvPr>
+          <p:cNvSpPr>
+            <a:spLocks noGrp="1"/>
+          </p:cNvSpPr>
+          <p:nvPr>
+            <p:ph type="title"/>
+          </p:nvPr>
+        </p:nvSpPr>
+        <p:spPr/>
+        <p:txBody>
+          <a:bodyPr/>
+          <a:lstStyle/>
+          <a:p>
+            <a:r>
+              <a:rPr lang="en-US" dirty="0"/>
+              <a:t>Improvements for Future Projects</a:t>
+            </a:r>
+          </a:p>
+        </p:txBody>
+      </p:sp>
+      <p:sp>
+        <p:nvSpPr>
+          <p:cNvPr id="3" name="Content Placeholder 2">
+            <a:extLst>
+              <a:ext uri="{FF2B5EF4-FFF2-40B4-BE49-F238E27FC236}">
+                <a16:creationId xmlns:a16="http://schemas.microsoft.com/office/drawing/2014/main" id="{10E9FD41-C25C-A84B-A800-C418B543406F}"/>
+              </a:ext>
+            </a:extLst>
+          </p:cNvPr>
+          <p:cNvSpPr>
+            <a:spLocks noGrp="1"/>
+          </p:cNvSpPr>
+          <p:nvPr>
+            <p:ph idx="1"/>
+          </p:nvPr>
+        </p:nvSpPr>
+        <p:spPr/>
+        <p:txBody>
+          <a:bodyPr/>
+          <a:lstStyle/>
+          <a:p>
+            <a:r>
+              <a:rPr lang="en-US" dirty="0"/>
+              <a:t>Creation of Game Logic Flowchart at beginning of semester</a:t>
+            </a:r>
+          </a:p>
+          <a:p>
+            <a:r>
+              <a:rPr lang="en-US" dirty="0"/>
+              <a:t>Use alternate IDE for front-end due to Qt library issue</a:t>
+            </a:r>
+          </a:p>
+          <a:p>
+            <a:r>
+              <a:rPr lang="en-US" dirty="0"/>
+              <a:t>Improved team wide communication </a:t>
+            </a:r>
+          </a:p>
+          <a:p>
+            <a:r>
+              <a:rPr lang="en-US" dirty="0"/>
+              <a:t>Improved communication with TA</a:t>
+            </a:r>
+          </a:p>
+        </p:txBody>
+      </p:sp>
+    </p:spTree>
+    <p:extLst>
+      <p:ext uri="{BB962C8B-B14F-4D97-AF65-F5344CB8AC3E}">
+        <p14:creationId xmlns:p14="http://schemas.microsoft.com/office/powerpoint/2010/main" val="3146250260"/>
+      </p:ext>
+    </p:extLst>
+  </p:cSld>
+  <p:clrMapOvr>
+    <a:masterClrMapping/>
+  </p:clrMapOvr>
+</p:sld>
+</file>
+
+<file path=ppt/slides/slide12.xml><?xml version="1.0" encoding="utf-8"?>
+<p:sld xmlns:a="http://schemas.openxmlformats.org/drawingml/2006/main" xmlns:r="http://schemas.openxmlformats.org/officeDocument/2006/relationships" xmlns:p="http://schemas.openxmlformats.org/presentationml/2006/main">
+  <p:cSld>
+    <p:spTree>
+      <p:nvGrpSpPr>
+        <p:cNvPr id="1" name=""/>
+        <p:cNvGrpSpPr/>
+        <p:nvPr/>
+      </p:nvGrpSpPr>
+      <p:grpSpPr>
+        <a:xfrm>
+          <a:off x="0" y="0"/>
+          <a:ext cx="0" cy="0"/>
+          <a:chOff x="0" y="0"/>
+          <a:chExt cx="0" cy="0"/>
+        </a:xfrm>
+      </p:grpSpPr>
+      <p:sp>
+        <p:nvSpPr>
           <p:cNvPr id="4" name="Title 3">
             <a:extLst>
               <a:ext uri="{FF2B5EF4-FFF2-40B4-BE49-F238E27FC236}">
@@ -7787,7 +8306,7 @@
 </p:sld>
 </file>
 
-<file path=ppt/slides/slide12.xml><?xml version="1.0" encoding="utf-8"?>
+<file path=ppt/slides/slide13.xml><?xml version="1.0" encoding="utf-8"?>
 <p:sld xmlns:a="http://schemas.openxmlformats.org/drawingml/2006/main" xmlns:r="http://schemas.openxmlformats.org/officeDocument/2006/relationships" xmlns:p="http://schemas.openxmlformats.org/presentationml/2006/main">
   <p:cSld>
     <p:spTree>
@@ -7920,7 +8439,7 @@
             <a:pPr lvl="1"/>
             <a:r>
               <a:rPr lang="en-US" dirty="0"/>
-              <a:t>Race against other users to maximize capital whilst not going bankrupt</a:t>
+              <a:t>Race against other users to maximize capital whilst not going bankrupt or getting bought out</a:t>
             </a:r>
           </a:p>
           <a:p>
@@ -7994,24 +8513,51 @@
             <a:spLocks noGrp="1"/>
           </p:cNvSpPr>
           <p:nvPr>
-            <p:ph type="ctrTitle"/>
-          </p:nvPr>
-        </p:nvSpPr>
-        <p:spPr>
-          <a:xfrm>
-            <a:off x="677335" y="1282701"/>
-            <a:ext cx="5096060" cy="4307148"/>
-          </a:xfrm>
-        </p:spPr>
-        <p:txBody>
-          <a:bodyPr anchor="ctr">
-            <a:normAutofit/>
-          </a:bodyPr>
+            <p:ph type="title"/>
+          </p:nvPr>
+        </p:nvSpPr>
+        <p:spPr/>
+        <p:txBody>
+          <a:bodyPr/>
           <a:lstStyle/>
           <a:p>
             <a:r>
               <a:rPr lang="en-US" dirty="0"/>
               <a:t>Demonstration</a:t>
+            </a:r>
+          </a:p>
+        </p:txBody>
+      </p:sp>
+      <p:sp>
+        <p:nvSpPr>
+          <p:cNvPr id="3" name="Content Placeholder 2">
+            <a:extLst>
+              <a:ext uri="{FF2B5EF4-FFF2-40B4-BE49-F238E27FC236}">
+                <a16:creationId xmlns:a16="http://schemas.microsoft.com/office/drawing/2014/main" id="{449EEBB3-55F2-2348-B2DF-2647E55601D8}"/>
+              </a:ext>
+            </a:extLst>
+          </p:cNvPr>
+          <p:cNvSpPr>
+            <a:spLocks noGrp="1"/>
+          </p:cNvSpPr>
+          <p:nvPr>
+            <p:ph idx="1"/>
+          </p:nvPr>
+        </p:nvSpPr>
+        <p:spPr/>
+        <p:txBody>
+          <a:bodyPr/>
+          <a:lstStyle/>
+          <a:p>
+            <a:r>
+              <a:rPr lang="en-US" dirty="0"/>
+              <a:t>**include screenshot of GUI here**</a:t>
+            </a:r>
+          </a:p>
+          <a:p>
+            <a:r>
+              <a:rPr lang="en-US" dirty="0"/>
+              <a:t>Exit to demonstration??</a:t>
             </a:r>
           </a:p>
         </p:txBody>
@@ -8019,7 +8565,7 @@
     </p:spTree>
     <p:extLst>
       <p:ext uri="{BB962C8B-B14F-4D97-AF65-F5344CB8AC3E}">
-        <p14:creationId xmlns:p14="http://schemas.microsoft.com/office/powerpoint/2010/main" val="897546376"/>
+        <p14:creationId xmlns:p14="http://schemas.microsoft.com/office/powerpoint/2010/main" val="1011367267"/>
       </p:ext>
     </p:extLst>
   </p:cSld>
@@ -9099,6 +9645,16 @@
               <a:rPr lang="en-US" sz="1400" dirty="0"/>
               <a:t>Logic of how players interact with the interface</a:t>
             </a:r>
+          </a:p>
+          <a:p>
+            <a:pPr lvl="1"/>
+            <a:r>
+              <a:rPr lang="en-US" sz="1400" dirty="0"/>
+              <a:t>Logic of how players interact with each other</a:t>
+            </a:r>
+          </a:p>
+          <a:p>
+            <a:endParaRPr lang="en-US" dirty="0"/>
           </a:p>
         </p:txBody>
       </p:sp>
@@ -10006,7 +10562,7 @@
           <a:p>
             <a:r>
               <a:rPr lang="en-US" dirty="0"/>
-              <a:t>Challenges</a:t>
+              <a:t>Challenges Overcome</a:t>
             </a:r>
           </a:p>
         </p:txBody>
@@ -10082,7 +10638,7 @@
         </p:nvSpPr>
         <p:spPr>
           <a:xfrm>
-            <a:off x="3326748" y="2165942"/>
+            <a:off x="3520704" y="2168821"/>
             <a:ext cx="2909928" cy="3880772"/>
           </a:xfrm>
           <a:prstGeom prst="rect">
@@ -10332,63 +10888,14 @@
           <a:p>
             <a:r>
               <a:rPr lang="en-US" sz="1600" dirty="0"/>
-              <a:t>Security issues on the client-side</a:t>
-            </a:r>
-          </a:p>
-          <a:p>
-            <a:pPr lvl="1"/>
-            <a:r>
-              <a:rPr lang="en-US" sz="1400" dirty="0"/>
-              <a:t>Client could hack the game &amp; cheat</a:t>
-            </a:r>
-            <a:endParaRPr lang="en-US" sz="1600" dirty="0"/>
+              <a:t>He</a:t>
+            </a:r>
           </a:p>
           <a:p>
             <a:r>
               <a:rPr lang="en-US" sz="1600" dirty="0"/>
-              <a:t>Have server run on Windows system	</a:t>
-            </a:r>
-          </a:p>
-          <a:p>
-            <a:pPr lvl="1"/>
-            <a:r>
-              <a:rPr lang="en-US" sz="1400" dirty="0"/>
-              <a:t>Switched to </a:t>
-            </a:r>
-            <a:r>
-              <a:rPr lang="en-US" sz="1400" dirty="0" err="1"/>
-              <a:t>linux</a:t>
-            </a:r>
-            <a:r>
-              <a:rPr lang="en-US" sz="1400" dirty="0"/>
-              <a:t> system</a:t>
-            </a:r>
-          </a:p>
-          <a:p>
-            <a:r>
-              <a:rPr lang="en-US" sz="1600" dirty="0"/>
-              <a:t>Initial usage of web server for back-end</a:t>
-            </a:r>
-          </a:p>
-          <a:p>
-            <a:pPr lvl="1"/>
-            <a:r>
-              <a:rPr lang="en-US" sz="1400" dirty="0"/>
-              <a:t>Require HTTP request</a:t>
-            </a:r>
-          </a:p>
-          <a:p>
-            <a:pPr lvl="1"/>
-            <a:r>
-              <a:rPr lang="en-US" sz="1400" dirty="0"/>
-              <a:t>Switched to sockets</a:t>
-            </a:r>
-          </a:p>
-          <a:p>
-            <a:pPr marL="457200" lvl="1" indent="0">
-              <a:buNone/>
-            </a:pPr>
-            <a:endParaRPr lang="en-US" sz="1400" dirty="0"/>
+              <a:t>lo</a:t>
+            </a:r>
           </a:p>
         </p:txBody>
       </p:sp>
@@ -10681,7 +11188,7 @@
     </p:spTree>
     <p:extLst>
       <p:ext uri="{BB962C8B-B14F-4D97-AF65-F5344CB8AC3E}">
-        <p14:creationId xmlns:p14="http://schemas.microsoft.com/office/powerpoint/2010/main" val="78488871"/>
+        <p14:creationId xmlns:p14="http://schemas.microsoft.com/office/powerpoint/2010/main" val="3072174952"/>
       </p:ext>
     </p:extLst>
   </p:cSld>
@@ -10694,14 +11201,6 @@
 <file path=ppt/slides/slide8.xml><?xml version="1.0" encoding="utf-8"?>
 <p:sld xmlns:a="http://schemas.openxmlformats.org/drawingml/2006/main" xmlns:r="http://schemas.openxmlformats.org/officeDocument/2006/relationships" xmlns:p="http://schemas.openxmlformats.org/presentationml/2006/main">
   <p:cSld>
-    <p:bg>
-      <p:bgPr>
-        <a:solidFill>
-          <a:schemeClr val="bg1"/>
-        </a:solidFill>
-        <a:effectLst/>
-      </p:bgPr>
-    </p:bg>
     <p:spTree>
       <p:nvGrpSpPr>
         <p:cNvPr id="1" name=""/>
@@ -10721,7 +11220,7 @@
           <p:cNvPr id="2" name="Title 1">
             <a:extLst>
               <a:ext uri="{FF2B5EF4-FFF2-40B4-BE49-F238E27FC236}">
-                <a16:creationId xmlns:a16="http://schemas.microsoft.com/office/drawing/2014/main" id="{22C1C253-565C-FE40-80D7-B4AC4F44A2F6}"/>
+                <a16:creationId xmlns:a16="http://schemas.microsoft.com/office/drawing/2014/main" id="{8171B732-FAED-2E42-9CEF-7E91F21E47B9}"/>
               </a:ext>
             </a:extLst>
           </p:cNvPr>
@@ -10729,130 +11228,860 @@
             <a:spLocks noGrp="1"/>
           </p:cNvSpPr>
           <p:nvPr>
-            <p:ph type="ctrTitle"/>
-          </p:nvPr>
-        </p:nvSpPr>
-        <p:spPr>
-          <a:xfrm>
-            <a:off x="4974337" y="1265314"/>
-            <a:ext cx="4890880" cy="3249131"/>
-          </a:xfrm>
-        </p:spPr>
-        <p:txBody>
-          <a:bodyPr>
-            <a:normAutofit/>
-          </a:bodyPr>
+            <p:ph type="title"/>
+          </p:nvPr>
+        </p:nvSpPr>
+        <p:spPr/>
+        <p:txBody>
+          <a:bodyPr/>
           <a:lstStyle/>
           <a:p>
-            <a:pPr algn="l"/>
             <a:r>
               <a:rPr lang="en-US" dirty="0"/>
-              <a:t>Library Usage</a:t>
-            </a:r>
-          </a:p>
-        </p:txBody>
-      </p:sp>
-      <p:sp>
-        <p:nvSpPr>
-          <p:cNvPr id="11" name="Isosceles Triangle 10">
+              <a:t>Active Difficulties</a:t>
+            </a:r>
+          </a:p>
+        </p:txBody>
+      </p:sp>
+      <p:sp>
+        <p:nvSpPr>
+          <p:cNvPr id="11" name="Content Placeholder 2">
             <a:extLst>
               <a:ext uri="{FF2B5EF4-FFF2-40B4-BE49-F238E27FC236}">
-                <a16:creationId xmlns:a16="http://schemas.microsoft.com/office/drawing/2014/main" id="{DC99427B-A97E-40A3-B1FD-4557346C6A91}"/>
-              </a:ext>
-              <a:ext uri="{C183D7F6-B498-43B3-948B-1728B52AA6E4}">
-                <adec:decorative xmlns:adec="http://schemas.microsoft.com/office/drawing/2017/decorative" val="1"/>
+                <a16:creationId xmlns:a16="http://schemas.microsoft.com/office/drawing/2014/main" id="{5CD39C7C-6174-A541-8571-C1EAC6FBFE81}"/>
               </a:ext>
             </a:extLst>
           </p:cNvPr>
-          <p:cNvSpPr>
-            <a:spLocks noGrp="1" noRot="1" noChangeAspect="1" noMove="1" noResize="1" noEditPoints="1" noAdjustHandles="1" noChangeArrowheads="1" noChangeShapeType="1" noTextEdit="1"/>
-          </p:cNvSpPr>
-          <p:nvPr>
-            <p:extLst>
-              <p:ext uri="{386F3935-93C4-4BCD-93E2-E3B085C9AB24}">
-                <p16:designElem xmlns:p16="http://schemas.microsoft.com/office/powerpoint/2015/main" val="1"/>
-              </p:ext>
-            </p:extLst>
-          </p:nvPr>
-        </p:nvSpPr>
-        <p:spPr>
-          <a:xfrm rot="10800000">
-            <a:off x="3174" y="12700"/>
-            <a:ext cx="842596" cy="5666154"/>
-          </a:xfrm>
-          <a:prstGeom prst="triangle">
-            <a:avLst>
-              <a:gd name="adj" fmla="val 100000"/>
-            </a:avLst>
-          </a:prstGeom>
-          <a:solidFill>
-            <a:schemeClr val="accent1">
-              <a:alpha val="85000"/>
-            </a:schemeClr>
-          </a:solidFill>
-          <a:ln>
-            <a:noFill/>
-          </a:ln>
-          <a:effectLst/>
-        </p:spPr>
-        <p:style>
-          <a:lnRef idx="1">
-            <a:schemeClr val="accent1"/>
-          </a:lnRef>
-          <a:fillRef idx="3">
-            <a:schemeClr val="accent1"/>
-          </a:fillRef>
-          <a:effectRef idx="2">
-            <a:schemeClr val="accent1"/>
-          </a:effectRef>
-          <a:fontRef idx="minor">
-            <a:schemeClr val="lt1"/>
-          </a:fontRef>
-        </p:style>
-      </p:sp>
-      <p:pic>
-        <p:nvPicPr>
-          <p:cNvPr id="8" name="Graphic 7" descr="Books">
-            <a:extLst>
-              <a:ext uri="{FF2B5EF4-FFF2-40B4-BE49-F238E27FC236}">
-                <a16:creationId xmlns:a16="http://schemas.microsoft.com/office/drawing/2014/main" id="{28DD637B-07D0-4CAF-81EC-2E1DF8014900}"/>
-              </a:ext>
-            </a:extLst>
-          </p:cNvPr>
-          <p:cNvPicPr>
-            <a:picLocks noChangeAspect="1"/>
-          </p:cNvPicPr>
+          <p:cNvSpPr txBox="1">
+            <a:spLocks/>
+          </p:cNvSpPr>
           <p:nvPr/>
-        </p:nvPicPr>
-        <p:blipFill>
-          <a:blip r:embed="rId3">
-            <a:extLst>
-              <a:ext uri="{28A0092B-C50C-407E-A947-70E740481C1C}">
-                <a14:useLocalDpi xmlns:a14="http://schemas.microsoft.com/office/drawing/2010/main" val="0"/>
-              </a:ext>
-              <a:ext uri="{96DAC541-7B7A-43D3-8B79-37D633B846F1}">
-                <asvg:svgBlip xmlns:asvg="http://schemas.microsoft.com/office/drawing/2016/SVG/main" r:embed="rId4"/>
-              </a:ext>
-            </a:extLst>
-          </a:blip>
-          <a:stretch>
-            <a:fillRect/>
-          </a:stretch>
-        </p:blipFill>
+        </p:nvSpPr>
         <p:spPr>
           <a:xfrm>
-            <a:off x="888604" y="1550139"/>
-            <a:ext cx="3765692" cy="3765692"/>
+            <a:off x="677335" y="2160589"/>
+            <a:ext cx="2909928" cy="3880772"/>
           </a:xfrm>
           <a:prstGeom prst="rect">
             <a:avLst/>
           </a:prstGeom>
         </p:spPr>
-      </p:pic>
+        <p:txBody>
+          <a:bodyPr vert="horz" lIns="91440" tIns="45720" rIns="91440" bIns="45720" rtlCol="0">
+            <a:normAutofit/>
+          </a:bodyPr>
+          <a:lstStyle>
+            <a:lvl1pPr marL="342900" indent="-342900" algn="l" defTabSz="457200" rtl="0" eaLnBrk="1" latinLnBrk="0" hangingPunct="1">
+              <a:spcBef>
+                <a:spcPts val="1000"/>
+              </a:spcBef>
+              <a:spcAft>
+                <a:spcPts val="0"/>
+              </a:spcAft>
+              <a:buClr>
+                <a:schemeClr val="accent1"/>
+              </a:buClr>
+              <a:buSzPct val="80000"/>
+              <a:buFont typeface="Wingdings 3" charset="2"/>
+              <a:buChar char=""/>
+              <a:defRPr sz="1800" kern="1200">
+                <a:solidFill>
+                  <a:schemeClr val="tx1">
+                    <a:lumMod val="75000"/>
+                    <a:lumOff val="25000"/>
+                  </a:schemeClr>
+                </a:solidFill>
+                <a:latin typeface="+mn-lt"/>
+                <a:ea typeface="+mn-ea"/>
+                <a:cs typeface="+mn-cs"/>
+              </a:defRPr>
+            </a:lvl1pPr>
+            <a:lvl2pPr marL="742950" indent="-285750" algn="l" defTabSz="457200" rtl="0" eaLnBrk="1" latinLnBrk="0" hangingPunct="1">
+              <a:spcBef>
+                <a:spcPts val="1000"/>
+              </a:spcBef>
+              <a:spcAft>
+                <a:spcPts val="0"/>
+              </a:spcAft>
+              <a:buClr>
+                <a:schemeClr val="accent1"/>
+              </a:buClr>
+              <a:buSzPct val="80000"/>
+              <a:buFont typeface="Wingdings 3" charset="2"/>
+              <a:buChar char=""/>
+              <a:defRPr sz="1600" kern="1200">
+                <a:solidFill>
+                  <a:schemeClr val="tx1">
+                    <a:lumMod val="75000"/>
+                    <a:lumOff val="25000"/>
+                  </a:schemeClr>
+                </a:solidFill>
+                <a:latin typeface="+mn-lt"/>
+                <a:ea typeface="+mn-ea"/>
+                <a:cs typeface="+mn-cs"/>
+              </a:defRPr>
+            </a:lvl2pPr>
+            <a:lvl3pPr marL="1143000" indent="-228600" algn="l" defTabSz="457200" rtl="0" eaLnBrk="1" latinLnBrk="0" hangingPunct="1">
+              <a:spcBef>
+                <a:spcPts val="1000"/>
+              </a:spcBef>
+              <a:spcAft>
+                <a:spcPts val="0"/>
+              </a:spcAft>
+              <a:buClr>
+                <a:schemeClr val="accent1"/>
+              </a:buClr>
+              <a:buSzPct val="80000"/>
+              <a:buFont typeface="Wingdings 3" charset="2"/>
+              <a:buChar char=""/>
+              <a:defRPr sz="1400" kern="1200">
+                <a:solidFill>
+                  <a:schemeClr val="tx1">
+                    <a:lumMod val="75000"/>
+                    <a:lumOff val="25000"/>
+                  </a:schemeClr>
+                </a:solidFill>
+                <a:latin typeface="+mn-lt"/>
+                <a:ea typeface="+mn-ea"/>
+                <a:cs typeface="+mn-cs"/>
+              </a:defRPr>
+            </a:lvl3pPr>
+            <a:lvl4pPr marL="1600200" indent="-228600" algn="l" defTabSz="457200" rtl="0" eaLnBrk="1" latinLnBrk="0" hangingPunct="1">
+              <a:spcBef>
+                <a:spcPts val="1000"/>
+              </a:spcBef>
+              <a:spcAft>
+                <a:spcPts val="0"/>
+              </a:spcAft>
+              <a:buClr>
+                <a:schemeClr val="accent1"/>
+              </a:buClr>
+              <a:buSzPct val="80000"/>
+              <a:buFont typeface="Wingdings 3" charset="2"/>
+              <a:buChar char=""/>
+              <a:defRPr sz="1200" kern="1200">
+                <a:solidFill>
+                  <a:schemeClr val="tx1">
+                    <a:lumMod val="75000"/>
+                    <a:lumOff val="25000"/>
+                  </a:schemeClr>
+                </a:solidFill>
+                <a:latin typeface="+mn-lt"/>
+                <a:ea typeface="+mn-ea"/>
+                <a:cs typeface="+mn-cs"/>
+              </a:defRPr>
+            </a:lvl4pPr>
+            <a:lvl5pPr marL="2057400" indent="-228600" algn="l" defTabSz="457200" rtl="0" eaLnBrk="1" latinLnBrk="0" hangingPunct="1">
+              <a:spcBef>
+                <a:spcPts val="1000"/>
+              </a:spcBef>
+              <a:spcAft>
+                <a:spcPts val="0"/>
+              </a:spcAft>
+              <a:buClr>
+                <a:schemeClr val="accent1"/>
+              </a:buClr>
+              <a:buSzPct val="80000"/>
+              <a:buFont typeface="Wingdings 3" charset="2"/>
+              <a:buChar char=""/>
+              <a:defRPr sz="1200" kern="1200">
+                <a:solidFill>
+                  <a:schemeClr val="tx1">
+                    <a:lumMod val="75000"/>
+                    <a:lumOff val="25000"/>
+                  </a:schemeClr>
+                </a:solidFill>
+                <a:latin typeface="+mn-lt"/>
+                <a:ea typeface="+mn-ea"/>
+                <a:cs typeface="+mn-cs"/>
+              </a:defRPr>
+            </a:lvl5pPr>
+            <a:lvl6pPr marL="2514600" indent="-228600" algn="l" defTabSz="457200" rtl="0" eaLnBrk="1" latinLnBrk="0" hangingPunct="1">
+              <a:spcBef>
+                <a:spcPts val="1000"/>
+              </a:spcBef>
+              <a:spcAft>
+                <a:spcPts val="0"/>
+              </a:spcAft>
+              <a:buClr>
+                <a:schemeClr val="accent1"/>
+              </a:buClr>
+              <a:buSzPct val="80000"/>
+              <a:buFont typeface="Wingdings 3" charset="2"/>
+              <a:buChar char=""/>
+              <a:defRPr sz="1200" kern="1200">
+                <a:solidFill>
+                  <a:schemeClr val="tx1">
+                    <a:lumMod val="75000"/>
+                    <a:lumOff val="25000"/>
+                  </a:schemeClr>
+                </a:solidFill>
+                <a:latin typeface="+mn-lt"/>
+                <a:ea typeface="+mn-ea"/>
+                <a:cs typeface="+mn-cs"/>
+              </a:defRPr>
+            </a:lvl6pPr>
+            <a:lvl7pPr marL="2971800" indent="-228600" algn="l" defTabSz="457200" rtl="0" eaLnBrk="1" latinLnBrk="0" hangingPunct="1">
+              <a:spcBef>
+                <a:spcPts val="1000"/>
+              </a:spcBef>
+              <a:spcAft>
+                <a:spcPts val="0"/>
+              </a:spcAft>
+              <a:buClr>
+                <a:schemeClr val="accent1"/>
+              </a:buClr>
+              <a:buSzPct val="80000"/>
+              <a:buFont typeface="Wingdings 3" charset="2"/>
+              <a:buChar char=""/>
+              <a:defRPr sz="1200" kern="1200">
+                <a:solidFill>
+                  <a:schemeClr val="tx1">
+                    <a:lumMod val="75000"/>
+                    <a:lumOff val="25000"/>
+                  </a:schemeClr>
+                </a:solidFill>
+                <a:latin typeface="+mn-lt"/>
+                <a:ea typeface="+mn-ea"/>
+                <a:cs typeface="+mn-cs"/>
+              </a:defRPr>
+            </a:lvl7pPr>
+            <a:lvl8pPr marL="3429000" indent="-228600" algn="l" defTabSz="457200" rtl="0" eaLnBrk="1" latinLnBrk="0" hangingPunct="1">
+              <a:spcBef>
+                <a:spcPts val="1000"/>
+              </a:spcBef>
+              <a:spcAft>
+                <a:spcPts val="0"/>
+              </a:spcAft>
+              <a:buClr>
+                <a:schemeClr val="accent1"/>
+              </a:buClr>
+              <a:buSzPct val="80000"/>
+              <a:buFont typeface="Wingdings 3" charset="2"/>
+              <a:buChar char=""/>
+              <a:defRPr sz="1200" kern="1200">
+                <a:solidFill>
+                  <a:schemeClr val="tx1">
+                    <a:lumMod val="75000"/>
+                    <a:lumOff val="25000"/>
+                  </a:schemeClr>
+                </a:solidFill>
+                <a:latin typeface="+mn-lt"/>
+                <a:ea typeface="+mn-ea"/>
+                <a:cs typeface="+mn-cs"/>
+              </a:defRPr>
+            </a:lvl8pPr>
+            <a:lvl9pPr marL="3886200" indent="-228600" algn="l" defTabSz="457200" rtl="0" eaLnBrk="1" latinLnBrk="0" hangingPunct="1">
+              <a:spcBef>
+                <a:spcPts val="1000"/>
+              </a:spcBef>
+              <a:spcAft>
+                <a:spcPts val="0"/>
+              </a:spcAft>
+              <a:buClr>
+                <a:schemeClr val="accent1"/>
+              </a:buClr>
+              <a:buSzPct val="80000"/>
+              <a:buFont typeface="Wingdings 3" charset="2"/>
+              <a:buChar char=""/>
+              <a:defRPr sz="1200" kern="1200">
+                <a:solidFill>
+                  <a:schemeClr val="tx1">
+                    <a:lumMod val="75000"/>
+                    <a:lumOff val="25000"/>
+                  </a:schemeClr>
+                </a:solidFill>
+                <a:latin typeface="+mn-lt"/>
+                <a:ea typeface="+mn-ea"/>
+                <a:cs typeface="+mn-cs"/>
+              </a:defRPr>
+            </a:lvl9pPr>
+          </a:lstStyle>
+          <a:p>
+            <a:pPr marL="0" indent="0">
+              <a:buFont typeface="Wingdings 3" charset="2"/>
+              <a:buNone/>
+            </a:pPr>
+            <a:r>
+              <a:rPr lang="en-US" b="1" dirty="0"/>
+              <a:t>Front-End Sub-Team</a:t>
+            </a:r>
+          </a:p>
+          <a:p>
+            <a:r>
+              <a:rPr lang="en-US" sz="1600" dirty="0"/>
+              <a:t>Creating a working chat box for users to interact during the simulation</a:t>
+            </a:r>
+          </a:p>
+        </p:txBody>
+      </p:sp>
+      <p:sp>
+        <p:nvSpPr>
+          <p:cNvPr id="12" name="Content Placeholder 2">
+            <a:extLst>
+              <a:ext uri="{FF2B5EF4-FFF2-40B4-BE49-F238E27FC236}">
+                <a16:creationId xmlns:a16="http://schemas.microsoft.com/office/drawing/2014/main" id="{68AAB067-258F-CD4F-BE53-EA1A575E7B01}"/>
+              </a:ext>
+            </a:extLst>
+          </p:cNvPr>
+          <p:cNvSpPr txBox="1">
+            <a:spLocks/>
+          </p:cNvSpPr>
+          <p:nvPr/>
+        </p:nvSpPr>
+        <p:spPr>
+          <a:xfrm>
+            <a:off x="3520704" y="2168821"/>
+            <a:ext cx="2909928" cy="3880772"/>
+          </a:xfrm>
+          <a:prstGeom prst="rect">
+            <a:avLst/>
+          </a:prstGeom>
+        </p:spPr>
+        <p:txBody>
+          <a:bodyPr vert="horz" lIns="91440" tIns="45720" rIns="91440" bIns="45720" rtlCol="0">
+            <a:normAutofit/>
+          </a:bodyPr>
+          <a:lstStyle>
+            <a:lvl1pPr marL="342900" indent="-342900" algn="l" defTabSz="457200" rtl="0" eaLnBrk="1" latinLnBrk="0" hangingPunct="1">
+              <a:spcBef>
+                <a:spcPts val="1000"/>
+              </a:spcBef>
+              <a:spcAft>
+                <a:spcPts val="0"/>
+              </a:spcAft>
+              <a:buClr>
+                <a:schemeClr val="accent1"/>
+              </a:buClr>
+              <a:buSzPct val="80000"/>
+              <a:buFont typeface="Wingdings 3" charset="2"/>
+              <a:buChar char=""/>
+              <a:defRPr sz="1800" kern="1200">
+                <a:solidFill>
+                  <a:schemeClr val="tx1">
+                    <a:lumMod val="75000"/>
+                    <a:lumOff val="25000"/>
+                  </a:schemeClr>
+                </a:solidFill>
+                <a:latin typeface="+mn-lt"/>
+                <a:ea typeface="+mn-ea"/>
+                <a:cs typeface="+mn-cs"/>
+              </a:defRPr>
+            </a:lvl1pPr>
+            <a:lvl2pPr marL="742950" indent="-285750" algn="l" defTabSz="457200" rtl="0" eaLnBrk="1" latinLnBrk="0" hangingPunct="1">
+              <a:spcBef>
+                <a:spcPts val="1000"/>
+              </a:spcBef>
+              <a:spcAft>
+                <a:spcPts val="0"/>
+              </a:spcAft>
+              <a:buClr>
+                <a:schemeClr val="accent1"/>
+              </a:buClr>
+              <a:buSzPct val="80000"/>
+              <a:buFont typeface="Wingdings 3" charset="2"/>
+              <a:buChar char=""/>
+              <a:defRPr sz="1600" kern="1200">
+                <a:solidFill>
+                  <a:schemeClr val="tx1">
+                    <a:lumMod val="75000"/>
+                    <a:lumOff val="25000"/>
+                  </a:schemeClr>
+                </a:solidFill>
+                <a:latin typeface="+mn-lt"/>
+                <a:ea typeface="+mn-ea"/>
+                <a:cs typeface="+mn-cs"/>
+              </a:defRPr>
+            </a:lvl2pPr>
+            <a:lvl3pPr marL="1143000" indent="-228600" algn="l" defTabSz="457200" rtl="0" eaLnBrk="1" latinLnBrk="0" hangingPunct="1">
+              <a:spcBef>
+                <a:spcPts val="1000"/>
+              </a:spcBef>
+              <a:spcAft>
+                <a:spcPts val="0"/>
+              </a:spcAft>
+              <a:buClr>
+                <a:schemeClr val="accent1"/>
+              </a:buClr>
+              <a:buSzPct val="80000"/>
+              <a:buFont typeface="Wingdings 3" charset="2"/>
+              <a:buChar char=""/>
+              <a:defRPr sz="1400" kern="1200">
+                <a:solidFill>
+                  <a:schemeClr val="tx1">
+                    <a:lumMod val="75000"/>
+                    <a:lumOff val="25000"/>
+                  </a:schemeClr>
+                </a:solidFill>
+                <a:latin typeface="+mn-lt"/>
+                <a:ea typeface="+mn-ea"/>
+                <a:cs typeface="+mn-cs"/>
+              </a:defRPr>
+            </a:lvl3pPr>
+            <a:lvl4pPr marL="1600200" indent="-228600" algn="l" defTabSz="457200" rtl="0" eaLnBrk="1" latinLnBrk="0" hangingPunct="1">
+              <a:spcBef>
+                <a:spcPts val="1000"/>
+              </a:spcBef>
+              <a:spcAft>
+                <a:spcPts val="0"/>
+              </a:spcAft>
+              <a:buClr>
+                <a:schemeClr val="accent1"/>
+              </a:buClr>
+              <a:buSzPct val="80000"/>
+              <a:buFont typeface="Wingdings 3" charset="2"/>
+              <a:buChar char=""/>
+              <a:defRPr sz="1200" kern="1200">
+                <a:solidFill>
+                  <a:schemeClr val="tx1">
+                    <a:lumMod val="75000"/>
+                    <a:lumOff val="25000"/>
+                  </a:schemeClr>
+                </a:solidFill>
+                <a:latin typeface="+mn-lt"/>
+                <a:ea typeface="+mn-ea"/>
+                <a:cs typeface="+mn-cs"/>
+              </a:defRPr>
+            </a:lvl4pPr>
+            <a:lvl5pPr marL="2057400" indent="-228600" algn="l" defTabSz="457200" rtl="0" eaLnBrk="1" latinLnBrk="0" hangingPunct="1">
+              <a:spcBef>
+                <a:spcPts val="1000"/>
+              </a:spcBef>
+              <a:spcAft>
+                <a:spcPts val="0"/>
+              </a:spcAft>
+              <a:buClr>
+                <a:schemeClr val="accent1"/>
+              </a:buClr>
+              <a:buSzPct val="80000"/>
+              <a:buFont typeface="Wingdings 3" charset="2"/>
+              <a:buChar char=""/>
+              <a:defRPr sz="1200" kern="1200">
+                <a:solidFill>
+                  <a:schemeClr val="tx1">
+                    <a:lumMod val="75000"/>
+                    <a:lumOff val="25000"/>
+                  </a:schemeClr>
+                </a:solidFill>
+                <a:latin typeface="+mn-lt"/>
+                <a:ea typeface="+mn-ea"/>
+                <a:cs typeface="+mn-cs"/>
+              </a:defRPr>
+            </a:lvl5pPr>
+            <a:lvl6pPr marL="2514600" indent="-228600" algn="l" defTabSz="457200" rtl="0" eaLnBrk="1" latinLnBrk="0" hangingPunct="1">
+              <a:spcBef>
+                <a:spcPts val="1000"/>
+              </a:spcBef>
+              <a:spcAft>
+                <a:spcPts val="0"/>
+              </a:spcAft>
+              <a:buClr>
+                <a:schemeClr val="accent1"/>
+              </a:buClr>
+              <a:buSzPct val="80000"/>
+              <a:buFont typeface="Wingdings 3" charset="2"/>
+              <a:buChar char=""/>
+              <a:defRPr sz="1200" kern="1200">
+                <a:solidFill>
+                  <a:schemeClr val="tx1">
+                    <a:lumMod val="75000"/>
+                    <a:lumOff val="25000"/>
+                  </a:schemeClr>
+                </a:solidFill>
+                <a:latin typeface="+mn-lt"/>
+                <a:ea typeface="+mn-ea"/>
+                <a:cs typeface="+mn-cs"/>
+              </a:defRPr>
+            </a:lvl6pPr>
+            <a:lvl7pPr marL="2971800" indent="-228600" algn="l" defTabSz="457200" rtl="0" eaLnBrk="1" latinLnBrk="0" hangingPunct="1">
+              <a:spcBef>
+                <a:spcPts val="1000"/>
+              </a:spcBef>
+              <a:spcAft>
+                <a:spcPts val="0"/>
+              </a:spcAft>
+              <a:buClr>
+                <a:schemeClr val="accent1"/>
+              </a:buClr>
+              <a:buSzPct val="80000"/>
+              <a:buFont typeface="Wingdings 3" charset="2"/>
+              <a:buChar char=""/>
+              <a:defRPr sz="1200" kern="1200">
+                <a:solidFill>
+                  <a:schemeClr val="tx1">
+                    <a:lumMod val="75000"/>
+                    <a:lumOff val="25000"/>
+                  </a:schemeClr>
+                </a:solidFill>
+                <a:latin typeface="+mn-lt"/>
+                <a:ea typeface="+mn-ea"/>
+                <a:cs typeface="+mn-cs"/>
+              </a:defRPr>
+            </a:lvl7pPr>
+            <a:lvl8pPr marL="3429000" indent="-228600" algn="l" defTabSz="457200" rtl="0" eaLnBrk="1" latinLnBrk="0" hangingPunct="1">
+              <a:spcBef>
+                <a:spcPts val="1000"/>
+              </a:spcBef>
+              <a:spcAft>
+                <a:spcPts val="0"/>
+              </a:spcAft>
+              <a:buClr>
+                <a:schemeClr val="accent1"/>
+              </a:buClr>
+              <a:buSzPct val="80000"/>
+              <a:buFont typeface="Wingdings 3" charset="2"/>
+              <a:buChar char=""/>
+              <a:defRPr sz="1200" kern="1200">
+                <a:solidFill>
+                  <a:schemeClr val="tx1">
+                    <a:lumMod val="75000"/>
+                    <a:lumOff val="25000"/>
+                  </a:schemeClr>
+                </a:solidFill>
+                <a:latin typeface="+mn-lt"/>
+                <a:ea typeface="+mn-ea"/>
+                <a:cs typeface="+mn-cs"/>
+              </a:defRPr>
+            </a:lvl8pPr>
+            <a:lvl9pPr marL="3886200" indent="-228600" algn="l" defTabSz="457200" rtl="0" eaLnBrk="1" latinLnBrk="0" hangingPunct="1">
+              <a:spcBef>
+                <a:spcPts val="1000"/>
+              </a:spcBef>
+              <a:spcAft>
+                <a:spcPts val="0"/>
+              </a:spcAft>
+              <a:buClr>
+                <a:schemeClr val="accent1"/>
+              </a:buClr>
+              <a:buSzPct val="80000"/>
+              <a:buFont typeface="Wingdings 3" charset="2"/>
+              <a:buChar char=""/>
+              <a:defRPr sz="1200" kern="1200">
+                <a:solidFill>
+                  <a:schemeClr val="tx1">
+                    <a:lumMod val="75000"/>
+                    <a:lumOff val="25000"/>
+                  </a:schemeClr>
+                </a:solidFill>
+                <a:latin typeface="+mn-lt"/>
+                <a:ea typeface="+mn-ea"/>
+                <a:cs typeface="+mn-cs"/>
+              </a:defRPr>
+            </a:lvl9pPr>
+          </a:lstStyle>
+          <a:p>
+            <a:pPr marL="0" indent="0">
+              <a:buNone/>
+            </a:pPr>
+            <a:r>
+              <a:rPr lang="en-US" b="1" dirty="0"/>
+              <a:t>Back-End Sub-Team</a:t>
+            </a:r>
+          </a:p>
+          <a:p>
+            <a:r>
+              <a:rPr lang="en-US" sz="1600" dirty="0"/>
+              <a:t>He</a:t>
+            </a:r>
+          </a:p>
+          <a:p>
+            <a:r>
+              <a:rPr lang="en-US" sz="1600" dirty="0"/>
+              <a:t>lo</a:t>
+            </a:r>
+          </a:p>
+        </p:txBody>
+      </p:sp>
+      <p:sp>
+        <p:nvSpPr>
+          <p:cNvPr id="13" name="Content Placeholder 2">
+            <a:extLst>
+              <a:ext uri="{FF2B5EF4-FFF2-40B4-BE49-F238E27FC236}">
+                <a16:creationId xmlns:a16="http://schemas.microsoft.com/office/drawing/2014/main" id="{DA9C3D7C-0DA3-9141-BEC8-7FC4600A4370}"/>
+              </a:ext>
+            </a:extLst>
+          </p:cNvPr>
+          <p:cNvSpPr txBox="1">
+            <a:spLocks/>
+          </p:cNvSpPr>
+          <p:nvPr/>
+        </p:nvSpPr>
+        <p:spPr>
+          <a:xfrm>
+            <a:off x="6236676" y="2177053"/>
+            <a:ext cx="3793589" cy="3880772"/>
+          </a:xfrm>
+          <a:prstGeom prst="rect">
+            <a:avLst/>
+          </a:prstGeom>
+        </p:spPr>
+        <p:txBody>
+          <a:bodyPr vert="horz" lIns="91440" tIns="45720" rIns="91440" bIns="45720" rtlCol="0">
+            <a:normAutofit/>
+          </a:bodyPr>
+          <a:lstStyle>
+            <a:lvl1pPr marL="342900" indent="-342900" algn="l" defTabSz="457200" rtl="0" eaLnBrk="1" latinLnBrk="0" hangingPunct="1">
+              <a:spcBef>
+                <a:spcPts val="1000"/>
+              </a:spcBef>
+              <a:spcAft>
+                <a:spcPts val="0"/>
+              </a:spcAft>
+              <a:buClr>
+                <a:schemeClr val="accent1"/>
+              </a:buClr>
+              <a:buSzPct val="80000"/>
+              <a:buFont typeface="Wingdings 3" charset="2"/>
+              <a:buChar char=""/>
+              <a:defRPr sz="1800" kern="1200">
+                <a:solidFill>
+                  <a:schemeClr val="tx1">
+                    <a:lumMod val="75000"/>
+                    <a:lumOff val="25000"/>
+                  </a:schemeClr>
+                </a:solidFill>
+                <a:latin typeface="+mn-lt"/>
+                <a:ea typeface="+mn-ea"/>
+                <a:cs typeface="+mn-cs"/>
+              </a:defRPr>
+            </a:lvl1pPr>
+            <a:lvl2pPr marL="742950" indent="-285750" algn="l" defTabSz="457200" rtl="0" eaLnBrk="1" latinLnBrk="0" hangingPunct="1">
+              <a:spcBef>
+                <a:spcPts val="1000"/>
+              </a:spcBef>
+              <a:spcAft>
+                <a:spcPts val="0"/>
+              </a:spcAft>
+              <a:buClr>
+                <a:schemeClr val="accent1"/>
+              </a:buClr>
+              <a:buSzPct val="80000"/>
+              <a:buFont typeface="Wingdings 3" charset="2"/>
+              <a:buChar char=""/>
+              <a:defRPr sz="1600" kern="1200">
+                <a:solidFill>
+                  <a:schemeClr val="tx1">
+                    <a:lumMod val="75000"/>
+                    <a:lumOff val="25000"/>
+                  </a:schemeClr>
+                </a:solidFill>
+                <a:latin typeface="+mn-lt"/>
+                <a:ea typeface="+mn-ea"/>
+                <a:cs typeface="+mn-cs"/>
+              </a:defRPr>
+            </a:lvl2pPr>
+            <a:lvl3pPr marL="1143000" indent="-228600" algn="l" defTabSz="457200" rtl="0" eaLnBrk="1" latinLnBrk="0" hangingPunct="1">
+              <a:spcBef>
+                <a:spcPts val="1000"/>
+              </a:spcBef>
+              <a:spcAft>
+                <a:spcPts val="0"/>
+              </a:spcAft>
+              <a:buClr>
+                <a:schemeClr val="accent1"/>
+              </a:buClr>
+              <a:buSzPct val="80000"/>
+              <a:buFont typeface="Wingdings 3" charset="2"/>
+              <a:buChar char=""/>
+              <a:defRPr sz="1400" kern="1200">
+                <a:solidFill>
+                  <a:schemeClr val="tx1">
+                    <a:lumMod val="75000"/>
+                    <a:lumOff val="25000"/>
+                  </a:schemeClr>
+                </a:solidFill>
+                <a:latin typeface="+mn-lt"/>
+                <a:ea typeface="+mn-ea"/>
+                <a:cs typeface="+mn-cs"/>
+              </a:defRPr>
+            </a:lvl3pPr>
+            <a:lvl4pPr marL="1600200" indent="-228600" algn="l" defTabSz="457200" rtl="0" eaLnBrk="1" latinLnBrk="0" hangingPunct="1">
+              <a:spcBef>
+                <a:spcPts val="1000"/>
+              </a:spcBef>
+              <a:spcAft>
+                <a:spcPts val="0"/>
+              </a:spcAft>
+              <a:buClr>
+                <a:schemeClr val="accent1"/>
+              </a:buClr>
+              <a:buSzPct val="80000"/>
+              <a:buFont typeface="Wingdings 3" charset="2"/>
+              <a:buChar char=""/>
+              <a:defRPr sz="1200" kern="1200">
+                <a:solidFill>
+                  <a:schemeClr val="tx1">
+                    <a:lumMod val="75000"/>
+                    <a:lumOff val="25000"/>
+                  </a:schemeClr>
+                </a:solidFill>
+                <a:latin typeface="+mn-lt"/>
+                <a:ea typeface="+mn-ea"/>
+                <a:cs typeface="+mn-cs"/>
+              </a:defRPr>
+            </a:lvl4pPr>
+            <a:lvl5pPr marL="2057400" indent="-228600" algn="l" defTabSz="457200" rtl="0" eaLnBrk="1" latinLnBrk="0" hangingPunct="1">
+              <a:spcBef>
+                <a:spcPts val="1000"/>
+              </a:spcBef>
+              <a:spcAft>
+                <a:spcPts val="0"/>
+              </a:spcAft>
+              <a:buClr>
+                <a:schemeClr val="accent1"/>
+              </a:buClr>
+              <a:buSzPct val="80000"/>
+              <a:buFont typeface="Wingdings 3" charset="2"/>
+              <a:buChar char=""/>
+              <a:defRPr sz="1200" kern="1200">
+                <a:solidFill>
+                  <a:schemeClr val="tx1">
+                    <a:lumMod val="75000"/>
+                    <a:lumOff val="25000"/>
+                  </a:schemeClr>
+                </a:solidFill>
+                <a:latin typeface="+mn-lt"/>
+                <a:ea typeface="+mn-ea"/>
+                <a:cs typeface="+mn-cs"/>
+              </a:defRPr>
+            </a:lvl5pPr>
+            <a:lvl6pPr marL="2514600" indent="-228600" algn="l" defTabSz="457200" rtl="0" eaLnBrk="1" latinLnBrk="0" hangingPunct="1">
+              <a:spcBef>
+                <a:spcPts val="1000"/>
+              </a:spcBef>
+              <a:spcAft>
+                <a:spcPts val="0"/>
+              </a:spcAft>
+              <a:buClr>
+                <a:schemeClr val="accent1"/>
+              </a:buClr>
+              <a:buSzPct val="80000"/>
+              <a:buFont typeface="Wingdings 3" charset="2"/>
+              <a:buChar char=""/>
+              <a:defRPr sz="1200" kern="1200">
+                <a:solidFill>
+                  <a:schemeClr val="tx1">
+                    <a:lumMod val="75000"/>
+                    <a:lumOff val="25000"/>
+                  </a:schemeClr>
+                </a:solidFill>
+                <a:latin typeface="+mn-lt"/>
+                <a:ea typeface="+mn-ea"/>
+                <a:cs typeface="+mn-cs"/>
+              </a:defRPr>
+            </a:lvl6pPr>
+            <a:lvl7pPr marL="2971800" indent="-228600" algn="l" defTabSz="457200" rtl="0" eaLnBrk="1" latinLnBrk="0" hangingPunct="1">
+              <a:spcBef>
+                <a:spcPts val="1000"/>
+              </a:spcBef>
+              <a:spcAft>
+                <a:spcPts val="0"/>
+              </a:spcAft>
+              <a:buClr>
+                <a:schemeClr val="accent1"/>
+              </a:buClr>
+              <a:buSzPct val="80000"/>
+              <a:buFont typeface="Wingdings 3" charset="2"/>
+              <a:buChar char=""/>
+              <a:defRPr sz="1200" kern="1200">
+                <a:solidFill>
+                  <a:schemeClr val="tx1">
+                    <a:lumMod val="75000"/>
+                    <a:lumOff val="25000"/>
+                  </a:schemeClr>
+                </a:solidFill>
+                <a:latin typeface="+mn-lt"/>
+                <a:ea typeface="+mn-ea"/>
+                <a:cs typeface="+mn-cs"/>
+              </a:defRPr>
+            </a:lvl7pPr>
+            <a:lvl8pPr marL="3429000" indent="-228600" algn="l" defTabSz="457200" rtl="0" eaLnBrk="1" latinLnBrk="0" hangingPunct="1">
+              <a:spcBef>
+                <a:spcPts val="1000"/>
+              </a:spcBef>
+              <a:spcAft>
+                <a:spcPts val="0"/>
+              </a:spcAft>
+              <a:buClr>
+                <a:schemeClr val="accent1"/>
+              </a:buClr>
+              <a:buSzPct val="80000"/>
+              <a:buFont typeface="Wingdings 3" charset="2"/>
+              <a:buChar char=""/>
+              <a:defRPr sz="1200" kern="1200">
+                <a:solidFill>
+                  <a:schemeClr val="tx1">
+                    <a:lumMod val="75000"/>
+                    <a:lumOff val="25000"/>
+                  </a:schemeClr>
+                </a:solidFill>
+                <a:latin typeface="+mn-lt"/>
+                <a:ea typeface="+mn-ea"/>
+                <a:cs typeface="+mn-cs"/>
+              </a:defRPr>
+            </a:lvl8pPr>
+            <a:lvl9pPr marL="3886200" indent="-228600" algn="l" defTabSz="457200" rtl="0" eaLnBrk="1" latinLnBrk="0" hangingPunct="1">
+              <a:spcBef>
+                <a:spcPts val="1000"/>
+              </a:spcBef>
+              <a:spcAft>
+                <a:spcPts val="0"/>
+              </a:spcAft>
+              <a:buClr>
+                <a:schemeClr val="accent1"/>
+              </a:buClr>
+              <a:buSzPct val="80000"/>
+              <a:buFont typeface="Wingdings 3" charset="2"/>
+              <a:buChar char=""/>
+              <a:defRPr sz="1200" kern="1200">
+                <a:solidFill>
+                  <a:schemeClr val="tx1">
+                    <a:lumMod val="75000"/>
+                    <a:lumOff val="25000"/>
+                  </a:schemeClr>
+                </a:solidFill>
+                <a:latin typeface="+mn-lt"/>
+                <a:ea typeface="+mn-ea"/>
+                <a:cs typeface="+mn-cs"/>
+              </a:defRPr>
+            </a:lvl9pPr>
+          </a:lstStyle>
+          <a:p>
+            <a:pPr marL="0" indent="0">
+              <a:buNone/>
+            </a:pPr>
+            <a:r>
+              <a:rPr lang="en-US" b="1" dirty="0"/>
+              <a:t>Game Functionality Sub-Team</a:t>
+            </a:r>
+          </a:p>
+          <a:p>
+            <a:r>
+              <a:rPr lang="en-US" sz="1600" dirty="0"/>
+              <a:t>Lack of clear outline around game logic</a:t>
+            </a:r>
+          </a:p>
+          <a:p>
+            <a:r>
+              <a:rPr lang="en-US" sz="1600" dirty="0"/>
+              <a:t>Developing model for stock simulation</a:t>
+            </a:r>
+          </a:p>
+          <a:p>
+            <a:r>
+              <a:rPr lang="en-US" sz="1600" dirty="0"/>
+              <a:t>Fine tuning stock simulation algorithm to return realistic results</a:t>
+            </a:r>
+          </a:p>
+          <a:p>
+            <a:endParaRPr lang="en-US" dirty="0"/>
+          </a:p>
+        </p:txBody>
+      </p:sp>
     </p:spTree>
     <p:extLst>
       <p:ext uri="{BB962C8B-B14F-4D97-AF65-F5344CB8AC3E}">
-        <p14:creationId xmlns:p14="http://schemas.microsoft.com/office/powerpoint/2010/main" val="1736920621"/>
+        <p14:creationId xmlns:p14="http://schemas.microsoft.com/office/powerpoint/2010/main" val="186295014"/>
       </p:ext>
     </p:extLst>
   </p:cSld>
@@ -10884,7 +12113,7 @@
           <p:cNvPr id="2" name="Title 1">
             <a:extLst>
               <a:ext uri="{FF2B5EF4-FFF2-40B4-BE49-F238E27FC236}">
-                <a16:creationId xmlns:a16="http://schemas.microsoft.com/office/drawing/2014/main" id="{0B8510EA-80A4-A142-8E01-B079CE29C39A}"/>
+                <a16:creationId xmlns:a16="http://schemas.microsoft.com/office/drawing/2014/main" id="{22C1C253-565C-FE40-80D7-B4AC4F44A2F6}"/>
               </a:ext>
             </a:extLst>
           </p:cNvPr>
@@ -10902,17 +12131,17 @@
           <a:p>
             <a:r>
               <a:rPr lang="en-US" dirty="0"/>
-              <a:t>Work in Progress</a:t>
-            </a:r>
-          </a:p>
-        </p:txBody>
-      </p:sp>
-      <p:sp>
-        <p:nvSpPr>
-          <p:cNvPr id="4" name="Content Placeholder 2">
+              <a:t>Library Usage</a:t>
+            </a:r>
+          </a:p>
+        </p:txBody>
+      </p:sp>
+      <p:sp>
+        <p:nvSpPr>
+          <p:cNvPr id="3" name="Content Placeholder 2">
             <a:extLst>
               <a:ext uri="{FF2B5EF4-FFF2-40B4-BE49-F238E27FC236}">
-                <a16:creationId xmlns:a16="http://schemas.microsoft.com/office/drawing/2014/main" id="{402E3166-D3FF-904F-B026-8092268B2346}"/>
+                <a16:creationId xmlns:a16="http://schemas.microsoft.com/office/drawing/2014/main" id="{50660145-C99A-6B4F-A208-31F6374E4A14}"/>
               </a:ext>
             </a:extLst>
           </p:cNvPr>
@@ -10920,73 +12149,52 @@
             <a:spLocks noGrp="1"/>
           </p:cNvSpPr>
           <p:nvPr>
-            <p:ph sz="half" idx="1"/>
-          </p:nvPr>
-        </p:nvSpPr>
-        <p:spPr>
-          <a:xfrm>
-            <a:off x="677334" y="2160589"/>
-            <a:ext cx="7784085" cy="3880772"/>
-          </a:xfrm>
-        </p:spPr>
-        <p:txBody>
-          <a:bodyPr>
-            <a:normAutofit/>
-          </a:bodyPr>
+            <p:ph idx="1"/>
+          </p:nvPr>
+        </p:nvSpPr>
+        <p:spPr/>
+        <p:txBody>
+          <a:bodyPr/>
           <a:lstStyle/>
           <a:p>
             <a:r>
               <a:rPr lang="en-US" dirty="0"/>
-              <a:t>Button functionality integration with game logic</a:t>
-            </a:r>
-          </a:p>
-          <a:p>
+              <a:t>Qt library usage</a:t>
+            </a:r>
+          </a:p>
+          <a:p>
+            <a:pPr lvl="1"/>
             <a:r>
               <a:rPr lang="en-US" dirty="0"/>
-              <a:t>Solidify game security</a:t>
-            </a:r>
-          </a:p>
-          <a:p>
+              <a:t>Good libraries visually, but do not exist on many IDE’s</a:t>
+            </a:r>
+          </a:p>
+          <a:p>
+            <a:pPr lvl="1"/>
             <a:r>
               <a:rPr lang="en-US" dirty="0"/>
-              <a:t>Implement new game logic for additional features</a:t>
+              <a:t>Led to many team members needing to download Qt Creator IDE in order to run the program</a:t>
             </a:r>
           </a:p>
           <a:p>
             <a:pPr lvl="1"/>
             <a:r>
               <a:rPr lang="en-US" dirty="0"/>
-              <a:t>Buy out functionality</a:t>
-            </a:r>
-          </a:p>
-          <a:p>
-            <a:pPr lvl="1"/>
-            <a:r>
-              <a:rPr lang="en-US" dirty="0"/>
-              <a:t>Log out functionality</a:t>
-            </a:r>
-            <a:endParaRPr lang="en-US" sz="1800" dirty="0"/>
-          </a:p>
-          <a:p>
-            <a:pPr lvl="1"/>
-            <a:r>
-              <a:rPr lang="en-US" dirty="0"/>
-              <a:t>Per round fee</a:t>
-            </a:r>
-          </a:p>
-          <a:p>
-            <a:pPr lvl="1"/>
-            <a:r>
-              <a:rPr lang="en-US" dirty="0"/>
-              <a:t>Chat box</a:t>
-            </a:r>
+              <a:t>IDE does not show errors well – difficulty debugging</a:t>
+            </a:r>
+          </a:p>
+          <a:p>
+            <a:pPr marL="457200" lvl="1" indent="0">
+              <a:buNone/>
+            </a:pPr>
+            <a:endParaRPr lang="en-US" dirty="0"/>
           </a:p>
         </p:txBody>
       </p:sp>
     </p:spTree>
     <p:extLst>
       <p:ext uri="{BB962C8B-B14F-4D97-AF65-F5344CB8AC3E}">
-        <p14:creationId xmlns:p14="http://schemas.microsoft.com/office/powerpoint/2010/main" val="430596845"/>
+        <p14:creationId xmlns:p14="http://schemas.microsoft.com/office/powerpoint/2010/main" val="1736920621"/>
       </p:ext>
     </p:extLst>
   </p:cSld>

--- a/docs/CMPE 320 Final Group Presentation.pptx
+++ b/docs/CMPE 320 Final Group Presentation.pptx
@@ -216,7 +216,7 @@
           <a:p>
             <a:fld id="{C4FC6804-2B10-7A4C-8567-7E8DA1DD1FAF}" type="datetimeFigureOut">
               <a:rPr lang="en-US" smtClean="0"/>
-              <a:t>11/21/19</a:t>
+              <a:t>11/21/2019</a:t>
             </a:fld>
             <a:endParaRPr lang="en-US"/>
           </a:p>
@@ -537,31 +537,7 @@
                 <a:ea typeface="+mn-ea"/>
                 <a:cs typeface="+mn-cs"/>
               </a:rPr>
-              <a:t>The player will observe a stock as its value climbs and falls. At some point, the player must decide when they want to sell their stock, aiming to make a profit before the value of the stock </a:t>
-            </a:r>
-            <a:r>
-              <a:rPr lang="en-CA" sz="1200" b="0" i="0" kern="1200" dirty="0" err="1">
-                <a:solidFill>
-                  <a:schemeClr val="tx1"/>
-                </a:solidFill>
-                <a:effectLst/>
-                <a:latin typeface="+mn-lt"/>
-                <a:ea typeface="+mn-ea"/>
-                <a:cs typeface="+mn-cs"/>
-              </a:rPr>
-              <a:t>inevitibly</a:t>
-            </a:r>
-            <a:r>
-              <a:rPr lang="en-CA" sz="1200" b="0" i="0" kern="1200" dirty="0">
-                <a:solidFill>
-                  <a:schemeClr val="tx1"/>
-                </a:solidFill>
-                <a:effectLst/>
-                <a:latin typeface="+mn-lt"/>
-                <a:ea typeface="+mn-ea"/>
-                <a:cs typeface="+mn-cs"/>
-              </a:rPr>
-              <a:t> plummets to being worthless.</a:t>
+              <a:t>The player will observe a stock as its value climbs and falls. At some point, the player must decide when they want to sell their stock, aiming to make a profit before the value of the stock inevitably plummets to being worthless.</a:t>
             </a:r>
           </a:p>
           <a:p>
@@ -2227,7 +2203,7 @@
             <a:fld id="{08B9EBBA-996F-894A-B54A-D6246ED52CEA}" type="datetimeFigureOut">
               <a:rPr lang="en-US" smtClean="0"/>
               <a:pPr/>
-              <a:t>11/21/19</a:t>
+              <a:t>11/21/2019</a:t>
             </a:fld>
             <a:endParaRPr lang="en-US" dirty="0"/>
           </a:p>
@@ -2480,7 +2456,7 @@
             <a:fld id="{09B482E8-6E0E-1B4F-B1FD-C69DB9E858D9}" type="datetimeFigureOut">
               <a:rPr lang="en-US" smtClean="0"/>
               <a:pPr/>
-              <a:t>11/21/19</a:t>
+              <a:t>11/21/2019</a:t>
             </a:fld>
             <a:endParaRPr lang="en-US" dirty="0"/>
           </a:p>
@@ -2797,7 +2773,7 @@
             <a:fld id="{09B482E8-6E0E-1B4F-B1FD-C69DB9E858D9}" type="datetimeFigureOut">
               <a:rPr lang="en-US" smtClean="0"/>
               <a:pPr/>
-              <a:t>11/21/19</a:t>
+              <a:t>11/21/2019</a:t>
             </a:fld>
             <a:endParaRPr lang="en-US" dirty="0"/>
           </a:p>
@@ -3133,7 +3109,7 @@
             <a:fld id="{09B482E8-6E0E-1B4F-B1FD-C69DB9E858D9}" type="datetimeFigureOut">
               <a:rPr lang="en-US" smtClean="0"/>
               <a:pPr/>
-              <a:t>11/21/19</a:t>
+              <a:t>11/21/2019</a:t>
             </a:fld>
             <a:endParaRPr lang="en-US" dirty="0"/>
           </a:p>
@@ -3450,7 +3426,7 @@
             <a:fld id="{09B482E8-6E0E-1B4F-B1FD-C69DB9E858D9}" type="datetimeFigureOut">
               <a:rPr lang="en-US" smtClean="0"/>
               <a:pPr/>
-              <a:t>11/21/19</a:t>
+              <a:t>11/21/2019</a:t>
             </a:fld>
             <a:endParaRPr lang="en-US" dirty="0"/>
           </a:p>
@@ -3846,7 +3822,7 @@
             <a:fld id="{09B482E8-6E0E-1B4F-B1FD-C69DB9E858D9}" type="datetimeFigureOut">
               <a:rPr lang="en-US" smtClean="0"/>
               <a:pPr/>
-              <a:t>11/21/19</a:t>
+              <a:t>11/21/2019</a:t>
             </a:fld>
             <a:endParaRPr lang="en-US" dirty="0"/>
           </a:p>
@@ -4019,7 +3995,7 @@
             <a:fld id="{C6C52C72-DE31-F449-A4ED-4C594FD91407}" type="datetimeFigureOut">
               <a:rPr lang="en-US" smtClean="0"/>
               <a:pPr/>
-              <a:t>11/21/19</a:t>
+              <a:t>11/21/2019</a:t>
             </a:fld>
             <a:endParaRPr lang="en-US" dirty="0"/>
           </a:p>
@@ -4201,7 +4177,7 @@
             <a:fld id="{ED62726E-379B-B349-9EED-81ED093FA806}" type="datetimeFigureOut">
               <a:rPr lang="en-US" smtClean="0"/>
               <a:pPr/>
-              <a:t>11/21/19</a:t>
+              <a:t>11/21/2019</a:t>
             </a:fld>
             <a:endParaRPr lang="en-US" dirty="0"/>
           </a:p>
@@ -4373,7 +4349,7 @@
             <a:fld id="{9B3A1323-8D79-1946-B0D7-40001CF92E9D}" type="datetimeFigureOut">
               <a:rPr lang="en-US" smtClean="0"/>
               <a:pPr/>
-              <a:t>11/21/19</a:t>
+              <a:t>11/21/2019</a:t>
             </a:fld>
             <a:endParaRPr lang="en-US" dirty="0"/>
           </a:p>
@@ -4622,7 +4598,7 @@
             <a:fld id="{8DFA1846-DA80-1C48-A609-854EA85C59AD}" type="datetimeFigureOut">
               <a:rPr lang="en-US" smtClean="0"/>
               <a:pPr/>
-              <a:t>11/21/19</a:t>
+              <a:t>11/21/2019</a:t>
             </a:fld>
             <a:endParaRPr lang="en-US" dirty="0"/>
           </a:p>
@@ -4856,7 +4832,7 @@
             <a:fld id="{57302355-E14B-8545-A8F8-0FE83CC9D524}" type="datetimeFigureOut">
               <a:rPr lang="en-US" smtClean="0"/>
               <a:pPr/>
-              <a:t>11/21/19</a:t>
+              <a:t>11/21/2019</a:t>
             </a:fld>
             <a:endParaRPr lang="en-US" dirty="0"/>
           </a:p>
@@ -5232,7 +5208,7 @@
             <a:fld id="{02640F58-564D-2B4F-AE67-E407BA4FCF45}" type="datetimeFigureOut">
               <a:rPr lang="en-US" smtClean="0"/>
               <a:pPr/>
-              <a:t>11/21/19</a:t>
+              <a:t>11/21/2019</a:t>
             </a:fld>
             <a:endParaRPr lang="en-US" dirty="0"/>
           </a:p>
@@ -5357,7 +5333,7 @@
             <a:fld id="{F13A34C8-038E-2045-AF43-DF7DBB8E0E9E}" type="datetimeFigureOut">
               <a:rPr lang="en-US" smtClean="0"/>
               <a:pPr/>
-              <a:t>11/21/19</a:t>
+              <a:t>11/21/2019</a:t>
             </a:fld>
             <a:endParaRPr lang="en-US" dirty="0"/>
           </a:p>
@@ -5454,7 +5430,7 @@
             <a:fld id="{8818C68F-D26B-8F47-958C-23B49CF8A634}" type="datetimeFigureOut">
               <a:rPr lang="en-US" smtClean="0"/>
               <a:pPr/>
-              <a:t>11/21/19</a:t>
+              <a:t>11/21/2019</a:t>
             </a:fld>
             <a:endParaRPr lang="en-US" dirty="0"/>
           </a:p>
@@ -5711,7 +5687,7 @@
             <a:fld id="{D0DF5E60-9974-AC48-9591-99C2BB44B7CF}" type="datetimeFigureOut">
               <a:rPr lang="en-US" smtClean="0"/>
               <a:pPr/>
-              <a:t>11/21/19</a:t>
+              <a:t>11/21/2019</a:t>
             </a:fld>
             <a:endParaRPr lang="en-US" dirty="0"/>
           </a:p>
@@ -6019,7 +5995,7 @@
             <a:fld id="{09B482E8-6E0E-1B4F-B1FD-C69DB9E858D9}" type="datetimeFigureOut">
               <a:rPr lang="en-US" smtClean="0"/>
               <a:pPr/>
-              <a:t>11/21/19</a:t>
+              <a:t>11/21/2019</a:t>
             </a:fld>
             <a:endParaRPr lang="en-US" dirty="0"/>
           </a:p>
@@ -6723,7 +6699,7 @@
             <a:fld id="{09B482E8-6E0E-1B4F-B1FD-C69DB9E858D9}" type="datetimeFigureOut">
               <a:rPr lang="en-US" smtClean="0"/>
               <a:pPr/>
-              <a:t>11/21/19</a:t>
+              <a:t>11/21/2019</a:t>
             </a:fld>
             <a:endParaRPr lang="en-US" dirty="0"/>
           </a:p>
@@ -7933,15 +7909,19 @@
           <a:p>
             <a:r>
               <a:rPr lang="en-US" dirty="0"/>
-              <a:t>Target audience is c</a:t>
-            </a:r>
-            <a:r>
-              <a:rPr lang="en-CA" dirty="0" err="1"/>
-              <a:t>ommerce</a:t>
+              <a:t>Target audience is </a:t>
             </a:r>
             <a:r>
               <a:rPr lang="en-CA" dirty="0"/>
-              <a:t> students who want to participate in a stock trading experience without being exposed to the risks involved with real trading</a:t>
+              <a:t>commerce students and anyone with a desire to participate in </a:t>
+            </a:r>
+            <a:r>
+              <a:rPr lang="en-CA"/>
+              <a:t>a indie stock </a:t>
+            </a:r>
+            <a:r>
+              <a:rPr lang="en-CA" dirty="0"/>
+              <a:t>trading experience without being exposed to the risks involved with real trading</a:t>
             </a:r>
             <a:endParaRPr lang="en-US" dirty="0"/>
           </a:p>

--- a/docs/CMPE 320 Final Group Presentation.pptx
+++ b/docs/CMPE 320 Final Group Presentation.pptx
@@ -7913,11 +7913,11 @@
             </a:r>
             <a:r>
               <a:rPr lang="en-CA" dirty="0"/>
-              <a:t>commerce students and anyone with a desire to participate in </a:t>
+              <a:t>commerce students and anyone with a desire to participate </a:t>
             </a:r>
             <a:r>
               <a:rPr lang="en-CA"/>
-              <a:t>a indie stock </a:t>
+              <a:t>in an indie stock </a:t>
             </a:r>
             <a:r>
               <a:rPr lang="en-CA" dirty="0"/>

--- a/docs/CMPE 320 Final Group Presentation.pptx
+++ b/docs/CMPE 320 Final Group Presentation.pptx
@@ -7913,15 +7913,7 @@
             </a:r>
             <a:r>
               <a:rPr lang="en-CA" dirty="0"/>
-              <a:t>commerce students and anyone with a desire to participate </a:t>
-            </a:r>
-            <a:r>
-              <a:rPr lang="en-CA"/>
-              <a:t>in an indie stock </a:t>
-            </a:r>
-            <a:r>
-              <a:rPr lang="en-CA" dirty="0"/>
-              <a:t>trading experience without being exposed to the risks involved with real trading</a:t>
+              <a:t>commerce students and anyone with a desire to participate in an indie stock trading experience without being exposed to the risks involved with real trading</a:t>
             </a:r>
             <a:endParaRPr lang="en-US" dirty="0"/>
           </a:p>
@@ -8763,18 +8755,6 @@
           <a:p>
             <a:r>
               <a:rPr lang="en-US" sz="1600" dirty="0"/>
-              <a:t>Server hosted on Linux</a:t>
-            </a:r>
-          </a:p>
-          <a:p>
-            <a:r>
-              <a:rPr lang="en-US" sz="1600" dirty="0"/>
-              <a:t>Clients hosted Windows systems </a:t>
-            </a:r>
-          </a:p>
-          <a:p>
-            <a:r>
-              <a:rPr lang="en-US" sz="1600" dirty="0"/>
               <a:t>Entire server-client relationship built on sockets</a:t>
             </a:r>
           </a:p>
@@ -8782,6 +8762,12 @@
             <a:r>
               <a:rPr lang="en-US" sz="1600" dirty="0"/>
               <a:t>Multithreading used for asynchronous sending/receiving for both clients and server</a:t>
+            </a:r>
+          </a:p>
+          <a:p>
+            <a:r>
+              <a:rPr lang="en-US" sz="1600" dirty="0"/>
+              <a:t>Server is hosted on Linux while clients are hosted Windows systems </a:t>
             </a:r>
           </a:p>
           <a:p>

--- a/docs/CMPE 320 Final Group Presentation.pptx
+++ b/docs/CMPE 320 Final Group Presentation.pptx
@@ -12,8 +12,8 @@
     <p:sldId id="269" r:id="rId3"/>
     <p:sldId id="272" r:id="rId4"/>
     <p:sldId id="264" r:id="rId5"/>
-    <p:sldId id="258" r:id="rId6"/>
-    <p:sldId id="259" r:id="rId7"/>
+    <p:sldId id="259" r:id="rId6"/>
+    <p:sldId id="258" r:id="rId7"/>
     <p:sldId id="273" r:id="rId8"/>
     <p:sldId id="262" r:id="rId9"/>
     <p:sldId id="263" r:id="rId10"/>
@@ -1294,7 +1294,7 @@
           <a:p>
             <a:fld id="{E4A74916-00A0-C849-8911-B521A9C8724E}" type="slidenum">
               <a:rPr lang="en-US" smtClean="0"/>
-              <a:t>5</a:t>
+              <a:t>6</a:t>
             </a:fld>
             <a:endParaRPr lang="en-US"/>
           </a:p>
@@ -7693,25 +7693,19 @@
           <a:p>
             <a:r>
               <a:rPr lang="en-US" dirty="0"/>
-              <a:t>Creation of Game Logic Flowchart at beginning of semester</a:t>
+              <a:t>Creation of Game Logic flowchart</a:t>
             </a:r>
           </a:p>
           <a:p>
             <a:r>
               <a:rPr lang="en-US" dirty="0"/>
-              <a:t>Use alternate IDE for front-end from the start</a:t>
+              <a:t>Use group-wide IDE &amp; minimize dependencies</a:t>
             </a:r>
           </a:p>
           <a:p>
             <a:r>
               <a:rPr lang="en-US" dirty="0"/>
-              <a:t>Improved team wide communication </a:t>
-            </a:r>
-          </a:p>
-          <a:p>
-            <a:r>
-              <a:rPr lang="en-US" dirty="0"/>
-              <a:t>Improved communication with TA</a:t>
+              <a:t>Improved team wide &amp; team mentor communication</a:t>
             </a:r>
           </a:p>
         </p:txBody>
@@ -7925,23 +7919,12 @@
           </a:p>
           <a:p>
             <a:r>
+              <a:rPr lang="en-CA"/>
+              <a:t>Fast </a:t>
+            </a:r>
+            <a:r>
               <a:rPr lang="en-CA" dirty="0"/>
-              <a:t>Core functionality of the game will be a fast action, round based stock trading platform</a:t>
-            </a:r>
-            <a:endParaRPr lang="en-US" dirty="0"/>
-          </a:p>
-          <a:p>
-            <a:r>
-              <a:rPr lang="en-US" dirty="0"/>
-              <a:t>Target audience is c</a:t>
-            </a:r>
-            <a:r>
-              <a:rPr lang="en-CA" dirty="0" err="1"/>
-              <a:t>ommerce</a:t>
-            </a:r>
-            <a:r>
-              <a:rPr lang="en-CA" dirty="0"/>
-              <a:t> students who want to participate in a stock trading experience without being exposed to the risks involved with real trading</a:t>
+              <a:t>action, round based stock trading platform</a:t>
             </a:r>
             <a:endParaRPr lang="en-US" dirty="0"/>
           </a:p>
@@ -8093,7 +8076,7 @@
         <p:spPr/>
         <p:txBody>
           <a:bodyPr>
-            <a:normAutofit fontScale="92500" lnSpcReduction="20000"/>
+            <a:normAutofit/>
           </a:bodyPr>
           <a:lstStyle/>
           <a:p>
@@ -8103,20 +8086,6 @@
             </a:r>
           </a:p>
           <a:p>
-            <a:pPr lvl="1"/>
-            <a:r>
-              <a:rPr lang="en-US" dirty="0"/>
-              <a:t>Divide larger team into hyper-focused smaller teams</a:t>
-            </a:r>
-          </a:p>
-          <a:p>
-            <a:pPr lvl="2"/>
-            <a:r>
-              <a:rPr lang="en-US" dirty="0"/>
-              <a:t>Front-end, back-end, game functionality</a:t>
-            </a:r>
-          </a:p>
-          <a:p>
             <a:r>
               <a:rPr lang="en-US" dirty="0"/>
               <a:t>Successes</a:t>
@@ -8126,28 +8095,21 @@
             <a:pPr lvl="1"/>
             <a:r>
               <a:rPr lang="en-US" dirty="0"/>
-              <a:t>Weekly updates on sub-team progress</a:t>
+              <a:t>Weekly standups</a:t>
             </a:r>
           </a:p>
           <a:p>
             <a:pPr lvl="1"/>
             <a:r>
               <a:rPr lang="en-US" dirty="0"/>
-              <a:t>Clearly identifying issues week by week and adding to sprints</a:t>
+              <a:t>Spring-based issue prioritization</a:t>
             </a:r>
           </a:p>
           <a:p>
             <a:pPr lvl="1"/>
             <a:r>
               <a:rPr lang="en-US" dirty="0"/>
-              <a:t>Work guided by flow chart</a:t>
-            </a:r>
-          </a:p>
-          <a:p>
-            <a:pPr lvl="1"/>
-            <a:r>
-              <a:rPr lang="en-US" dirty="0"/>
-              <a:t>Splitting up tasks within sub-teams to avoid merge errors</a:t>
+              <a:t>Avoiding merge errors</a:t>
             </a:r>
           </a:p>
           <a:p>
@@ -8160,14 +8122,14 @@
             <a:pPr lvl="1"/>
             <a:r>
               <a:rPr lang="en-US" dirty="0"/>
-              <a:t>More communication between sub-teams beyond weekly meetings</a:t>
+              <a:t>More communication</a:t>
             </a:r>
           </a:p>
           <a:p>
             <a:pPr lvl="1"/>
             <a:r>
               <a:rPr lang="en-US" dirty="0"/>
-              <a:t>Lack of game outline at beginning of project lead to confusion and game malleability throughout semester</a:t>
+              <a:t>Designing with integration in mind</a:t>
             </a:r>
           </a:p>
           <a:p>
@@ -8189,933 +8151,6 @@
 </file>
 
 <file path=ppt/slides/slide5.xml><?xml version="1.0" encoding="utf-8"?>
-<p:sld xmlns:a="http://schemas.openxmlformats.org/drawingml/2006/main" xmlns:r="http://schemas.openxmlformats.org/officeDocument/2006/relationships" xmlns:p="http://schemas.openxmlformats.org/presentationml/2006/main">
-  <p:cSld>
-    <p:spTree>
-      <p:nvGrpSpPr>
-        <p:cNvPr id="1" name=""/>
-        <p:cNvGrpSpPr/>
-        <p:nvPr/>
-      </p:nvGrpSpPr>
-      <p:grpSpPr>
-        <a:xfrm>
-          <a:off x="0" y="0"/>
-          <a:ext cx="0" cy="0"/>
-          <a:chOff x="0" y="0"/>
-          <a:chExt cx="0" cy="0"/>
-        </a:xfrm>
-      </p:grpSpPr>
-      <p:sp>
-        <p:nvSpPr>
-          <p:cNvPr id="2" name="Title 1">
-            <a:extLst>
-              <a:ext uri="{FF2B5EF4-FFF2-40B4-BE49-F238E27FC236}">
-                <a16:creationId xmlns:a16="http://schemas.microsoft.com/office/drawing/2014/main" id="{8171B732-FAED-2E42-9CEF-7E91F21E47B9}"/>
-              </a:ext>
-            </a:extLst>
-          </p:cNvPr>
-          <p:cNvSpPr>
-            <a:spLocks noGrp="1"/>
-          </p:cNvSpPr>
-          <p:nvPr>
-            <p:ph type="title"/>
-          </p:nvPr>
-        </p:nvSpPr>
-        <p:spPr/>
-        <p:txBody>
-          <a:bodyPr/>
-          <a:lstStyle/>
-          <a:p>
-            <a:r>
-              <a:rPr lang="en-US" dirty="0"/>
-              <a:t>Work Distribution</a:t>
-            </a:r>
-          </a:p>
-        </p:txBody>
-      </p:sp>
-      <p:sp>
-        <p:nvSpPr>
-          <p:cNvPr id="8" name="Content Placeholder 2">
-            <a:extLst>
-              <a:ext uri="{FF2B5EF4-FFF2-40B4-BE49-F238E27FC236}">
-                <a16:creationId xmlns:a16="http://schemas.microsoft.com/office/drawing/2014/main" id="{7F8D635A-75AF-8242-9935-F4EEBAB74255}"/>
-              </a:ext>
-            </a:extLst>
-          </p:cNvPr>
-          <p:cNvSpPr txBox="1">
-            <a:spLocks/>
-          </p:cNvSpPr>
-          <p:nvPr/>
-        </p:nvSpPr>
-        <p:spPr>
-          <a:xfrm>
-            <a:off x="677335" y="2160589"/>
-            <a:ext cx="2909928" cy="3880772"/>
-          </a:xfrm>
-          <a:prstGeom prst="rect">
-            <a:avLst/>
-          </a:prstGeom>
-        </p:spPr>
-        <p:txBody>
-          <a:bodyPr vert="horz" lIns="91440" tIns="45720" rIns="91440" bIns="45720" rtlCol="0">
-            <a:normAutofit/>
-          </a:bodyPr>
-          <a:lstStyle>
-            <a:lvl1pPr marL="342900" indent="-342900" algn="l" defTabSz="457200" rtl="0" eaLnBrk="1" latinLnBrk="0" hangingPunct="1">
-              <a:spcBef>
-                <a:spcPts val="1000"/>
-              </a:spcBef>
-              <a:spcAft>
-                <a:spcPts val="0"/>
-              </a:spcAft>
-              <a:buClr>
-                <a:schemeClr val="accent1"/>
-              </a:buClr>
-              <a:buSzPct val="80000"/>
-              <a:buFont typeface="Wingdings 3" charset="2"/>
-              <a:buChar char=""/>
-              <a:defRPr sz="1800" kern="1200">
-                <a:solidFill>
-                  <a:schemeClr val="tx1">
-                    <a:lumMod val="75000"/>
-                    <a:lumOff val="25000"/>
-                  </a:schemeClr>
-                </a:solidFill>
-                <a:latin typeface="+mn-lt"/>
-                <a:ea typeface="+mn-ea"/>
-                <a:cs typeface="+mn-cs"/>
-              </a:defRPr>
-            </a:lvl1pPr>
-            <a:lvl2pPr marL="742950" indent="-285750" algn="l" defTabSz="457200" rtl="0" eaLnBrk="1" latinLnBrk="0" hangingPunct="1">
-              <a:spcBef>
-                <a:spcPts val="1000"/>
-              </a:spcBef>
-              <a:spcAft>
-                <a:spcPts val="0"/>
-              </a:spcAft>
-              <a:buClr>
-                <a:schemeClr val="accent1"/>
-              </a:buClr>
-              <a:buSzPct val="80000"/>
-              <a:buFont typeface="Wingdings 3" charset="2"/>
-              <a:buChar char=""/>
-              <a:defRPr sz="1600" kern="1200">
-                <a:solidFill>
-                  <a:schemeClr val="tx1">
-                    <a:lumMod val="75000"/>
-                    <a:lumOff val="25000"/>
-                  </a:schemeClr>
-                </a:solidFill>
-                <a:latin typeface="+mn-lt"/>
-                <a:ea typeface="+mn-ea"/>
-                <a:cs typeface="+mn-cs"/>
-              </a:defRPr>
-            </a:lvl2pPr>
-            <a:lvl3pPr marL="1143000" indent="-228600" algn="l" defTabSz="457200" rtl="0" eaLnBrk="1" latinLnBrk="0" hangingPunct="1">
-              <a:spcBef>
-                <a:spcPts val="1000"/>
-              </a:spcBef>
-              <a:spcAft>
-                <a:spcPts val="0"/>
-              </a:spcAft>
-              <a:buClr>
-                <a:schemeClr val="accent1"/>
-              </a:buClr>
-              <a:buSzPct val="80000"/>
-              <a:buFont typeface="Wingdings 3" charset="2"/>
-              <a:buChar char=""/>
-              <a:defRPr sz="1400" kern="1200">
-                <a:solidFill>
-                  <a:schemeClr val="tx1">
-                    <a:lumMod val="75000"/>
-                    <a:lumOff val="25000"/>
-                  </a:schemeClr>
-                </a:solidFill>
-                <a:latin typeface="+mn-lt"/>
-                <a:ea typeface="+mn-ea"/>
-                <a:cs typeface="+mn-cs"/>
-              </a:defRPr>
-            </a:lvl3pPr>
-            <a:lvl4pPr marL="1600200" indent="-228600" algn="l" defTabSz="457200" rtl="0" eaLnBrk="1" latinLnBrk="0" hangingPunct="1">
-              <a:spcBef>
-                <a:spcPts val="1000"/>
-              </a:spcBef>
-              <a:spcAft>
-                <a:spcPts val="0"/>
-              </a:spcAft>
-              <a:buClr>
-                <a:schemeClr val="accent1"/>
-              </a:buClr>
-              <a:buSzPct val="80000"/>
-              <a:buFont typeface="Wingdings 3" charset="2"/>
-              <a:buChar char=""/>
-              <a:defRPr sz="1200" kern="1200">
-                <a:solidFill>
-                  <a:schemeClr val="tx1">
-                    <a:lumMod val="75000"/>
-                    <a:lumOff val="25000"/>
-                  </a:schemeClr>
-                </a:solidFill>
-                <a:latin typeface="+mn-lt"/>
-                <a:ea typeface="+mn-ea"/>
-                <a:cs typeface="+mn-cs"/>
-              </a:defRPr>
-            </a:lvl4pPr>
-            <a:lvl5pPr marL="2057400" indent="-228600" algn="l" defTabSz="457200" rtl="0" eaLnBrk="1" latinLnBrk="0" hangingPunct="1">
-              <a:spcBef>
-                <a:spcPts val="1000"/>
-              </a:spcBef>
-              <a:spcAft>
-                <a:spcPts val="0"/>
-              </a:spcAft>
-              <a:buClr>
-                <a:schemeClr val="accent1"/>
-              </a:buClr>
-              <a:buSzPct val="80000"/>
-              <a:buFont typeface="Wingdings 3" charset="2"/>
-              <a:buChar char=""/>
-              <a:defRPr sz="1200" kern="1200">
-                <a:solidFill>
-                  <a:schemeClr val="tx1">
-                    <a:lumMod val="75000"/>
-                    <a:lumOff val="25000"/>
-                  </a:schemeClr>
-                </a:solidFill>
-                <a:latin typeface="+mn-lt"/>
-                <a:ea typeface="+mn-ea"/>
-                <a:cs typeface="+mn-cs"/>
-              </a:defRPr>
-            </a:lvl5pPr>
-            <a:lvl6pPr marL="2514600" indent="-228600" algn="l" defTabSz="457200" rtl="0" eaLnBrk="1" latinLnBrk="0" hangingPunct="1">
-              <a:spcBef>
-                <a:spcPts val="1000"/>
-              </a:spcBef>
-              <a:spcAft>
-                <a:spcPts val="0"/>
-              </a:spcAft>
-              <a:buClr>
-                <a:schemeClr val="accent1"/>
-              </a:buClr>
-              <a:buSzPct val="80000"/>
-              <a:buFont typeface="Wingdings 3" charset="2"/>
-              <a:buChar char=""/>
-              <a:defRPr sz="1200" kern="1200">
-                <a:solidFill>
-                  <a:schemeClr val="tx1">
-                    <a:lumMod val="75000"/>
-                    <a:lumOff val="25000"/>
-                  </a:schemeClr>
-                </a:solidFill>
-                <a:latin typeface="+mn-lt"/>
-                <a:ea typeface="+mn-ea"/>
-                <a:cs typeface="+mn-cs"/>
-              </a:defRPr>
-            </a:lvl6pPr>
-            <a:lvl7pPr marL="2971800" indent="-228600" algn="l" defTabSz="457200" rtl="0" eaLnBrk="1" latinLnBrk="0" hangingPunct="1">
-              <a:spcBef>
-                <a:spcPts val="1000"/>
-              </a:spcBef>
-              <a:spcAft>
-                <a:spcPts val="0"/>
-              </a:spcAft>
-              <a:buClr>
-                <a:schemeClr val="accent1"/>
-              </a:buClr>
-              <a:buSzPct val="80000"/>
-              <a:buFont typeface="Wingdings 3" charset="2"/>
-              <a:buChar char=""/>
-              <a:defRPr sz="1200" kern="1200">
-                <a:solidFill>
-                  <a:schemeClr val="tx1">
-                    <a:lumMod val="75000"/>
-                    <a:lumOff val="25000"/>
-                  </a:schemeClr>
-                </a:solidFill>
-                <a:latin typeface="+mn-lt"/>
-                <a:ea typeface="+mn-ea"/>
-                <a:cs typeface="+mn-cs"/>
-              </a:defRPr>
-            </a:lvl7pPr>
-            <a:lvl8pPr marL="3429000" indent="-228600" algn="l" defTabSz="457200" rtl="0" eaLnBrk="1" latinLnBrk="0" hangingPunct="1">
-              <a:spcBef>
-                <a:spcPts val="1000"/>
-              </a:spcBef>
-              <a:spcAft>
-                <a:spcPts val="0"/>
-              </a:spcAft>
-              <a:buClr>
-                <a:schemeClr val="accent1"/>
-              </a:buClr>
-              <a:buSzPct val="80000"/>
-              <a:buFont typeface="Wingdings 3" charset="2"/>
-              <a:buChar char=""/>
-              <a:defRPr sz="1200" kern="1200">
-                <a:solidFill>
-                  <a:schemeClr val="tx1">
-                    <a:lumMod val="75000"/>
-                    <a:lumOff val="25000"/>
-                  </a:schemeClr>
-                </a:solidFill>
-                <a:latin typeface="+mn-lt"/>
-                <a:ea typeface="+mn-ea"/>
-                <a:cs typeface="+mn-cs"/>
-              </a:defRPr>
-            </a:lvl8pPr>
-            <a:lvl9pPr marL="3886200" indent="-228600" algn="l" defTabSz="457200" rtl="0" eaLnBrk="1" latinLnBrk="0" hangingPunct="1">
-              <a:spcBef>
-                <a:spcPts val="1000"/>
-              </a:spcBef>
-              <a:spcAft>
-                <a:spcPts val="0"/>
-              </a:spcAft>
-              <a:buClr>
-                <a:schemeClr val="accent1"/>
-              </a:buClr>
-              <a:buSzPct val="80000"/>
-              <a:buFont typeface="Wingdings 3" charset="2"/>
-              <a:buChar char=""/>
-              <a:defRPr sz="1200" kern="1200">
-                <a:solidFill>
-                  <a:schemeClr val="tx1">
-                    <a:lumMod val="75000"/>
-                    <a:lumOff val="25000"/>
-                  </a:schemeClr>
-                </a:solidFill>
-                <a:latin typeface="+mn-lt"/>
-                <a:ea typeface="+mn-ea"/>
-                <a:cs typeface="+mn-cs"/>
-              </a:defRPr>
-            </a:lvl9pPr>
-          </a:lstStyle>
-          <a:p>
-            <a:pPr marL="0" indent="0">
-              <a:buFont typeface="Wingdings 3" charset="2"/>
-              <a:buNone/>
-            </a:pPr>
-            <a:r>
-              <a:rPr lang="en-US" b="1" dirty="0"/>
-              <a:t>Front-End Sub-Team</a:t>
-            </a:r>
-          </a:p>
-          <a:p>
-            <a:r>
-              <a:rPr lang="en-US" sz="1600" dirty="0"/>
-              <a:t>Created dynamic graph that can be interacted with </a:t>
-            </a:r>
-          </a:p>
-          <a:p>
-            <a:r>
-              <a:rPr lang="en-US" sz="1600" dirty="0"/>
-              <a:t>Multi-page GUI showing different components of project</a:t>
-            </a:r>
-          </a:p>
-          <a:p>
-            <a:r>
-              <a:rPr lang="en-US" sz="1600" dirty="0"/>
-              <a:t>User can interact with interface while the changes are stored</a:t>
-            </a:r>
-          </a:p>
-        </p:txBody>
-      </p:sp>
-      <p:sp>
-        <p:nvSpPr>
-          <p:cNvPr id="11" name="Content Placeholder 2">
-            <a:extLst>
-              <a:ext uri="{FF2B5EF4-FFF2-40B4-BE49-F238E27FC236}">
-                <a16:creationId xmlns:a16="http://schemas.microsoft.com/office/drawing/2014/main" id="{0DE6A9F1-86C2-1046-A581-C182AD883B6E}"/>
-              </a:ext>
-            </a:extLst>
-          </p:cNvPr>
-          <p:cNvSpPr txBox="1">
-            <a:spLocks/>
-          </p:cNvSpPr>
-          <p:nvPr/>
-        </p:nvSpPr>
-        <p:spPr>
-          <a:xfrm>
-            <a:off x="3520704" y="2168821"/>
-            <a:ext cx="2909928" cy="3880772"/>
-          </a:xfrm>
-          <a:prstGeom prst="rect">
-            <a:avLst/>
-          </a:prstGeom>
-        </p:spPr>
-        <p:txBody>
-          <a:bodyPr vert="horz" lIns="91440" tIns="45720" rIns="91440" bIns="45720" rtlCol="0">
-            <a:normAutofit/>
-          </a:bodyPr>
-          <a:lstStyle>
-            <a:lvl1pPr marL="342900" indent="-342900" algn="l" defTabSz="457200" rtl="0" eaLnBrk="1" latinLnBrk="0" hangingPunct="1">
-              <a:spcBef>
-                <a:spcPts val="1000"/>
-              </a:spcBef>
-              <a:spcAft>
-                <a:spcPts val="0"/>
-              </a:spcAft>
-              <a:buClr>
-                <a:schemeClr val="accent1"/>
-              </a:buClr>
-              <a:buSzPct val="80000"/>
-              <a:buFont typeface="Wingdings 3" charset="2"/>
-              <a:buChar char=""/>
-              <a:defRPr sz="1800" kern="1200">
-                <a:solidFill>
-                  <a:schemeClr val="tx1">
-                    <a:lumMod val="75000"/>
-                    <a:lumOff val="25000"/>
-                  </a:schemeClr>
-                </a:solidFill>
-                <a:latin typeface="+mn-lt"/>
-                <a:ea typeface="+mn-ea"/>
-                <a:cs typeface="+mn-cs"/>
-              </a:defRPr>
-            </a:lvl1pPr>
-            <a:lvl2pPr marL="742950" indent="-285750" algn="l" defTabSz="457200" rtl="0" eaLnBrk="1" latinLnBrk="0" hangingPunct="1">
-              <a:spcBef>
-                <a:spcPts val="1000"/>
-              </a:spcBef>
-              <a:spcAft>
-                <a:spcPts val="0"/>
-              </a:spcAft>
-              <a:buClr>
-                <a:schemeClr val="accent1"/>
-              </a:buClr>
-              <a:buSzPct val="80000"/>
-              <a:buFont typeface="Wingdings 3" charset="2"/>
-              <a:buChar char=""/>
-              <a:defRPr sz="1600" kern="1200">
-                <a:solidFill>
-                  <a:schemeClr val="tx1">
-                    <a:lumMod val="75000"/>
-                    <a:lumOff val="25000"/>
-                  </a:schemeClr>
-                </a:solidFill>
-                <a:latin typeface="+mn-lt"/>
-                <a:ea typeface="+mn-ea"/>
-                <a:cs typeface="+mn-cs"/>
-              </a:defRPr>
-            </a:lvl2pPr>
-            <a:lvl3pPr marL="1143000" indent="-228600" algn="l" defTabSz="457200" rtl="0" eaLnBrk="1" latinLnBrk="0" hangingPunct="1">
-              <a:spcBef>
-                <a:spcPts val="1000"/>
-              </a:spcBef>
-              <a:spcAft>
-                <a:spcPts val="0"/>
-              </a:spcAft>
-              <a:buClr>
-                <a:schemeClr val="accent1"/>
-              </a:buClr>
-              <a:buSzPct val="80000"/>
-              <a:buFont typeface="Wingdings 3" charset="2"/>
-              <a:buChar char=""/>
-              <a:defRPr sz="1400" kern="1200">
-                <a:solidFill>
-                  <a:schemeClr val="tx1">
-                    <a:lumMod val="75000"/>
-                    <a:lumOff val="25000"/>
-                  </a:schemeClr>
-                </a:solidFill>
-                <a:latin typeface="+mn-lt"/>
-                <a:ea typeface="+mn-ea"/>
-                <a:cs typeface="+mn-cs"/>
-              </a:defRPr>
-            </a:lvl3pPr>
-            <a:lvl4pPr marL="1600200" indent="-228600" algn="l" defTabSz="457200" rtl="0" eaLnBrk="1" latinLnBrk="0" hangingPunct="1">
-              <a:spcBef>
-                <a:spcPts val="1000"/>
-              </a:spcBef>
-              <a:spcAft>
-                <a:spcPts val="0"/>
-              </a:spcAft>
-              <a:buClr>
-                <a:schemeClr val="accent1"/>
-              </a:buClr>
-              <a:buSzPct val="80000"/>
-              <a:buFont typeface="Wingdings 3" charset="2"/>
-              <a:buChar char=""/>
-              <a:defRPr sz="1200" kern="1200">
-                <a:solidFill>
-                  <a:schemeClr val="tx1">
-                    <a:lumMod val="75000"/>
-                    <a:lumOff val="25000"/>
-                  </a:schemeClr>
-                </a:solidFill>
-                <a:latin typeface="+mn-lt"/>
-                <a:ea typeface="+mn-ea"/>
-                <a:cs typeface="+mn-cs"/>
-              </a:defRPr>
-            </a:lvl4pPr>
-            <a:lvl5pPr marL="2057400" indent="-228600" algn="l" defTabSz="457200" rtl="0" eaLnBrk="1" latinLnBrk="0" hangingPunct="1">
-              <a:spcBef>
-                <a:spcPts val="1000"/>
-              </a:spcBef>
-              <a:spcAft>
-                <a:spcPts val="0"/>
-              </a:spcAft>
-              <a:buClr>
-                <a:schemeClr val="accent1"/>
-              </a:buClr>
-              <a:buSzPct val="80000"/>
-              <a:buFont typeface="Wingdings 3" charset="2"/>
-              <a:buChar char=""/>
-              <a:defRPr sz="1200" kern="1200">
-                <a:solidFill>
-                  <a:schemeClr val="tx1">
-                    <a:lumMod val="75000"/>
-                    <a:lumOff val="25000"/>
-                  </a:schemeClr>
-                </a:solidFill>
-                <a:latin typeface="+mn-lt"/>
-                <a:ea typeface="+mn-ea"/>
-                <a:cs typeface="+mn-cs"/>
-              </a:defRPr>
-            </a:lvl5pPr>
-            <a:lvl6pPr marL="2514600" indent="-228600" algn="l" defTabSz="457200" rtl="0" eaLnBrk="1" latinLnBrk="0" hangingPunct="1">
-              <a:spcBef>
-                <a:spcPts val="1000"/>
-              </a:spcBef>
-              <a:spcAft>
-                <a:spcPts val="0"/>
-              </a:spcAft>
-              <a:buClr>
-                <a:schemeClr val="accent1"/>
-              </a:buClr>
-              <a:buSzPct val="80000"/>
-              <a:buFont typeface="Wingdings 3" charset="2"/>
-              <a:buChar char=""/>
-              <a:defRPr sz="1200" kern="1200">
-                <a:solidFill>
-                  <a:schemeClr val="tx1">
-                    <a:lumMod val="75000"/>
-                    <a:lumOff val="25000"/>
-                  </a:schemeClr>
-                </a:solidFill>
-                <a:latin typeface="+mn-lt"/>
-                <a:ea typeface="+mn-ea"/>
-                <a:cs typeface="+mn-cs"/>
-              </a:defRPr>
-            </a:lvl6pPr>
-            <a:lvl7pPr marL="2971800" indent="-228600" algn="l" defTabSz="457200" rtl="0" eaLnBrk="1" latinLnBrk="0" hangingPunct="1">
-              <a:spcBef>
-                <a:spcPts val="1000"/>
-              </a:spcBef>
-              <a:spcAft>
-                <a:spcPts val="0"/>
-              </a:spcAft>
-              <a:buClr>
-                <a:schemeClr val="accent1"/>
-              </a:buClr>
-              <a:buSzPct val="80000"/>
-              <a:buFont typeface="Wingdings 3" charset="2"/>
-              <a:buChar char=""/>
-              <a:defRPr sz="1200" kern="1200">
-                <a:solidFill>
-                  <a:schemeClr val="tx1">
-                    <a:lumMod val="75000"/>
-                    <a:lumOff val="25000"/>
-                  </a:schemeClr>
-                </a:solidFill>
-                <a:latin typeface="+mn-lt"/>
-                <a:ea typeface="+mn-ea"/>
-                <a:cs typeface="+mn-cs"/>
-              </a:defRPr>
-            </a:lvl7pPr>
-            <a:lvl8pPr marL="3429000" indent="-228600" algn="l" defTabSz="457200" rtl="0" eaLnBrk="1" latinLnBrk="0" hangingPunct="1">
-              <a:spcBef>
-                <a:spcPts val="1000"/>
-              </a:spcBef>
-              <a:spcAft>
-                <a:spcPts val="0"/>
-              </a:spcAft>
-              <a:buClr>
-                <a:schemeClr val="accent1"/>
-              </a:buClr>
-              <a:buSzPct val="80000"/>
-              <a:buFont typeface="Wingdings 3" charset="2"/>
-              <a:buChar char=""/>
-              <a:defRPr sz="1200" kern="1200">
-                <a:solidFill>
-                  <a:schemeClr val="tx1">
-                    <a:lumMod val="75000"/>
-                    <a:lumOff val="25000"/>
-                  </a:schemeClr>
-                </a:solidFill>
-                <a:latin typeface="+mn-lt"/>
-                <a:ea typeface="+mn-ea"/>
-                <a:cs typeface="+mn-cs"/>
-              </a:defRPr>
-            </a:lvl8pPr>
-            <a:lvl9pPr marL="3886200" indent="-228600" algn="l" defTabSz="457200" rtl="0" eaLnBrk="1" latinLnBrk="0" hangingPunct="1">
-              <a:spcBef>
-                <a:spcPts val="1000"/>
-              </a:spcBef>
-              <a:spcAft>
-                <a:spcPts val="0"/>
-              </a:spcAft>
-              <a:buClr>
-                <a:schemeClr val="accent1"/>
-              </a:buClr>
-              <a:buSzPct val="80000"/>
-              <a:buFont typeface="Wingdings 3" charset="2"/>
-              <a:buChar char=""/>
-              <a:defRPr sz="1200" kern="1200">
-                <a:solidFill>
-                  <a:schemeClr val="tx1">
-                    <a:lumMod val="75000"/>
-                    <a:lumOff val="25000"/>
-                  </a:schemeClr>
-                </a:solidFill>
-                <a:latin typeface="+mn-lt"/>
-                <a:ea typeface="+mn-ea"/>
-                <a:cs typeface="+mn-cs"/>
-              </a:defRPr>
-            </a:lvl9pPr>
-          </a:lstStyle>
-          <a:p>
-            <a:pPr marL="0" indent="0">
-              <a:buNone/>
-            </a:pPr>
-            <a:r>
-              <a:rPr lang="en-US" b="1" dirty="0"/>
-              <a:t>Back-End Sub-Team</a:t>
-            </a:r>
-          </a:p>
-          <a:p>
-            <a:r>
-              <a:rPr lang="en-US" sz="1600" dirty="0"/>
-              <a:t>Server hosted on Linux</a:t>
-            </a:r>
-          </a:p>
-          <a:p>
-            <a:r>
-              <a:rPr lang="en-US" sz="1600" dirty="0"/>
-              <a:t>Clients hosted Windows systems </a:t>
-            </a:r>
-          </a:p>
-          <a:p>
-            <a:r>
-              <a:rPr lang="en-US" sz="1600" dirty="0"/>
-              <a:t>Entire server-client relationship built on sockets</a:t>
-            </a:r>
-          </a:p>
-          <a:p>
-            <a:r>
-              <a:rPr lang="en-US" sz="1600" dirty="0"/>
-              <a:t>Multithreading used for asynchronous sending/receiving for both clients and server</a:t>
-            </a:r>
-          </a:p>
-          <a:p>
-            <a:pPr marL="0" indent="0">
-              <a:buNone/>
-            </a:pPr>
-            <a:endParaRPr lang="en-US" sz="1600" dirty="0"/>
-          </a:p>
-        </p:txBody>
-      </p:sp>
-      <p:sp>
-        <p:nvSpPr>
-          <p:cNvPr id="12" name="Content Placeholder 2">
-            <a:extLst>
-              <a:ext uri="{FF2B5EF4-FFF2-40B4-BE49-F238E27FC236}">
-                <a16:creationId xmlns:a16="http://schemas.microsoft.com/office/drawing/2014/main" id="{3F6C7DC8-95F9-4A4E-979E-7D80010B12B7}"/>
-              </a:ext>
-            </a:extLst>
-          </p:cNvPr>
-          <p:cNvSpPr txBox="1">
-            <a:spLocks/>
-          </p:cNvSpPr>
-          <p:nvPr/>
-        </p:nvSpPr>
-        <p:spPr>
-          <a:xfrm>
-            <a:off x="6236676" y="2177053"/>
-            <a:ext cx="3793589" cy="3880772"/>
-          </a:xfrm>
-          <a:prstGeom prst="rect">
-            <a:avLst/>
-          </a:prstGeom>
-        </p:spPr>
-        <p:txBody>
-          <a:bodyPr vert="horz" lIns="91440" tIns="45720" rIns="91440" bIns="45720" rtlCol="0">
-            <a:normAutofit/>
-          </a:bodyPr>
-          <a:lstStyle>
-            <a:lvl1pPr marL="342900" indent="-342900" algn="l" defTabSz="457200" rtl="0" eaLnBrk="1" latinLnBrk="0" hangingPunct="1">
-              <a:spcBef>
-                <a:spcPts val="1000"/>
-              </a:spcBef>
-              <a:spcAft>
-                <a:spcPts val="0"/>
-              </a:spcAft>
-              <a:buClr>
-                <a:schemeClr val="accent1"/>
-              </a:buClr>
-              <a:buSzPct val="80000"/>
-              <a:buFont typeface="Wingdings 3" charset="2"/>
-              <a:buChar char=""/>
-              <a:defRPr sz="1800" kern="1200">
-                <a:solidFill>
-                  <a:schemeClr val="tx1">
-                    <a:lumMod val="75000"/>
-                    <a:lumOff val="25000"/>
-                  </a:schemeClr>
-                </a:solidFill>
-                <a:latin typeface="+mn-lt"/>
-                <a:ea typeface="+mn-ea"/>
-                <a:cs typeface="+mn-cs"/>
-              </a:defRPr>
-            </a:lvl1pPr>
-            <a:lvl2pPr marL="742950" indent="-285750" algn="l" defTabSz="457200" rtl="0" eaLnBrk="1" latinLnBrk="0" hangingPunct="1">
-              <a:spcBef>
-                <a:spcPts val="1000"/>
-              </a:spcBef>
-              <a:spcAft>
-                <a:spcPts val="0"/>
-              </a:spcAft>
-              <a:buClr>
-                <a:schemeClr val="accent1"/>
-              </a:buClr>
-              <a:buSzPct val="80000"/>
-              <a:buFont typeface="Wingdings 3" charset="2"/>
-              <a:buChar char=""/>
-              <a:defRPr sz="1600" kern="1200">
-                <a:solidFill>
-                  <a:schemeClr val="tx1">
-                    <a:lumMod val="75000"/>
-                    <a:lumOff val="25000"/>
-                  </a:schemeClr>
-                </a:solidFill>
-                <a:latin typeface="+mn-lt"/>
-                <a:ea typeface="+mn-ea"/>
-                <a:cs typeface="+mn-cs"/>
-              </a:defRPr>
-            </a:lvl2pPr>
-            <a:lvl3pPr marL="1143000" indent="-228600" algn="l" defTabSz="457200" rtl="0" eaLnBrk="1" latinLnBrk="0" hangingPunct="1">
-              <a:spcBef>
-                <a:spcPts val="1000"/>
-              </a:spcBef>
-              <a:spcAft>
-                <a:spcPts val="0"/>
-              </a:spcAft>
-              <a:buClr>
-                <a:schemeClr val="accent1"/>
-              </a:buClr>
-              <a:buSzPct val="80000"/>
-              <a:buFont typeface="Wingdings 3" charset="2"/>
-              <a:buChar char=""/>
-              <a:defRPr sz="1400" kern="1200">
-                <a:solidFill>
-                  <a:schemeClr val="tx1">
-                    <a:lumMod val="75000"/>
-                    <a:lumOff val="25000"/>
-                  </a:schemeClr>
-                </a:solidFill>
-                <a:latin typeface="+mn-lt"/>
-                <a:ea typeface="+mn-ea"/>
-                <a:cs typeface="+mn-cs"/>
-              </a:defRPr>
-            </a:lvl3pPr>
-            <a:lvl4pPr marL="1600200" indent="-228600" algn="l" defTabSz="457200" rtl="0" eaLnBrk="1" latinLnBrk="0" hangingPunct="1">
-              <a:spcBef>
-                <a:spcPts val="1000"/>
-              </a:spcBef>
-              <a:spcAft>
-                <a:spcPts val="0"/>
-              </a:spcAft>
-              <a:buClr>
-                <a:schemeClr val="accent1"/>
-              </a:buClr>
-              <a:buSzPct val="80000"/>
-              <a:buFont typeface="Wingdings 3" charset="2"/>
-              <a:buChar char=""/>
-              <a:defRPr sz="1200" kern="1200">
-                <a:solidFill>
-                  <a:schemeClr val="tx1">
-                    <a:lumMod val="75000"/>
-                    <a:lumOff val="25000"/>
-                  </a:schemeClr>
-                </a:solidFill>
-                <a:latin typeface="+mn-lt"/>
-                <a:ea typeface="+mn-ea"/>
-                <a:cs typeface="+mn-cs"/>
-              </a:defRPr>
-            </a:lvl4pPr>
-            <a:lvl5pPr marL="2057400" indent="-228600" algn="l" defTabSz="457200" rtl="0" eaLnBrk="1" latinLnBrk="0" hangingPunct="1">
-              <a:spcBef>
-                <a:spcPts val="1000"/>
-              </a:spcBef>
-              <a:spcAft>
-                <a:spcPts val="0"/>
-              </a:spcAft>
-              <a:buClr>
-                <a:schemeClr val="accent1"/>
-              </a:buClr>
-              <a:buSzPct val="80000"/>
-              <a:buFont typeface="Wingdings 3" charset="2"/>
-              <a:buChar char=""/>
-              <a:defRPr sz="1200" kern="1200">
-                <a:solidFill>
-                  <a:schemeClr val="tx1">
-                    <a:lumMod val="75000"/>
-                    <a:lumOff val="25000"/>
-                  </a:schemeClr>
-                </a:solidFill>
-                <a:latin typeface="+mn-lt"/>
-                <a:ea typeface="+mn-ea"/>
-                <a:cs typeface="+mn-cs"/>
-              </a:defRPr>
-            </a:lvl5pPr>
-            <a:lvl6pPr marL="2514600" indent="-228600" algn="l" defTabSz="457200" rtl="0" eaLnBrk="1" latinLnBrk="0" hangingPunct="1">
-              <a:spcBef>
-                <a:spcPts val="1000"/>
-              </a:spcBef>
-              <a:spcAft>
-                <a:spcPts val="0"/>
-              </a:spcAft>
-              <a:buClr>
-                <a:schemeClr val="accent1"/>
-              </a:buClr>
-              <a:buSzPct val="80000"/>
-              <a:buFont typeface="Wingdings 3" charset="2"/>
-              <a:buChar char=""/>
-              <a:defRPr sz="1200" kern="1200">
-                <a:solidFill>
-                  <a:schemeClr val="tx1">
-                    <a:lumMod val="75000"/>
-                    <a:lumOff val="25000"/>
-                  </a:schemeClr>
-                </a:solidFill>
-                <a:latin typeface="+mn-lt"/>
-                <a:ea typeface="+mn-ea"/>
-                <a:cs typeface="+mn-cs"/>
-              </a:defRPr>
-            </a:lvl6pPr>
-            <a:lvl7pPr marL="2971800" indent="-228600" algn="l" defTabSz="457200" rtl="0" eaLnBrk="1" latinLnBrk="0" hangingPunct="1">
-              <a:spcBef>
-                <a:spcPts val="1000"/>
-              </a:spcBef>
-              <a:spcAft>
-                <a:spcPts val="0"/>
-              </a:spcAft>
-              <a:buClr>
-                <a:schemeClr val="accent1"/>
-              </a:buClr>
-              <a:buSzPct val="80000"/>
-              <a:buFont typeface="Wingdings 3" charset="2"/>
-              <a:buChar char=""/>
-              <a:defRPr sz="1200" kern="1200">
-                <a:solidFill>
-                  <a:schemeClr val="tx1">
-                    <a:lumMod val="75000"/>
-                    <a:lumOff val="25000"/>
-                  </a:schemeClr>
-                </a:solidFill>
-                <a:latin typeface="+mn-lt"/>
-                <a:ea typeface="+mn-ea"/>
-                <a:cs typeface="+mn-cs"/>
-              </a:defRPr>
-            </a:lvl7pPr>
-            <a:lvl8pPr marL="3429000" indent="-228600" algn="l" defTabSz="457200" rtl="0" eaLnBrk="1" latinLnBrk="0" hangingPunct="1">
-              <a:spcBef>
-                <a:spcPts val="1000"/>
-              </a:spcBef>
-              <a:spcAft>
-                <a:spcPts val="0"/>
-              </a:spcAft>
-              <a:buClr>
-                <a:schemeClr val="accent1"/>
-              </a:buClr>
-              <a:buSzPct val="80000"/>
-              <a:buFont typeface="Wingdings 3" charset="2"/>
-              <a:buChar char=""/>
-              <a:defRPr sz="1200" kern="1200">
-                <a:solidFill>
-                  <a:schemeClr val="tx1">
-                    <a:lumMod val="75000"/>
-                    <a:lumOff val="25000"/>
-                  </a:schemeClr>
-                </a:solidFill>
-                <a:latin typeface="+mn-lt"/>
-                <a:ea typeface="+mn-ea"/>
-                <a:cs typeface="+mn-cs"/>
-              </a:defRPr>
-            </a:lvl8pPr>
-            <a:lvl9pPr marL="3886200" indent="-228600" algn="l" defTabSz="457200" rtl="0" eaLnBrk="1" latinLnBrk="0" hangingPunct="1">
-              <a:spcBef>
-                <a:spcPts val="1000"/>
-              </a:spcBef>
-              <a:spcAft>
-                <a:spcPts val="0"/>
-              </a:spcAft>
-              <a:buClr>
-                <a:schemeClr val="accent1"/>
-              </a:buClr>
-              <a:buSzPct val="80000"/>
-              <a:buFont typeface="Wingdings 3" charset="2"/>
-              <a:buChar char=""/>
-              <a:defRPr sz="1200" kern="1200">
-                <a:solidFill>
-                  <a:schemeClr val="tx1">
-                    <a:lumMod val="75000"/>
-                    <a:lumOff val="25000"/>
-                  </a:schemeClr>
-                </a:solidFill>
-                <a:latin typeface="+mn-lt"/>
-                <a:ea typeface="+mn-ea"/>
-                <a:cs typeface="+mn-cs"/>
-              </a:defRPr>
-            </a:lvl9pPr>
-          </a:lstStyle>
-          <a:p>
-            <a:pPr marL="0" indent="0">
-              <a:buNone/>
-            </a:pPr>
-            <a:r>
-              <a:rPr lang="en-US" b="1" dirty="0"/>
-              <a:t>Game Functionality Sub-Team</a:t>
-            </a:r>
-          </a:p>
-          <a:p>
-            <a:r>
-              <a:rPr lang="en-US" sz="1600" dirty="0"/>
-              <a:t>Develop model to mimic stock market for players to interact with</a:t>
-            </a:r>
-          </a:p>
-          <a:p>
-            <a:r>
-              <a:rPr lang="en-US" sz="1600" dirty="0"/>
-              <a:t>Create Stock Generator class to output a graph of the simulation for players to interact with</a:t>
-            </a:r>
-          </a:p>
-          <a:p>
-            <a:r>
-              <a:rPr lang="en-US" sz="1600" dirty="0"/>
-              <a:t>Develop game logic</a:t>
-            </a:r>
-          </a:p>
-          <a:p>
-            <a:pPr lvl="1"/>
-            <a:r>
-              <a:rPr lang="en-US" sz="1400" dirty="0"/>
-              <a:t>Logic of how players interact with the interface</a:t>
-            </a:r>
-          </a:p>
-        </p:txBody>
-      </p:sp>
-    </p:spTree>
-    <p:extLst>
-      <p:ext uri="{BB962C8B-B14F-4D97-AF65-F5344CB8AC3E}">
-        <p14:creationId xmlns:p14="http://schemas.microsoft.com/office/powerpoint/2010/main" val="2212194378"/>
-      </p:ext>
-    </p:extLst>
-  </p:cSld>
-  <p:clrMapOvr>
-    <a:masterClrMapping/>
-  </p:clrMapOvr>
-</p:sld>
-</file>
-
-<file path=ppt/slides/slide6.xml><?xml version="1.0" encoding="utf-8"?>
 <p:sld xmlns:a="http://schemas.openxmlformats.org/drawingml/2006/main" xmlns:r="http://schemas.openxmlformats.org/officeDocument/2006/relationships" xmlns:p="http://schemas.openxmlformats.org/presentationml/2006/main">
   <p:cSld>
     <p:bg>
@@ -9966,7 +9001,7 @@
 </p:sld>
 </file>
 
-<file path=ppt/slides/slide7.xml><?xml version="1.0" encoding="utf-8"?>
+<file path=ppt/slides/slide6.xml><?xml version="1.0" encoding="utf-8"?>
 <p:sld xmlns:a="http://schemas.openxmlformats.org/drawingml/2006/main" xmlns:r="http://schemas.openxmlformats.org/officeDocument/2006/relationships" xmlns:p="http://schemas.openxmlformats.org/presentationml/2006/main">
   <p:cSld>
     <p:spTree>
@@ -10006,72 +9041,17 @@
           <a:p>
             <a:r>
               <a:rPr lang="en-US" dirty="0"/>
-              <a:t>Challenges</a:t>
-            </a:r>
-          </a:p>
-        </p:txBody>
-      </p:sp>
-      <p:sp>
-        <p:nvSpPr>
-          <p:cNvPr id="3" name="Content Placeholder 2">
+              <a:t>Work Distribution</a:t>
+            </a:r>
+          </a:p>
+        </p:txBody>
+      </p:sp>
+      <p:sp>
+        <p:nvSpPr>
+          <p:cNvPr id="8" name="Content Placeholder 2">
             <a:extLst>
               <a:ext uri="{FF2B5EF4-FFF2-40B4-BE49-F238E27FC236}">
-                <a16:creationId xmlns:a16="http://schemas.microsoft.com/office/drawing/2014/main" id="{8A6C16F0-F66B-F249-A746-7A5A843AC310}"/>
-              </a:ext>
-            </a:extLst>
-          </p:cNvPr>
-          <p:cNvSpPr>
-            <a:spLocks noGrp="1"/>
-          </p:cNvSpPr>
-          <p:nvPr>
-            <p:ph sz="half" idx="1"/>
-          </p:nvPr>
-        </p:nvSpPr>
-        <p:spPr>
-          <a:xfrm>
-            <a:off x="513798" y="2165942"/>
-            <a:ext cx="2909928" cy="3880772"/>
-          </a:xfrm>
-        </p:spPr>
-        <p:txBody>
-          <a:bodyPr/>
-          <a:lstStyle/>
-          <a:p>
-            <a:pPr marL="0" indent="0">
-              <a:buNone/>
-            </a:pPr>
-            <a:r>
-              <a:rPr lang="en-US" b="1" dirty="0"/>
-              <a:t>Front-End Sub-Team</a:t>
-            </a:r>
-          </a:p>
-          <a:p>
-            <a:r>
-              <a:rPr lang="en-US" sz="1600" dirty="0"/>
-              <a:t>Real-time graphing data</a:t>
-            </a:r>
-          </a:p>
-          <a:p>
-            <a:r>
-              <a:rPr lang="en-US" sz="1600" dirty="0"/>
-              <a:t>Learning Qt</a:t>
-            </a:r>
-          </a:p>
-          <a:p>
-            <a:pPr lvl="1"/>
-            <a:r>
-              <a:rPr lang="en-US" sz="1400" dirty="0"/>
-              <a:t>Many Qt only aspects to understand</a:t>
-            </a:r>
-          </a:p>
-        </p:txBody>
-      </p:sp>
-      <p:sp>
-        <p:nvSpPr>
-          <p:cNvPr id="9" name="Content Placeholder 2">
-            <a:extLst>
-              <a:ext uri="{FF2B5EF4-FFF2-40B4-BE49-F238E27FC236}">
-                <a16:creationId xmlns:a16="http://schemas.microsoft.com/office/drawing/2014/main" id="{20C890E4-6B78-5E43-A323-31B566222CDA}"/>
+                <a16:creationId xmlns:a16="http://schemas.microsoft.com/office/drawing/2014/main" id="{7F8D635A-75AF-8242-9935-F4EEBAB74255}"/>
               </a:ext>
             </a:extLst>
           </p:cNvPr>
@@ -10082,7 +9062,7 @@
         </p:nvSpPr>
         <p:spPr>
           <a:xfrm>
-            <a:off x="3326748" y="2165942"/>
+            <a:off x="677335" y="2160589"/>
             <a:ext cx="2909928" cy="3880772"/>
           </a:xfrm>
           <a:prstGeom prst="rect">
@@ -10322,6 +9302,284 @@
           </a:lstStyle>
           <a:p>
             <a:pPr marL="0" indent="0">
+              <a:buFont typeface="Wingdings 3" charset="2"/>
+              <a:buNone/>
+            </a:pPr>
+            <a:r>
+              <a:rPr lang="en-US" b="1" dirty="0"/>
+              <a:t>Front-End Sub-Team</a:t>
+            </a:r>
+          </a:p>
+          <a:p>
+            <a:r>
+              <a:rPr lang="en-US" sz="1600" dirty="0"/>
+              <a:t>Dynamic graph</a:t>
+            </a:r>
+          </a:p>
+          <a:p>
+            <a:r>
+              <a:rPr lang="en-US" sz="1600" dirty="0"/>
+              <a:t>Multi-page GUI </a:t>
+            </a:r>
+          </a:p>
+        </p:txBody>
+      </p:sp>
+      <p:sp>
+        <p:nvSpPr>
+          <p:cNvPr id="11" name="Content Placeholder 2">
+            <a:extLst>
+              <a:ext uri="{FF2B5EF4-FFF2-40B4-BE49-F238E27FC236}">
+                <a16:creationId xmlns:a16="http://schemas.microsoft.com/office/drawing/2014/main" id="{0DE6A9F1-86C2-1046-A581-C182AD883B6E}"/>
+              </a:ext>
+            </a:extLst>
+          </p:cNvPr>
+          <p:cNvSpPr txBox="1">
+            <a:spLocks/>
+          </p:cNvSpPr>
+          <p:nvPr/>
+        </p:nvSpPr>
+        <p:spPr>
+          <a:xfrm>
+            <a:off x="3520704" y="2168821"/>
+            <a:ext cx="2909928" cy="3880772"/>
+          </a:xfrm>
+          <a:prstGeom prst="rect">
+            <a:avLst/>
+          </a:prstGeom>
+        </p:spPr>
+        <p:txBody>
+          <a:bodyPr vert="horz" lIns="91440" tIns="45720" rIns="91440" bIns="45720" rtlCol="0">
+            <a:normAutofit/>
+          </a:bodyPr>
+          <a:lstStyle>
+            <a:lvl1pPr marL="342900" indent="-342900" algn="l" defTabSz="457200" rtl="0" eaLnBrk="1" latinLnBrk="0" hangingPunct="1">
+              <a:spcBef>
+                <a:spcPts val="1000"/>
+              </a:spcBef>
+              <a:spcAft>
+                <a:spcPts val="0"/>
+              </a:spcAft>
+              <a:buClr>
+                <a:schemeClr val="accent1"/>
+              </a:buClr>
+              <a:buSzPct val="80000"/>
+              <a:buFont typeface="Wingdings 3" charset="2"/>
+              <a:buChar char=""/>
+              <a:defRPr sz="1800" kern="1200">
+                <a:solidFill>
+                  <a:schemeClr val="tx1">
+                    <a:lumMod val="75000"/>
+                    <a:lumOff val="25000"/>
+                  </a:schemeClr>
+                </a:solidFill>
+                <a:latin typeface="+mn-lt"/>
+                <a:ea typeface="+mn-ea"/>
+                <a:cs typeface="+mn-cs"/>
+              </a:defRPr>
+            </a:lvl1pPr>
+            <a:lvl2pPr marL="742950" indent="-285750" algn="l" defTabSz="457200" rtl="0" eaLnBrk="1" latinLnBrk="0" hangingPunct="1">
+              <a:spcBef>
+                <a:spcPts val="1000"/>
+              </a:spcBef>
+              <a:spcAft>
+                <a:spcPts val="0"/>
+              </a:spcAft>
+              <a:buClr>
+                <a:schemeClr val="accent1"/>
+              </a:buClr>
+              <a:buSzPct val="80000"/>
+              <a:buFont typeface="Wingdings 3" charset="2"/>
+              <a:buChar char=""/>
+              <a:defRPr sz="1600" kern="1200">
+                <a:solidFill>
+                  <a:schemeClr val="tx1">
+                    <a:lumMod val="75000"/>
+                    <a:lumOff val="25000"/>
+                  </a:schemeClr>
+                </a:solidFill>
+                <a:latin typeface="+mn-lt"/>
+                <a:ea typeface="+mn-ea"/>
+                <a:cs typeface="+mn-cs"/>
+              </a:defRPr>
+            </a:lvl2pPr>
+            <a:lvl3pPr marL="1143000" indent="-228600" algn="l" defTabSz="457200" rtl="0" eaLnBrk="1" latinLnBrk="0" hangingPunct="1">
+              <a:spcBef>
+                <a:spcPts val="1000"/>
+              </a:spcBef>
+              <a:spcAft>
+                <a:spcPts val="0"/>
+              </a:spcAft>
+              <a:buClr>
+                <a:schemeClr val="accent1"/>
+              </a:buClr>
+              <a:buSzPct val="80000"/>
+              <a:buFont typeface="Wingdings 3" charset="2"/>
+              <a:buChar char=""/>
+              <a:defRPr sz="1400" kern="1200">
+                <a:solidFill>
+                  <a:schemeClr val="tx1">
+                    <a:lumMod val="75000"/>
+                    <a:lumOff val="25000"/>
+                  </a:schemeClr>
+                </a:solidFill>
+                <a:latin typeface="+mn-lt"/>
+                <a:ea typeface="+mn-ea"/>
+                <a:cs typeface="+mn-cs"/>
+              </a:defRPr>
+            </a:lvl3pPr>
+            <a:lvl4pPr marL="1600200" indent="-228600" algn="l" defTabSz="457200" rtl="0" eaLnBrk="1" latinLnBrk="0" hangingPunct="1">
+              <a:spcBef>
+                <a:spcPts val="1000"/>
+              </a:spcBef>
+              <a:spcAft>
+                <a:spcPts val="0"/>
+              </a:spcAft>
+              <a:buClr>
+                <a:schemeClr val="accent1"/>
+              </a:buClr>
+              <a:buSzPct val="80000"/>
+              <a:buFont typeface="Wingdings 3" charset="2"/>
+              <a:buChar char=""/>
+              <a:defRPr sz="1200" kern="1200">
+                <a:solidFill>
+                  <a:schemeClr val="tx1">
+                    <a:lumMod val="75000"/>
+                    <a:lumOff val="25000"/>
+                  </a:schemeClr>
+                </a:solidFill>
+                <a:latin typeface="+mn-lt"/>
+                <a:ea typeface="+mn-ea"/>
+                <a:cs typeface="+mn-cs"/>
+              </a:defRPr>
+            </a:lvl4pPr>
+            <a:lvl5pPr marL="2057400" indent="-228600" algn="l" defTabSz="457200" rtl="0" eaLnBrk="1" latinLnBrk="0" hangingPunct="1">
+              <a:spcBef>
+                <a:spcPts val="1000"/>
+              </a:spcBef>
+              <a:spcAft>
+                <a:spcPts val="0"/>
+              </a:spcAft>
+              <a:buClr>
+                <a:schemeClr val="accent1"/>
+              </a:buClr>
+              <a:buSzPct val="80000"/>
+              <a:buFont typeface="Wingdings 3" charset="2"/>
+              <a:buChar char=""/>
+              <a:defRPr sz="1200" kern="1200">
+                <a:solidFill>
+                  <a:schemeClr val="tx1">
+                    <a:lumMod val="75000"/>
+                    <a:lumOff val="25000"/>
+                  </a:schemeClr>
+                </a:solidFill>
+                <a:latin typeface="+mn-lt"/>
+                <a:ea typeface="+mn-ea"/>
+                <a:cs typeface="+mn-cs"/>
+              </a:defRPr>
+            </a:lvl5pPr>
+            <a:lvl6pPr marL="2514600" indent="-228600" algn="l" defTabSz="457200" rtl="0" eaLnBrk="1" latinLnBrk="0" hangingPunct="1">
+              <a:spcBef>
+                <a:spcPts val="1000"/>
+              </a:spcBef>
+              <a:spcAft>
+                <a:spcPts val="0"/>
+              </a:spcAft>
+              <a:buClr>
+                <a:schemeClr val="accent1"/>
+              </a:buClr>
+              <a:buSzPct val="80000"/>
+              <a:buFont typeface="Wingdings 3" charset="2"/>
+              <a:buChar char=""/>
+              <a:defRPr sz="1200" kern="1200">
+                <a:solidFill>
+                  <a:schemeClr val="tx1">
+                    <a:lumMod val="75000"/>
+                    <a:lumOff val="25000"/>
+                  </a:schemeClr>
+                </a:solidFill>
+                <a:latin typeface="+mn-lt"/>
+                <a:ea typeface="+mn-ea"/>
+                <a:cs typeface="+mn-cs"/>
+              </a:defRPr>
+            </a:lvl6pPr>
+            <a:lvl7pPr marL="2971800" indent="-228600" algn="l" defTabSz="457200" rtl="0" eaLnBrk="1" latinLnBrk="0" hangingPunct="1">
+              <a:spcBef>
+                <a:spcPts val="1000"/>
+              </a:spcBef>
+              <a:spcAft>
+                <a:spcPts val="0"/>
+              </a:spcAft>
+              <a:buClr>
+                <a:schemeClr val="accent1"/>
+              </a:buClr>
+              <a:buSzPct val="80000"/>
+              <a:buFont typeface="Wingdings 3" charset="2"/>
+              <a:buChar char=""/>
+              <a:defRPr sz="1200" kern="1200">
+                <a:solidFill>
+                  <a:schemeClr val="tx1">
+                    <a:lumMod val="75000"/>
+                    <a:lumOff val="25000"/>
+                  </a:schemeClr>
+                </a:solidFill>
+                <a:latin typeface="+mn-lt"/>
+                <a:ea typeface="+mn-ea"/>
+                <a:cs typeface="+mn-cs"/>
+              </a:defRPr>
+            </a:lvl7pPr>
+            <a:lvl8pPr marL="3429000" indent="-228600" algn="l" defTabSz="457200" rtl="0" eaLnBrk="1" latinLnBrk="0" hangingPunct="1">
+              <a:spcBef>
+                <a:spcPts val="1000"/>
+              </a:spcBef>
+              <a:spcAft>
+                <a:spcPts val="0"/>
+              </a:spcAft>
+              <a:buClr>
+                <a:schemeClr val="accent1"/>
+              </a:buClr>
+              <a:buSzPct val="80000"/>
+              <a:buFont typeface="Wingdings 3" charset="2"/>
+              <a:buChar char=""/>
+              <a:defRPr sz="1200" kern="1200">
+                <a:solidFill>
+                  <a:schemeClr val="tx1">
+                    <a:lumMod val="75000"/>
+                    <a:lumOff val="25000"/>
+                  </a:schemeClr>
+                </a:solidFill>
+                <a:latin typeface="+mn-lt"/>
+                <a:ea typeface="+mn-ea"/>
+                <a:cs typeface="+mn-cs"/>
+              </a:defRPr>
+            </a:lvl8pPr>
+            <a:lvl9pPr marL="3886200" indent="-228600" algn="l" defTabSz="457200" rtl="0" eaLnBrk="1" latinLnBrk="0" hangingPunct="1">
+              <a:spcBef>
+                <a:spcPts val="1000"/>
+              </a:spcBef>
+              <a:spcAft>
+                <a:spcPts val="0"/>
+              </a:spcAft>
+              <a:buClr>
+                <a:schemeClr val="accent1"/>
+              </a:buClr>
+              <a:buSzPct val="80000"/>
+              <a:buFont typeface="Wingdings 3" charset="2"/>
+              <a:buChar char=""/>
+              <a:defRPr sz="1200" kern="1200">
+                <a:solidFill>
+                  <a:schemeClr val="tx1">
+                    <a:lumMod val="75000"/>
+                    <a:lumOff val="25000"/>
+                  </a:schemeClr>
+                </a:solidFill>
+                <a:latin typeface="+mn-lt"/>
+                <a:ea typeface="+mn-ea"/>
+                <a:cs typeface="+mn-cs"/>
+              </a:defRPr>
+            </a:lvl9pPr>
+          </a:lstStyle>
+          <a:p>
+            <a:pPr marL="0" indent="0">
               <a:buNone/>
             </a:pPr>
             <a:r>
@@ -10332,56 +9590,679 @@
           <a:p>
             <a:r>
               <a:rPr lang="en-US" sz="1600" dirty="0"/>
-              <a:t>Security issues on the client-side</a:t>
-            </a:r>
-          </a:p>
-          <a:p>
-            <a:pPr lvl="1"/>
-            <a:r>
-              <a:rPr lang="en-US" sz="1400" dirty="0"/>
-              <a:t>Client could hack the game &amp; cheat</a:t>
-            </a:r>
-            <a:endParaRPr lang="en-US" sz="1600" dirty="0"/>
+              <a:t>Server hosted on Linux</a:t>
+            </a:r>
           </a:p>
           <a:p>
             <a:r>
               <a:rPr lang="en-US" sz="1600" dirty="0"/>
-              <a:t>Have server run on Windows system	</a:t>
-            </a:r>
-          </a:p>
-          <a:p>
-            <a:pPr lvl="1"/>
-            <a:r>
-              <a:rPr lang="en-US" sz="1400" dirty="0"/>
-              <a:t>Switched to </a:t>
-            </a:r>
-            <a:r>
-              <a:rPr lang="en-US" sz="1400" dirty="0" err="1"/>
-              <a:t>linux</a:t>
-            </a:r>
-            <a:r>
-              <a:rPr lang="en-US" sz="1400" dirty="0"/>
-              <a:t> system</a:t>
+              <a:t>Sockets</a:t>
+            </a:r>
+          </a:p>
+          <a:p>
+            <a:r>
+              <a:rPr lang="en-US" sz="1600" dirty="0"/>
+              <a:t>Multithreading</a:t>
+            </a:r>
+          </a:p>
+        </p:txBody>
+      </p:sp>
+      <p:sp>
+        <p:nvSpPr>
+          <p:cNvPr id="12" name="Content Placeholder 2">
+            <a:extLst>
+              <a:ext uri="{FF2B5EF4-FFF2-40B4-BE49-F238E27FC236}">
+                <a16:creationId xmlns:a16="http://schemas.microsoft.com/office/drawing/2014/main" id="{3F6C7DC8-95F9-4A4E-979E-7D80010B12B7}"/>
+              </a:ext>
+            </a:extLst>
+          </p:cNvPr>
+          <p:cNvSpPr txBox="1">
+            <a:spLocks/>
+          </p:cNvSpPr>
+          <p:nvPr/>
+        </p:nvSpPr>
+        <p:spPr>
+          <a:xfrm>
+            <a:off x="6236676" y="2177053"/>
+            <a:ext cx="3793589" cy="3880772"/>
+          </a:xfrm>
+          <a:prstGeom prst="rect">
+            <a:avLst/>
+          </a:prstGeom>
+        </p:spPr>
+        <p:txBody>
+          <a:bodyPr vert="horz" lIns="91440" tIns="45720" rIns="91440" bIns="45720" rtlCol="0">
+            <a:normAutofit/>
+          </a:bodyPr>
+          <a:lstStyle>
+            <a:lvl1pPr marL="342900" indent="-342900" algn="l" defTabSz="457200" rtl="0" eaLnBrk="1" latinLnBrk="0" hangingPunct="1">
+              <a:spcBef>
+                <a:spcPts val="1000"/>
+              </a:spcBef>
+              <a:spcAft>
+                <a:spcPts val="0"/>
+              </a:spcAft>
+              <a:buClr>
+                <a:schemeClr val="accent1"/>
+              </a:buClr>
+              <a:buSzPct val="80000"/>
+              <a:buFont typeface="Wingdings 3" charset="2"/>
+              <a:buChar char=""/>
+              <a:defRPr sz="1800" kern="1200">
+                <a:solidFill>
+                  <a:schemeClr val="tx1">
+                    <a:lumMod val="75000"/>
+                    <a:lumOff val="25000"/>
+                  </a:schemeClr>
+                </a:solidFill>
+                <a:latin typeface="+mn-lt"/>
+                <a:ea typeface="+mn-ea"/>
+                <a:cs typeface="+mn-cs"/>
+              </a:defRPr>
+            </a:lvl1pPr>
+            <a:lvl2pPr marL="742950" indent="-285750" algn="l" defTabSz="457200" rtl="0" eaLnBrk="1" latinLnBrk="0" hangingPunct="1">
+              <a:spcBef>
+                <a:spcPts val="1000"/>
+              </a:spcBef>
+              <a:spcAft>
+                <a:spcPts val="0"/>
+              </a:spcAft>
+              <a:buClr>
+                <a:schemeClr val="accent1"/>
+              </a:buClr>
+              <a:buSzPct val="80000"/>
+              <a:buFont typeface="Wingdings 3" charset="2"/>
+              <a:buChar char=""/>
+              <a:defRPr sz="1600" kern="1200">
+                <a:solidFill>
+                  <a:schemeClr val="tx1">
+                    <a:lumMod val="75000"/>
+                    <a:lumOff val="25000"/>
+                  </a:schemeClr>
+                </a:solidFill>
+                <a:latin typeface="+mn-lt"/>
+                <a:ea typeface="+mn-ea"/>
+                <a:cs typeface="+mn-cs"/>
+              </a:defRPr>
+            </a:lvl2pPr>
+            <a:lvl3pPr marL="1143000" indent="-228600" algn="l" defTabSz="457200" rtl="0" eaLnBrk="1" latinLnBrk="0" hangingPunct="1">
+              <a:spcBef>
+                <a:spcPts val="1000"/>
+              </a:spcBef>
+              <a:spcAft>
+                <a:spcPts val="0"/>
+              </a:spcAft>
+              <a:buClr>
+                <a:schemeClr val="accent1"/>
+              </a:buClr>
+              <a:buSzPct val="80000"/>
+              <a:buFont typeface="Wingdings 3" charset="2"/>
+              <a:buChar char=""/>
+              <a:defRPr sz="1400" kern="1200">
+                <a:solidFill>
+                  <a:schemeClr val="tx1">
+                    <a:lumMod val="75000"/>
+                    <a:lumOff val="25000"/>
+                  </a:schemeClr>
+                </a:solidFill>
+                <a:latin typeface="+mn-lt"/>
+                <a:ea typeface="+mn-ea"/>
+                <a:cs typeface="+mn-cs"/>
+              </a:defRPr>
+            </a:lvl3pPr>
+            <a:lvl4pPr marL="1600200" indent="-228600" algn="l" defTabSz="457200" rtl="0" eaLnBrk="1" latinLnBrk="0" hangingPunct="1">
+              <a:spcBef>
+                <a:spcPts val="1000"/>
+              </a:spcBef>
+              <a:spcAft>
+                <a:spcPts val="0"/>
+              </a:spcAft>
+              <a:buClr>
+                <a:schemeClr val="accent1"/>
+              </a:buClr>
+              <a:buSzPct val="80000"/>
+              <a:buFont typeface="Wingdings 3" charset="2"/>
+              <a:buChar char=""/>
+              <a:defRPr sz="1200" kern="1200">
+                <a:solidFill>
+                  <a:schemeClr val="tx1">
+                    <a:lumMod val="75000"/>
+                    <a:lumOff val="25000"/>
+                  </a:schemeClr>
+                </a:solidFill>
+                <a:latin typeface="+mn-lt"/>
+                <a:ea typeface="+mn-ea"/>
+                <a:cs typeface="+mn-cs"/>
+              </a:defRPr>
+            </a:lvl4pPr>
+            <a:lvl5pPr marL="2057400" indent="-228600" algn="l" defTabSz="457200" rtl="0" eaLnBrk="1" latinLnBrk="0" hangingPunct="1">
+              <a:spcBef>
+                <a:spcPts val="1000"/>
+              </a:spcBef>
+              <a:spcAft>
+                <a:spcPts val="0"/>
+              </a:spcAft>
+              <a:buClr>
+                <a:schemeClr val="accent1"/>
+              </a:buClr>
+              <a:buSzPct val="80000"/>
+              <a:buFont typeface="Wingdings 3" charset="2"/>
+              <a:buChar char=""/>
+              <a:defRPr sz="1200" kern="1200">
+                <a:solidFill>
+                  <a:schemeClr val="tx1">
+                    <a:lumMod val="75000"/>
+                    <a:lumOff val="25000"/>
+                  </a:schemeClr>
+                </a:solidFill>
+                <a:latin typeface="+mn-lt"/>
+                <a:ea typeface="+mn-ea"/>
+                <a:cs typeface="+mn-cs"/>
+              </a:defRPr>
+            </a:lvl5pPr>
+            <a:lvl6pPr marL="2514600" indent="-228600" algn="l" defTabSz="457200" rtl="0" eaLnBrk="1" latinLnBrk="0" hangingPunct="1">
+              <a:spcBef>
+                <a:spcPts val="1000"/>
+              </a:spcBef>
+              <a:spcAft>
+                <a:spcPts val="0"/>
+              </a:spcAft>
+              <a:buClr>
+                <a:schemeClr val="accent1"/>
+              </a:buClr>
+              <a:buSzPct val="80000"/>
+              <a:buFont typeface="Wingdings 3" charset="2"/>
+              <a:buChar char=""/>
+              <a:defRPr sz="1200" kern="1200">
+                <a:solidFill>
+                  <a:schemeClr val="tx1">
+                    <a:lumMod val="75000"/>
+                    <a:lumOff val="25000"/>
+                  </a:schemeClr>
+                </a:solidFill>
+                <a:latin typeface="+mn-lt"/>
+                <a:ea typeface="+mn-ea"/>
+                <a:cs typeface="+mn-cs"/>
+              </a:defRPr>
+            </a:lvl6pPr>
+            <a:lvl7pPr marL="2971800" indent="-228600" algn="l" defTabSz="457200" rtl="0" eaLnBrk="1" latinLnBrk="0" hangingPunct="1">
+              <a:spcBef>
+                <a:spcPts val="1000"/>
+              </a:spcBef>
+              <a:spcAft>
+                <a:spcPts val="0"/>
+              </a:spcAft>
+              <a:buClr>
+                <a:schemeClr val="accent1"/>
+              </a:buClr>
+              <a:buSzPct val="80000"/>
+              <a:buFont typeface="Wingdings 3" charset="2"/>
+              <a:buChar char=""/>
+              <a:defRPr sz="1200" kern="1200">
+                <a:solidFill>
+                  <a:schemeClr val="tx1">
+                    <a:lumMod val="75000"/>
+                    <a:lumOff val="25000"/>
+                  </a:schemeClr>
+                </a:solidFill>
+                <a:latin typeface="+mn-lt"/>
+                <a:ea typeface="+mn-ea"/>
+                <a:cs typeface="+mn-cs"/>
+              </a:defRPr>
+            </a:lvl7pPr>
+            <a:lvl8pPr marL="3429000" indent="-228600" algn="l" defTabSz="457200" rtl="0" eaLnBrk="1" latinLnBrk="0" hangingPunct="1">
+              <a:spcBef>
+                <a:spcPts val="1000"/>
+              </a:spcBef>
+              <a:spcAft>
+                <a:spcPts val="0"/>
+              </a:spcAft>
+              <a:buClr>
+                <a:schemeClr val="accent1"/>
+              </a:buClr>
+              <a:buSzPct val="80000"/>
+              <a:buFont typeface="Wingdings 3" charset="2"/>
+              <a:buChar char=""/>
+              <a:defRPr sz="1200" kern="1200">
+                <a:solidFill>
+                  <a:schemeClr val="tx1">
+                    <a:lumMod val="75000"/>
+                    <a:lumOff val="25000"/>
+                  </a:schemeClr>
+                </a:solidFill>
+                <a:latin typeface="+mn-lt"/>
+                <a:ea typeface="+mn-ea"/>
+                <a:cs typeface="+mn-cs"/>
+              </a:defRPr>
+            </a:lvl8pPr>
+            <a:lvl9pPr marL="3886200" indent="-228600" algn="l" defTabSz="457200" rtl="0" eaLnBrk="1" latinLnBrk="0" hangingPunct="1">
+              <a:spcBef>
+                <a:spcPts val="1000"/>
+              </a:spcBef>
+              <a:spcAft>
+                <a:spcPts val="0"/>
+              </a:spcAft>
+              <a:buClr>
+                <a:schemeClr val="accent1"/>
+              </a:buClr>
+              <a:buSzPct val="80000"/>
+              <a:buFont typeface="Wingdings 3" charset="2"/>
+              <a:buChar char=""/>
+              <a:defRPr sz="1200" kern="1200">
+                <a:solidFill>
+                  <a:schemeClr val="tx1">
+                    <a:lumMod val="75000"/>
+                    <a:lumOff val="25000"/>
+                  </a:schemeClr>
+                </a:solidFill>
+                <a:latin typeface="+mn-lt"/>
+                <a:ea typeface="+mn-ea"/>
+                <a:cs typeface="+mn-cs"/>
+              </a:defRPr>
+            </a:lvl9pPr>
+          </a:lstStyle>
+          <a:p>
+            <a:pPr marL="0" indent="0">
+              <a:buNone/>
+            </a:pPr>
+            <a:r>
+              <a:rPr lang="en-US" b="1" dirty="0"/>
+              <a:t>Game Functionality Sub-Team</a:t>
+            </a:r>
+          </a:p>
+          <a:p>
+            <a:r>
+              <a:rPr lang="en-US" sz="1600" dirty="0"/>
+              <a:t>Develop stock model </a:t>
+            </a:r>
+          </a:p>
+          <a:p>
+            <a:r>
+              <a:rPr lang="en-US" sz="1600" dirty="0"/>
+              <a:t>Develop game logic</a:t>
+            </a:r>
+          </a:p>
+        </p:txBody>
+      </p:sp>
+    </p:spTree>
+    <p:extLst>
+      <p:ext uri="{BB962C8B-B14F-4D97-AF65-F5344CB8AC3E}">
+        <p14:creationId xmlns:p14="http://schemas.microsoft.com/office/powerpoint/2010/main" val="2212194378"/>
+      </p:ext>
+    </p:extLst>
+  </p:cSld>
+  <p:clrMapOvr>
+    <a:masterClrMapping/>
+  </p:clrMapOvr>
+</p:sld>
+</file>
+
+<file path=ppt/slides/slide7.xml><?xml version="1.0" encoding="utf-8"?>
+<p:sld xmlns:a="http://schemas.openxmlformats.org/drawingml/2006/main" xmlns:r="http://schemas.openxmlformats.org/officeDocument/2006/relationships" xmlns:p="http://schemas.openxmlformats.org/presentationml/2006/main">
+  <p:cSld>
+    <p:spTree>
+      <p:nvGrpSpPr>
+        <p:cNvPr id="1" name=""/>
+        <p:cNvGrpSpPr/>
+        <p:nvPr/>
+      </p:nvGrpSpPr>
+      <p:grpSpPr>
+        <a:xfrm>
+          <a:off x="0" y="0"/>
+          <a:ext cx="0" cy="0"/>
+          <a:chOff x="0" y="0"/>
+          <a:chExt cx="0" cy="0"/>
+        </a:xfrm>
+      </p:grpSpPr>
+      <p:sp>
+        <p:nvSpPr>
+          <p:cNvPr id="2" name="Title 1">
+            <a:extLst>
+              <a:ext uri="{FF2B5EF4-FFF2-40B4-BE49-F238E27FC236}">
+                <a16:creationId xmlns:a16="http://schemas.microsoft.com/office/drawing/2014/main" id="{8171B732-FAED-2E42-9CEF-7E91F21E47B9}"/>
+              </a:ext>
+            </a:extLst>
+          </p:cNvPr>
+          <p:cNvSpPr>
+            <a:spLocks noGrp="1"/>
+          </p:cNvSpPr>
+          <p:nvPr>
+            <p:ph type="title"/>
+          </p:nvPr>
+        </p:nvSpPr>
+        <p:spPr/>
+        <p:txBody>
+          <a:bodyPr/>
+          <a:lstStyle/>
+          <a:p>
+            <a:r>
+              <a:rPr lang="en-US" dirty="0"/>
+              <a:t>Challenges</a:t>
+            </a:r>
+          </a:p>
+        </p:txBody>
+      </p:sp>
+      <p:sp>
+        <p:nvSpPr>
+          <p:cNvPr id="3" name="Content Placeholder 2">
+            <a:extLst>
+              <a:ext uri="{FF2B5EF4-FFF2-40B4-BE49-F238E27FC236}">
+                <a16:creationId xmlns:a16="http://schemas.microsoft.com/office/drawing/2014/main" id="{8A6C16F0-F66B-F249-A746-7A5A843AC310}"/>
+              </a:ext>
+            </a:extLst>
+          </p:cNvPr>
+          <p:cNvSpPr>
+            <a:spLocks noGrp="1"/>
+          </p:cNvSpPr>
+          <p:nvPr>
+            <p:ph sz="half" idx="1"/>
+          </p:nvPr>
+        </p:nvSpPr>
+        <p:spPr>
+          <a:xfrm>
+            <a:off x="513798" y="2165942"/>
+            <a:ext cx="2909928" cy="3880772"/>
+          </a:xfrm>
+        </p:spPr>
+        <p:txBody>
+          <a:bodyPr/>
+          <a:lstStyle/>
+          <a:p>
+            <a:pPr marL="0" indent="0">
+              <a:buNone/>
+            </a:pPr>
+            <a:r>
+              <a:rPr lang="en-US" b="1" dirty="0"/>
+              <a:t>Front-End Sub-Team</a:t>
+            </a:r>
+          </a:p>
+          <a:p>
+            <a:r>
+              <a:rPr lang="en-US" sz="1600" dirty="0"/>
+              <a:t>Real-time graphing data</a:t>
+            </a:r>
+          </a:p>
+          <a:p>
+            <a:r>
+              <a:rPr lang="en-US" sz="1600" dirty="0"/>
+              <a:t>Learning Qt</a:t>
+            </a:r>
+          </a:p>
+        </p:txBody>
+      </p:sp>
+      <p:sp>
+        <p:nvSpPr>
+          <p:cNvPr id="9" name="Content Placeholder 2">
+            <a:extLst>
+              <a:ext uri="{FF2B5EF4-FFF2-40B4-BE49-F238E27FC236}">
+                <a16:creationId xmlns:a16="http://schemas.microsoft.com/office/drawing/2014/main" id="{20C890E4-6B78-5E43-A323-31B566222CDA}"/>
+              </a:ext>
+            </a:extLst>
+          </p:cNvPr>
+          <p:cNvSpPr txBox="1">
+            <a:spLocks/>
+          </p:cNvSpPr>
+          <p:nvPr/>
+        </p:nvSpPr>
+        <p:spPr>
+          <a:xfrm>
+            <a:off x="3326748" y="2165942"/>
+            <a:ext cx="2909928" cy="3880772"/>
+          </a:xfrm>
+          <a:prstGeom prst="rect">
+            <a:avLst/>
+          </a:prstGeom>
+        </p:spPr>
+        <p:txBody>
+          <a:bodyPr vert="horz" lIns="91440" tIns="45720" rIns="91440" bIns="45720" rtlCol="0">
+            <a:normAutofit/>
+          </a:bodyPr>
+          <a:lstStyle>
+            <a:lvl1pPr marL="342900" indent="-342900" algn="l" defTabSz="457200" rtl="0" eaLnBrk="1" latinLnBrk="0" hangingPunct="1">
+              <a:spcBef>
+                <a:spcPts val="1000"/>
+              </a:spcBef>
+              <a:spcAft>
+                <a:spcPts val="0"/>
+              </a:spcAft>
+              <a:buClr>
+                <a:schemeClr val="accent1"/>
+              </a:buClr>
+              <a:buSzPct val="80000"/>
+              <a:buFont typeface="Wingdings 3" charset="2"/>
+              <a:buChar char=""/>
+              <a:defRPr sz="1800" kern="1200">
+                <a:solidFill>
+                  <a:schemeClr val="tx1">
+                    <a:lumMod val="75000"/>
+                    <a:lumOff val="25000"/>
+                  </a:schemeClr>
+                </a:solidFill>
+                <a:latin typeface="+mn-lt"/>
+                <a:ea typeface="+mn-ea"/>
+                <a:cs typeface="+mn-cs"/>
+              </a:defRPr>
+            </a:lvl1pPr>
+            <a:lvl2pPr marL="742950" indent="-285750" algn="l" defTabSz="457200" rtl="0" eaLnBrk="1" latinLnBrk="0" hangingPunct="1">
+              <a:spcBef>
+                <a:spcPts val="1000"/>
+              </a:spcBef>
+              <a:spcAft>
+                <a:spcPts val="0"/>
+              </a:spcAft>
+              <a:buClr>
+                <a:schemeClr val="accent1"/>
+              </a:buClr>
+              <a:buSzPct val="80000"/>
+              <a:buFont typeface="Wingdings 3" charset="2"/>
+              <a:buChar char=""/>
+              <a:defRPr sz="1600" kern="1200">
+                <a:solidFill>
+                  <a:schemeClr val="tx1">
+                    <a:lumMod val="75000"/>
+                    <a:lumOff val="25000"/>
+                  </a:schemeClr>
+                </a:solidFill>
+                <a:latin typeface="+mn-lt"/>
+                <a:ea typeface="+mn-ea"/>
+                <a:cs typeface="+mn-cs"/>
+              </a:defRPr>
+            </a:lvl2pPr>
+            <a:lvl3pPr marL="1143000" indent="-228600" algn="l" defTabSz="457200" rtl="0" eaLnBrk="1" latinLnBrk="0" hangingPunct="1">
+              <a:spcBef>
+                <a:spcPts val="1000"/>
+              </a:spcBef>
+              <a:spcAft>
+                <a:spcPts val="0"/>
+              </a:spcAft>
+              <a:buClr>
+                <a:schemeClr val="accent1"/>
+              </a:buClr>
+              <a:buSzPct val="80000"/>
+              <a:buFont typeface="Wingdings 3" charset="2"/>
+              <a:buChar char=""/>
+              <a:defRPr sz="1400" kern="1200">
+                <a:solidFill>
+                  <a:schemeClr val="tx1">
+                    <a:lumMod val="75000"/>
+                    <a:lumOff val="25000"/>
+                  </a:schemeClr>
+                </a:solidFill>
+                <a:latin typeface="+mn-lt"/>
+                <a:ea typeface="+mn-ea"/>
+                <a:cs typeface="+mn-cs"/>
+              </a:defRPr>
+            </a:lvl3pPr>
+            <a:lvl4pPr marL="1600200" indent="-228600" algn="l" defTabSz="457200" rtl="0" eaLnBrk="1" latinLnBrk="0" hangingPunct="1">
+              <a:spcBef>
+                <a:spcPts val="1000"/>
+              </a:spcBef>
+              <a:spcAft>
+                <a:spcPts val="0"/>
+              </a:spcAft>
+              <a:buClr>
+                <a:schemeClr val="accent1"/>
+              </a:buClr>
+              <a:buSzPct val="80000"/>
+              <a:buFont typeface="Wingdings 3" charset="2"/>
+              <a:buChar char=""/>
+              <a:defRPr sz="1200" kern="1200">
+                <a:solidFill>
+                  <a:schemeClr val="tx1">
+                    <a:lumMod val="75000"/>
+                    <a:lumOff val="25000"/>
+                  </a:schemeClr>
+                </a:solidFill>
+                <a:latin typeface="+mn-lt"/>
+                <a:ea typeface="+mn-ea"/>
+                <a:cs typeface="+mn-cs"/>
+              </a:defRPr>
+            </a:lvl4pPr>
+            <a:lvl5pPr marL="2057400" indent="-228600" algn="l" defTabSz="457200" rtl="0" eaLnBrk="1" latinLnBrk="0" hangingPunct="1">
+              <a:spcBef>
+                <a:spcPts val="1000"/>
+              </a:spcBef>
+              <a:spcAft>
+                <a:spcPts val="0"/>
+              </a:spcAft>
+              <a:buClr>
+                <a:schemeClr val="accent1"/>
+              </a:buClr>
+              <a:buSzPct val="80000"/>
+              <a:buFont typeface="Wingdings 3" charset="2"/>
+              <a:buChar char=""/>
+              <a:defRPr sz="1200" kern="1200">
+                <a:solidFill>
+                  <a:schemeClr val="tx1">
+                    <a:lumMod val="75000"/>
+                    <a:lumOff val="25000"/>
+                  </a:schemeClr>
+                </a:solidFill>
+                <a:latin typeface="+mn-lt"/>
+                <a:ea typeface="+mn-ea"/>
+                <a:cs typeface="+mn-cs"/>
+              </a:defRPr>
+            </a:lvl5pPr>
+            <a:lvl6pPr marL="2514600" indent="-228600" algn="l" defTabSz="457200" rtl="0" eaLnBrk="1" latinLnBrk="0" hangingPunct="1">
+              <a:spcBef>
+                <a:spcPts val="1000"/>
+              </a:spcBef>
+              <a:spcAft>
+                <a:spcPts val="0"/>
+              </a:spcAft>
+              <a:buClr>
+                <a:schemeClr val="accent1"/>
+              </a:buClr>
+              <a:buSzPct val="80000"/>
+              <a:buFont typeface="Wingdings 3" charset="2"/>
+              <a:buChar char=""/>
+              <a:defRPr sz="1200" kern="1200">
+                <a:solidFill>
+                  <a:schemeClr val="tx1">
+                    <a:lumMod val="75000"/>
+                    <a:lumOff val="25000"/>
+                  </a:schemeClr>
+                </a:solidFill>
+                <a:latin typeface="+mn-lt"/>
+                <a:ea typeface="+mn-ea"/>
+                <a:cs typeface="+mn-cs"/>
+              </a:defRPr>
+            </a:lvl6pPr>
+            <a:lvl7pPr marL="2971800" indent="-228600" algn="l" defTabSz="457200" rtl="0" eaLnBrk="1" latinLnBrk="0" hangingPunct="1">
+              <a:spcBef>
+                <a:spcPts val="1000"/>
+              </a:spcBef>
+              <a:spcAft>
+                <a:spcPts val="0"/>
+              </a:spcAft>
+              <a:buClr>
+                <a:schemeClr val="accent1"/>
+              </a:buClr>
+              <a:buSzPct val="80000"/>
+              <a:buFont typeface="Wingdings 3" charset="2"/>
+              <a:buChar char=""/>
+              <a:defRPr sz="1200" kern="1200">
+                <a:solidFill>
+                  <a:schemeClr val="tx1">
+                    <a:lumMod val="75000"/>
+                    <a:lumOff val="25000"/>
+                  </a:schemeClr>
+                </a:solidFill>
+                <a:latin typeface="+mn-lt"/>
+                <a:ea typeface="+mn-ea"/>
+                <a:cs typeface="+mn-cs"/>
+              </a:defRPr>
+            </a:lvl7pPr>
+            <a:lvl8pPr marL="3429000" indent="-228600" algn="l" defTabSz="457200" rtl="0" eaLnBrk="1" latinLnBrk="0" hangingPunct="1">
+              <a:spcBef>
+                <a:spcPts val="1000"/>
+              </a:spcBef>
+              <a:spcAft>
+                <a:spcPts val="0"/>
+              </a:spcAft>
+              <a:buClr>
+                <a:schemeClr val="accent1"/>
+              </a:buClr>
+              <a:buSzPct val="80000"/>
+              <a:buFont typeface="Wingdings 3" charset="2"/>
+              <a:buChar char=""/>
+              <a:defRPr sz="1200" kern="1200">
+                <a:solidFill>
+                  <a:schemeClr val="tx1">
+                    <a:lumMod val="75000"/>
+                    <a:lumOff val="25000"/>
+                  </a:schemeClr>
+                </a:solidFill>
+                <a:latin typeface="+mn-lt"/>
+                <a:ea typeface="+mn-ea"/>
+                <a:cs typeface="+mn-cs"/>
+              </a:defRPr>
+            </a:lvl8pPr>
+            <a:lvl9pPr marL="3886200" indent="-228600" algn="l" defTabSz="457200" rtl="0" eaLnBrk="1" latinLnBrk="0" hangingPunct="1">
+              <a:spcBef>
+                <a:spcPts val="1000"/>
+              </a:spcBef>
+              <a:spcAft>
+                <a:spcPts val="0"/>
+              </a:spcAft>
+              <a:buClr>
+                <a:schemeClr val="accent1"/>
+              </a:buClr>
+              <a:buSzPct val="80000"/>
+              <a:buFont typeface="Wingdings 3" charset="2"/>
+              <a:buChar char=""/>
+              <a:defRPr sz="1200" kern="1200">
+                <a:solidFill>
+                  <a:schemeClr val="tx1">
+                    <a:lumMod val="75000"/>
+                    <a:lumOff val="25000"/>
+                  </a:schemeClr>
+                </a:solidFill>
+                <a:latin typeface="+mn-lt"/>
+                <a:ea typeface="+mn-ea"/>
+                <a:cs typeface="+mn-cs"/>
+              </a:defRPr>
+            </a:lvl9pPr>
+          </a:lstStyle>
+          <a:p>
+            <a:pPr marL="0" indent="0">
+              <a:buNone/>
+            </a:pPr>
+            <a:r>
+              <a:rPr lang="en-US" b="1" dirty="0"/>
+              <a:t>Back-End Sub-Team</a:t>
+            </a:r>
+          </a:p>
+          <a:p>
+            <a:r>
+              <a:rPr lang="en-US" sz="1600" dirty="0"/>
+              <a:t>Security issues</a:t>
             </a:r>
           </a:p>
           <a:p>
             <a:r>
               <a:rPr lang="en-US" sz="1600" dirty="0"/>
               <a:t>Initial usage of web server for back-end</a:t>
-            </a:r>
-          </a:p>
-          <a:p>
-            <a:pPr lvl="1"/>
-            <a:r>
-              <a:rPr lang="en-US" sz="1400" dirty="0"/>
-              <a:t>Require HTTP request</a:t>
-            </a:r>
-          </a:p>
-          <a:p>
-            <a:pPr lvl="1"/>
-            <a:r>
-              <a:rPr lang="en-US" sz="1400" dirty="0"/>
-              <a:t>Switched to sockets</a:t>
             </a:r>
           </a:p>
           <a:p>
@@ -10937,12 +10818,6 @@
           <a:p>
             <a:r>
               <a:rPr lang="en-US" dirty="0"/>
-              <a:t>Button functionality integration with game logic</a:t>
-            </a:r>
-          </a:p>
-          <a:p>
-            <a:r>
-              <a:rPr lang="en-US" dirty="0"/>
               <a:t>Solidify game security</a:t>
             </a:r>
           </a:p>
@@ -10950,28 +10825,6 @@
             <a:r>
               <a:rPr lang="en-US" dirty="0"/>
               <a:t>Implement new game logic for additional features</a:t>
-            </a:r>
-          </a:p>
-          <a:p>
-            <a:pPr lvl="1"/>
-            <a:r>
-              <a:rPr lang="en-US" dirty="0"/>
-              <a:t>Buy out functionality</a:t>
-            </a:r>
-          </a:p>
-          <a:p>
-            <a:pPr lvl="1"/>
-            <a:r>
-              <a:rPr lang="en-US" dirty="0"/>
-              <a:t>Log out functionality</a:t>
-            </a:r>
-            <a:endParaRPr lang="en-US" sz="1800" dirty="0"/>
-          </a:p>
-          <a:p>
-            <a:pPr lvl="1"/>
-            <a:r>
-              <a:rPr lang="en-US" dirty="0"/>
-              <a:t>Per round fee</a:t>
             </a:r>
           </a:p>
           <a:p>

--- a/docs/CMPE 320 Final Group Presentation.pptx
+++ b/docs/CMPE 320 Final Group Presentation.pptx
@@ -216,7 +216,7 @@
           <a:p>
             <a:fld id="{C4FC6804-2B10-7A4C-8567-7E8DA1DD1FAF}" type="datetimeFigureOut">
               <a:rPr lang="en-US" smtClean="0"/>
-              <a:t>11/21/19</a:t>
+              <a:t>11/22/2019</a:t>
             </a:fld>
             <a:endParaRPr lang="en-US"/>
           </a:p>
@@ -528,139 +528,27 @@
           <a:lstStyle/>
           <a:p>
             <a:r>
-              <a:rPr lang="en-CA" sz="1200" b="0" i="0" kern="1200" dirty="0">
-                <a:solidFill>
-                  <a:schemeClr val="tx1"/>
-                </a:solidFill>
-                <a:effectLst/>
-                <a:latin typeface="+mn-lt"/>
-                <a:ea typeface="+mn-ea"/>
-                <a:cs typeface="+mn-cs"/>
-              </a:rPr>
-              <a:t>The player will observe a stock as its value climbs and falls. At some point, the player must decide when they want to sell their stock, aiming to make a profit before the value of the stock </a:t>
-            </a:r>
-            <a:r>
-              <a:rPr lang="en-CA" sz="1200" b="0" i="0" kern="1200" dirty="0" err="1">
-                <a:solidFill>
-                  <a:schemeClr val="tx1"/>
-                </a:solidFill>
-                <a:effectLst/>
-                <a:latin typeface="+mn-lt"/>
-                <a:ea typeface="+mn-ea"/>
-                <a:cs typeface="+mn-cs"/>
-              </a:rPr>
-              <a:t>inevitibly</a:t>
-            </a:r>
-            <a:r>
-              <a:rPr lang="en-CA" sz="1200" b="0" i="0" kern="1200" dirty="0">
-                <a:solidFill>
-                  <a:schemeClr val="tx1"/>
-                </a:solidFill>
-                <a:effectLst/>
-                <a:latin typeface="+mn-lt"/>
-                <a:ea typeface="+mn-ea"/>
-                <a:cs typeface="+mn-cs"/>
-              </a:rPr>
-              <a:t> plummets to being worthless.</a:t>
-            </a:r>
-          </a:p>
-          <a:p>
-            <a:endParaRPr lang="en-CA" sz="1200" b="0" i="0" kern="1200" dirty="0">
-              <a:solidFill>
-                <a:schemeClr val="tx1"/>
-              </a:solidFill>
-              <a:effectLst/>
-              <a:latin typeface="+mn-lt"/>
-              <a:ea typeface="+mn-ea"/>
-              <a:cs typeface="+mn-cs"/>
-            </a:endParaRPr>
-          </a:p>
-          <a:p>
-            <a:r>
-              <a:rPr lang="en-CA" sz="1200" b="0" i="0" kern="1200" dirty="0">
-                <a:solidFill>
-                  <a:schemeClr val="tx1"/>
-                </a:solidFill>
-                <a:effectLst/>
-                <a:latin typeface="+mn-lt"/>
-                <a:ea typeface="+mn-ea"/>
-                <a:cs typeface="+mn-cs"/>
-              </a:rPr>
-              <a:t>The functional requirements of the game will describe what the game does. These features will be described through user stories in the format of "As a (stakeholder), I want to (goal) so that (motivation)". </a:t>
-            </a:r>
-          </a:p>
-          <a:p>
-            <a:r>
-              <a:rPr lang="en-CA" sz="1200" b="0" i="0" kern="1200" dirty="0">
-                <a:solidFill>
-                  <a:schemeClr val="tx1"/>
-                </a:solidFill>
-                <a:effectLst/>
-                <a:latin typeface="+mn-lt"/>
-                <a:ea typeface="+mn-ea"/>
-                <a:cs typeface="+mn-cs"/>
-              </a:rPr>
-              <a:t>As a user, I want to create a unique account so that I can track my wins.</a:t>
-            </a:r>
-          </a:p>
-          <a:p>
-            <a:r>
-              <a:rPr lang="en-CA" sz="1200" b="0" i="0" kern="1200" dirty="0">
-                <a:solidFill>
-                  <a:schemeClr val="tx1"/>
-                </a:solidFill>
-                <a:effectLst/>
-                <a:latin typeface="+mn-lt"/>
-                <a:ea typeface="+mn-ea"/>
-                <a:cs typeface="+mn-cs"/>
-              </a:rPr>
-              <a:t>As a user, I want a secure login system so that other players can't access my account. </a:t>
-            </a:r>
-          </a:p>
-          <a:p>
-            <a:r>
-              <a:rPr lang="en-CA" sz="1200" b="0" i="0" kern="1200" dirty="0">
-                <a:solidFill>
-                  <a:schemeClr val="tx1"/>
-                </a:solidFill>
-                <a:effectLst/>
-                <a:latin typeface="+mn-lt"/>
-                <a:ea typeface="+mn-ea"/>
-                <a:cs typeface="+mn-cs"/>
-              </a:rPr>
-              <a:t>As a developer, I want to create buy out functionality so that the win condition can be met. </a:t>
-            </a:r>
-          </a:p>
-          <a:p>
-            <a:r>
-              <a:rPr lang="en-CA" sz="1200" b="0" i="0" kern="1200" dirty="0">
-                <a:solidFill>
-                  <a:schemeClr val="tx1"/>
-                </a:solidFill>
-                <a:effectLst/>
-                <a:latin typeface="+mn-lt"/>
-                <a:ea typeface="+mn-ea"/>
-                <a:cs typeface="+mn-cs"/>
-              </a:rPr>
-              <a:t>As a developer, I want to create a graph so that the game is interactive and visually pleasing for the users. </a:t>
-            </a:r>
-          </a:p>
-          <a:p>
-            <a:r>
-              <a:rPr lang="en-CA" sz="1200" b="0" i="0" kern="1200" dirty="0">
-                <a:solidFill>
-                  <a:schemeClr val="tx1"/>
-                </a:solidFill>
-                <a:effectLst/>
-                <a:latin typeface="+mn-lt"/>
-                <a:ea typeface="+mn-ea"/>
-                <a:cs typeface="+mn-cs"/>
-              </a:rPr>
-              <a:t>As a user, I want the game to be based off of historical stock data so that I educating myself will hopefully lead to better results.</a:t>
-            </a:r>
-          </a:p>
-          <a:p>
-            <a:endParaRPr lang="en-US" dirty="0"/>
+              <a:rPr lang="en-CA" dirty="0"/>
+              <a:t>Hello Class,</a:t>
+            </a:r>
+          </a:p>
+          <a:p>
+            <a:endParaRPr lang="en-CA" dirty="0"/>
+          </a:p>
+          <a:p>
+            <a:r>
+              <a:rPr lang="en-CA" dirty="0"/>
+              <a:t>We’re Team Avatar</a:t>
+            </a:r>
+          </a:p>
+          <a:p>
+            <a:endParaRPr lang="en-CA" dirty="0"/>
+          </a:p>
+          <a:p>
+            <a:r>
+              <a:rPr lang="en-CA" dirty="0"/>
+              <a:t> and today we’ll be presenting our term project Crash!</a:t>
+            </a:r>
           </a:p>
         </p:txBody>
       </p:sp>
@@ -681,7 +569,7 @@
           <a:p>
             <a:fld id="{E4A74916-00A0-C849-8911-B521A9C8724E}" type="slidenum">
               <a:rPr lang="en-US" smtClean="0"/>
-              <a:t>2</a:t>
+              <a:t>1</a:t>
             </a:fld>
             <a:endParaRPr lang="en-US"/>
           </a:p>
@@ -690,7 +578,7 @@
     </p:spTree>
     <p:extLst>
       <p:ext uri="{BB962C8B-B14F-4D97-AF65-F5344CB8AC3E}">
-        <p14:creationId xmlns:p14="http://schemas.microsoft.com/office/powerpoint/2010/main" val="677959383"/>
+        <p14:creationId xmlns:p14="http://schemas.microsoft.com/office/powerpoint/2010/main" val="3516085009"/>
       </p:ext>
     </p:extLst>
   </p:cSld>
@@ -745,103 +633,69 @@
           <a:lstStyle/>
           <a:p>
             <a:r>
-              <a:rPr lang="en-CA" sz="1200" b="0" i="0" kern="1200" dirty="0">
-                <a:solidFill>
-                  <a:schemeClr val="tx1"/>
-                </a:solidFill>
+              <a:rPr lang="en-US" dirty="0">
                 <a:effectLst/>
-                <a:latin typeface="+mn-lt"/>
-                <a:ea typeface="+mn-ea"/>
-                <a:cs typeface="+mn-cs"/>
               </a:rPr>
-              <a:t>Game Layout:</a:t>
-            </a:r>
-          </a:p>
-          <a:p>
-            <a:r>
-              <a:rPr lang="en-CA" sz="1200" b="0" i="0" kern="1200" dirty="0">
-                <a:solidFill>
-                  <a:schemeClr val="tx1"/>
-                </a:solidFill>
+              <a:t>Crash! is a game for people who enjoy a little risk in their life! Our multiplayer game allows for players to participate in a stock simulation battle in an attempt to out-perform their friends.</a:t>
+            </a:r>
+          </a:p>
+          <a:p>
+            <a:endParaRPr lang="en-US" dirty="0">
+              <a:effectLst/>
+            </a:endParaRPr>
+          </a:p>
+          <a:p>
+            <a:r>
+              <a:rPr lang="en-US" dirty="0">
                 <a:effectLst/>
-                <a:latin typeface="+mn-lt"/>
-                <a:ea typeface="+mn-ea"/>
-                <a:cs typeface="+mn-cs"/>
               </a:rPr>
-              <a:t>Login in with unique username credentials.</a:t>
-            </a:r>
-          </a:p>
-          <a:p>
-            <a:r>
-              <a:rPr lang="en-CA" sz="1200" b="0" i="0" kern="1200" dirty="0">
-                <a:solidFill>
-                  <a:schemeClr val="tx1"/>
-                </a:solidFill>
+              <a:t>And no not two players on a keyboard “Multiplayer”, we’re talking real, online multiplayer. </a:t>
+            </a:r>
+          </a:p>
+          <a:p>
+            <a:endParaRPr lang="en-US" dirty="0">
+              <a:effectLst/>
+            </a:endParaRPr>
+          </a:p>
+          <a:p>
+            <a:r>
+              <a:rPr lang="en-US" dirty="0">
                 <a:effectLst/>
-                <a:latin typeface="+mn-lt"/>
-                <a:ea typeface="+mn-ea"/>
-                <a:cs typeface="+mn-cs"/>
               </a:rPr>
-              <a:t>Join the lobby with other players until game is ready to start.</a:t>
-            </a:r>
-          </a:p>
-          <a:p>
-            <a:r>
-              <a:rPr lang="en-CA" sz="1200" b="0" i="0" kern="1200" dirty="0">
-                <a:solidFill>
-                  <a:schemeClr val="tx1"/>
-                </a:solidFill>
+              <a:t> Players play for 3 rounds with a different stock each time, and at the end of 3 rounds, the player with the most amount of accumulated capital wins.</a:t>
+            </a:r>
+          </a:p>
+          <a:p>
+            <a:endParaRPr lang="en-US" dirty="0">
+              <a:effectLst/>
+            </a:endParaRPr>
+          </a:p>
+          <a:p>
+            <a:r>
+              <a:rPr lang="en-US" dirty="0">
                 <a:effectLst/>
-                <a:latin typeface="+mn-lt"/>
-                <a:ea typeface="+mn-ea"/>
-                <a:cs typeface="+mn-cs"/>
               </a:rPr>
-              <a:t>Game initializes &amp; simulation begins. At the beginning of the game, each user is given the same amount of initial capital which can be used before each round to purchase shares in the current stock.</a:t>
-            </a:r>
-          </a:p>
-          <a:p>
-            <a:r>
-              <a:rPr lang="en-CA" sz="1200" b="0" i="0" kern="1200" dirty="0">
-                <a:solidFill>
-                  <a:schemeClr val="tx1"/>
-                </a:solidFill>
+              <a:t> The game play is based on fast paced decision making during the round with unpredictable outcomes, all in an attempt to beat the market. As such, </a:t>
+            </a:r>
+            <a:r>
+              <a:rPr lang="en-US" dirty="0" err="1">
                 <a:effectLst/>
-                <a:latin typeface="+mn-lt"/>
-                <a:ea typeface="+mn-ea"/>
-                <a:cs typeface="+mn-cs"/>
               </a:rPr>
-              <a:t>During each round the user will be able to liquidate their stock at any point in time with the goal of pulling out before the round crashes while maximizing their growth. </a:t>
-            </a:r>
-          </a:p>
-          <a:p>
-            <a:r>
-              <a:rPr lang="en-CA" sz="1200" b="0" i="0" kern="1200" dirty="0">
-                <a:solidFill>
-                  <a:schemeClr val="tx1"/>
-                </a:solidFill>
+              <a:t>Fazeel</a:t>
+            </a:r>
+            <a:r>
+              <a:rPr lang="en-US" dirty="0">
                 <a:effectLst/>
-                <a:latin typeface="+mn-lt"/>
-                <a:ea typeface="+mn-ea"/>
-                <a:cs typeface="+mn-cs"/>
               </a:rPr>
-              <a:t>During and in between rounds the players will have the ability buy out other players which leads to the win condition of the game (last man standing).  </a:t>
-            </a:r>
-          </a:p>
-          <a:p>
-            <a:r>
-              <a:rPr lang="en-CA" sz="1200" b="0" i="0" kern="1200" dirty="0">
-                <a:solidFill>
-                  <a:schemeClr val="tx1"/>
-                </a:solidFill>
+              <a:t> and I will present our demo.  </a:t>
+            </a:r>
+          </a:p>
+          <a:p>
+            <a:br>
+              <a:rPr lang="en-US" dirty="0">
                 <a:effectLst/>
-                <a:latin typeface="+mn-lt"/>
-                <a:ea typeface="+mn-ea"/>
-                <a:cs typeface="+mn-cs"/>
               </a:rPr>
-              <a:t>Upon game completion, winner will have their win count updated in the .json file. </a:t>
-            </a:r>
-          </a:p>
-          <a:p>
+            </a:br>
             <a:endParaRPr lang="en-US" dirty="0"/>
           </a:p>
         </p:txBody>
@@ -863,7 +717,7 @@
           <a:p>
             <a:fld id="{E4A74916-00A0-C849-8911-B521A9C8724E}" type="slidenum">
               <a:rPr lang="en-US" smtClean="0"/>
-              <a:t>3</a:t>
+              <a:t>2</a:t>
             </a:fld>
             <a:endParaRPr lang="en-US"/>
           </a:p>
@@ -872,7 +726,7 @@
     </p:spTree>
     <p:extLst>
       <p:ext uri="{BB962C8B-B14F-4D97-AF65-F5344CB8AC3E}">
-        <p14:creationId xmlns:p14="http://schemas.microsoft.com/office/powerpoint/2010/main" val="1379127382"/>
+        <p14:creationId xmlns:p14="http://schemas.microsoft.com/office/powerpoint/2010/main" val="677959383"/>
       </p:ext>
     </p:extLst>
   </p:cSld>
@@ -926,6 +780,104 @@
           <a:bodyPr/>
           <a:lstStyle/>
           <a:p>
+            <a:r>
+              <a:rPr lang="en-CA" sz="1200" b="0" i="0" kern="1200" dirty="0">
+                <a:solidFill>
+                  <a:schemeClr val="tx1"/>
+                </a:solidFill>
+                <a:effectLst/>
+                <a:latin typeface="+mn-lt"/>
+                <a:ea typeface="+mn-ea"/>
+                <a:cs typeface="+mn-cs"/>
+              </a:rPr>
+              <a:t>Game Layout:</a:t>
+            </a:r>
+          </a:p>
+          <a:p>
+            <a:r>
+              <a:rPr lang="en-CA" sz="1200" b="0" i="0" kern="1200" dirty="0">
+                <a:solidFill>
+                  <a:schemeClr val="tx1"/>
+                </a:solidFill>
+                <a:effectLst/>
+                <a:latin typeface="+mn-lt"/>
+                <a:ea typeface="+mn-ea"/>
+                <a:cs typeface="+mn-cs"/>
+              </a:rPr>
+              <a:t>Login in with unique username credentials.</a:t>
+            </a:r>
+          </a:p>
+          <a:p>
+            <a:r>
+              <a:rPr lang="en-CA" sz="1200" b="0" i="0" kern="1200" dirty="0">
+                <a:solidFill>
+                  <a:schemeClr val="tx1"/>
+                </a:solidFill>
+                <a:effectLst/>
+                <a:latin typeface="+mn-lt"/>
+                <a:ea typeface="+mn-ea"/>
+                <a:cs typeface="+mn-cs"/>
+              </a:rPr>
+              <a:t>Join the lobby with other players until game is ready to start.</a:t>
+            </a:r>
+          </a:p>
+          <a:p>
+            <a:r>
+              <a:rPr lang="en-CA" sz="1200" b="0" i="0" kern="1200" dirty="0">
+                <a:solidFill>
+                  <a:schemeClr val="tx1"/>
+                </a:solidFill>
+                <a:effectLst/>
+                <a:latin typeface="+mn-lt"/>
+                <a:ea typeface="+mn-ea"/>
+                <a:cs typeface="+mn-cs"/>
+              </a:rPr>
+              <a:t>Game initializes &amp; simulation begins. At the beginning of the game, each user is given the same amount of initial capital which can be used before each round to purchase shares in the current stock.</a:t>
+            </a:r>
+          </a:p>
+          <a:p>
+            <a:r>
+              <a:rPr lang="en-CA" sz="1200" b="0" i="0" kern="1200" dirty="0">
+                <a:solidFill>
+                  <a:schemeClr val="tx1"/>
+                </a:solidFill>
+                <a:effectLst/>
+                <a:latin typeface="+mn-lt"/>
+                <a:ea typeface="+mn-ea"/>
+                <a:cs typeface="+mn-cs"/>
+              </a:rPr>
+              <a:t>During each round the user will be able to liquidate their stock at any point in time with the goal of pulling out before the round crashes while maximizing their growth. </a:t>
+            </a:r>
+          </a:p>
+          <a:p>
+            <a:r>
+              <a:rPr lang="en-CA" sz="1200" b="0" i="0" kern="1200" dirty="0">
+                <a:solidFill>
+                  <a:schemeClr val="tx1"/>
+                </a:solidFill>
+                <a:effectLst/>
+                <a:latin typeface="+mn-lt"/>
+                <a:ea typeface="+mn-ea"/>
+                <a:cs typeface="+mn-cs"/>
+              </a:rPr>
+              <a:t>During and in between rounds the players will have the ability buy out other players which leads to the win condition of the game (last man standing).  </a:t>
+            </a:r>
+          </a:p>
+          <a:p>
+            <a:r>
+              <a:rPr lang="en-CA" sz="1200" b="0" i="0" kern="1200" dirty="0">
+                <a:solidFill>
+                  <a:schemeClr val="tx1"/>
+                </a:solidFill>
+                <a:effectLst/>
+                <a:latin typeface="+mn-lt"/>
+                <a:ea typeface="+mn-ea"/>
+                <a:cs typeface="+mn-cs"/>
+              </a:rPr>
+              <a:t>Upon game completion, winner will have their win count updated in the .json file. </a:t>
+            </a:r>
+          </a:p>
+          <a:p>
             <a:endParaRPr lang="en-US" dirty="0"/>
           </a:p>
         </p:txBody>
@@ -947,7 +899,7 @@
           <a:p>
             <a:fld id="{E4A74916-00A0-C849-8911-B521A9C8724E}" type="slidenum">
               <a:rPr lang="en-US" smtClean="0"/>
-              <a:t>4</a:t>
+              <a:t>3</a:t>
             </a:fld>
             <a:endParaRPr lang="en-US"/>
           </a:p>
@@ -956,7 +908,7 @@
     </p:spTree>
     <p:extLst>
       <p:ext uri="{BB962C8B-B14F-4D97-AF65-F5344CB8AC3E}">
-        <p14:creationId xmlns:p14="http://schemas.microsoft.com/office/powerpoint/2010/main" val="2711649176"/>
+        <p14:creationId xmlns:p14="http://schemas.microsoft.com/office/powerpoint/2010/main" val="1379127382"/>
       </p:ext>
     </p:extLst>
   </p:cSld>
@@ -1031,7 +983,7 @@
           <a:p>
             <a:fld id="{E4A74916-00A0-C849-8911-B521A9C8724E}" type="slidenum">
               <a:rPr lang="en-US" smtClean="0"/>
-              <a:t>5</a:t>
+              <a:t>4</a:t>
             </a:fld>
             <a:endParaRPr lang="en-US"/>
           </a:p>
@@ -1040,7 +992,7 @@
     </p:spTree>
     <p:extLst>
       <p:ext uri="{BB962C8B-B14F-4D97-AF65-F5344CB8AC3E}">
-        <p14:creationId xmlns:p14="http://schemas.microsoft.com/office/powerpoint/2010/main" val="1593874264"/>
+        <p14:creationId xmlns:p14="http://schemas.microsoft.com/office/powerpoint/2010/main" val="2711649176"/>
       </p:ext>
     </p:extLst>
   </p:cSld>
@@ -1094,269 +1046,6 @@
           <a:bodyPr/>
           <a:lstStyle/>
           <a:p>
-            <a:r>
-              <a:rPr lang="en-CA" sz="1200" b="0" i="0" kern="1200" dirty="0">
-                <a:solidFill>
-                  <a:schemeClr val="tx1"/>
-                </a:solidFill>
-                <a:effectLst/>
-                <a:latin typeface="+mn-lt"/>
-                <a:ea typeface="+mn-ea"/>
-                <a:cs typeface="+mn-cs"/>
-              </a:rPr>
-              <a:t>The playability of the game will be the primary focus during development. We will have playtesting sessions in order to ensure that the game is fun and working as intended (in addition to other tests). The game has multiple parameters that can be changed to make sure that it meets our desires.</a:t>
-            </a:r>
-          </a:p>
-          <a:p>
-            <a:r>
-              <a:rPr lang="en-CA" sz="1200" b="0" i="0" kern="1200" dirty="0">
-                <a:solidFill>
-                  <a:schemeClr val="tx1"/>
-                </a:solidFill>
-                <a:effectLst/>
-                <a:latin typeface="+mn-lt"/>
-                <a:ea typeface="+mn-ea"/>
-                <a:cs typeface="+mn-cs"/>
-              </a:rPr>
-              <a:t>Game mechanics:</a:t>
-            </a:r>
-          </a:p>
-          <a:p>
-            <a:r>
-              <a:rPr lang="en-CA" sz="1200" b="0" i="0" kern="1200" dirty="0">
-                <a:solidFill>
-                  <a:schemeClr val="tx1"/>
-                </a:solidFill>
-                <a:effectLst/>
-                <a:latin typeface="+mn-lt"/>
-                <a:ea typeface="+mn-ea"/>
-                <a:cs typeface="+mn-cs"/>
-              </a:rPr>
-              <a:t>Stock simulation based on historical data</a:t>
-            </a:r>
-          </a:p>
-          <a:p>
-            <a:pPr lvl="1"/>
-            <a:r>
-              <a:rPr lang="en-CA" sz="1200" b="0" i="0" kern="1200" dirty="0">
-                <a:solidFill>
-                  <a:schemeClr val="tx1"/>
-                </a:solidFill>
-                <a:effectLst/>
-                <a:latin typeface="+mn-lt"/>
-                <a:ea typeface="+mn-ea"/>
-                <a:cs typeface="+mn-cs"/>
-              </a:rPr>
-              <a:t>Players benefit from being knowledgeable in stock theory</a:t>
-            </a:r>
-          </a:p>
-          <a:p>
-            <a:pPr lvl="1"/>
-            <a:r>
-              <a:rPr lang="en-CA" sz="1200" b="0" i="0" kern="1200" dirty="0">
-                <a:solidFill>
-                  <a:schemeClr val="tx1"/>
-                </a:solidFill>
-                <a:effectLst/>
-                <a:latin typeface="+mn-lt"/>
-                <a:ea typeface="+mn-ea"/>
-                <a:cs typeface="+mn-cs"/>
-              </a:rPr>
-              <a:t>Player decides when they want to sell their stock, they are in control</a:t>
-            </a:r>
-          </a:p>
-          <a:p>
-            <a:pPr lvl="1"/>
-            <a:r>
-              <a:rPr lang="en-CA" sz="1200" b="0" i="0" kern="1200" dirty="0">
-                <a:solidFill>
-                  <a:schemeClr val="tx1"/>
-                </a:solidFill>
-                <a:effectLst/>
-                <a:latin typeface="+mn-lt"/>
-                <a:ea typeface="+mn-ea"/>
-                <a:cs typeface="+mn-cs"/>
-              </a:rPr>
-              <a:t>Randomization added to make the game nondeterministic</a:t>
-            </a:r>
-          </a:p>
-          <a:p>
-            <a:pPr lvl="1"/>
-            <a:r>
-              <a:rPr lang="en-CA" sz="1200" b="0" i="0" kern="1200" dirty="0">
-                <a:solidFill>
-                  <a:schemeClr val="tx1"/>
-                </a:solidFill>
-                <a:effectLst/>
-                <a:latin typeface="+mn-lt"/>
-                <a:ea typeface="+mn-ea"/>
-                <a:cs typeface="+mn-cs"/>
-              </a:rPr>
-              <a:t>Stock description helps users estimate the performance of the stock</a:t>
-            </a:r>
-          </a:p>
-          <a:p>
-            <a:r>
-              <a:rPr lang="en-CA" sz="1200" b="0" i="0" kern="1200" dirty="0">
-                <a:solidFill>
-                  <a:schemeClr val="tx1"/>
-                </a:solidFill>
-                <a:effectLst/>
-                <a:latin typeface="+mn-lt"/>
-                <a:ea typeface="+mn-ea"/>
-                <a:cs typeface="+mn-cs"/>
-              </a:rPr>
-              <a:t>Buy-out interactivity between users</a:t>
-            </a:r>
-          </a:p>
-          <a:p>
-            <a:pPr lvl="1"/>
-            <a:r>
-              <a:rPr lang="en-CA" sz="1200" b="0" i="0" kern="1200" dirty="0">
-                <a:solidFill>
-                  <a:schemeClr val="tx1"/>
-                </a:solidFill>
-                <a:effectLst/>
-                <a:latin typeface="+mn-lt"/>
-                <a:ea typeface="+mn-ea"/>
-                <a:cs typeface="+mn-cs"/>
-              </a:rPr>
-              <a:t>Players who are performing well are rewarded</a:t>
-            </a:r>
-          </a:p>
-          <a:p>
-            <a:pPr lvl="1"/>
-            <a:r>
-              <a:rPr lang="en-CA" sz="1200" b="0" i="0" kern="1200" dirty="0">
-                <a:solidFill>
-                  <a:schemeClr val="tx1"/>
-                </a:solidFill>
-                <a:effectLst/>
-                <a:latin typeface="+mn-lt"/>
-                <a:ea typeface="+mn-ea"/>
-                <a:cs typeface="+mn-cs"/>
-              </a:rPr>
-              <a:t>Last man standing declared as winner</a:t>
-            </a:r>
-          </a:p>
-          <a:p>
-            <a:pPr lvl="1"/>
-            <a:r>
-              <a:rPr lang="en-CA" sz="1200" b="0" i="0" kern="1200" dirty="0">
-                <a:solidFill>
-                  <a:schemeClr val="tx1"/>
-                </a:solidFill>
-                <a:effectLst/>
-                <a:latin typeface="+mn-lt"/>
-                <a:ea typeface="+mn-ea"/>
-                <a:cs typeface="+mn-cs"/>
-              </a:rPr>
-              <a:t>Increases competitive aspect of the game</a:t>
-            </a:r>
-          </a:p>
-          <a:p>
-            <a:r>
-              <a:rPr lang="en-CA" sz="1200" b="0" i="0" kern="1200" dirty="0">
-                <a:solidFill>
-                  <a:schemeClr val="tx1"/>
-                </a:solidFill>
-                <a:effectLst/>
-                <a:latin typeface="+mn-lt"/>
-                <a:ea typeface="+mn-ea"/>
-                <a:cs typeface="+mn-cs"/>
-              </a:rPr>
-              <a:t>Lobby includes chat between all participants</a:t>
-            </a:r>
-          </a:p>
-          <a:p>
-            <a:pPr lvl="1"/>
-            <a:r>
-              <a:rPr lang="en-CA" sz="1200" b="0" i="0" kern="1200" dirty="0">
-                <a:solidFill>
-                  <a:schemeClr val="tx1"/>
-                </a:solidFill>
-                <a:effectLst/>
-                <a:latin typeface="+mn-lt"/>
-                <a:ea typeface="+mn-ea"/>
-                <a:cs typeface="+mn-cs"/>
-              </a:rPr>
-              <a:t>Teamwork to collaborate to take down big threats</a:t>
-            </a:r>
-          </a:p>
-          <a:p>
-            <a:r>
-              <a:rPr lang="en-CA" sz="1200" b="0" i="0" kern="1200" dirty="0">
-                <a:solidFill>
-                  <a:schemeClr val="tx1"/>
-                </a:solidFill>
-                <a:effectLst/>
-                <a:latin typeface="+mn-lt"/>
-                <a:ea typeface="+mn-ea"/>
-                <a:cs typeface="+mn-cs"/>
-              </a:rPr>
-              <a:t>Lobby includes active player list</a:t>
-            </a:r>
-          </a:p>
-          <a:p>
-            <a:pPr lvl="1"/>
-            <a:r>
-              <a:rPr lang="en-CA" sz="1200" b="0" i="0" kern="1200" dirty="0">
-                <a:solidFill>
-                  <a:schemeClr val="tx1"/>
-                </a:solidFill>
-                <a:effectLst/>
-                <a:latin typeface="+mn-lt"/>
-                <a:ea typeface="+mn-ea"/>
-                <a:cs typeface="+mn-cs"/>
-              </a:rPr>
-              <a:t>Know who else is in your lobby</a:t>
-            </a:r>
-          </a:p>
-          <a:p>
-            <a:pPr lvl="1"/>
-            <a:r>
-              <a:rPr lang="en-CA" sz="1200" b="0" i="0" kern="1200" dirty="0">
-                <a:solidFill>
-                  <a:schemeClr val="tx1"/>
-                </a:solidFill>
-                <a:effectLst/>
-                <a:latin typeface="+mn-lt"/>
-                <a:ea typeface="+mn-ea"/>
-                <a:cs typeface="+mn-cs"/>
-              </a:rPr>
-              <a:t>Adjust your playstyle knowing the competence of your opponents</a:t>
-            </a:r>
-          </a:p>
-          <a:p>
-            <a:r>
-              <a:rPr lang="en-CA" sz="1200" b="0" i="0" kern="1200" dirty="0">
-                <a:solidFill>
-                  <a:schemeClr val="tx1"/>
-                </a:solidFill>
-                <a:effectLst/>
-                <a:latin typeface="+mn-lt"/>
-                <a:ea typeface="+mn-ea"/>
-                <a:cs typeface="+mn-cs"/>
-              </a:rPr>
-              <a:t>Login functionality</a:t>
-            </a:r>
-          </a:p>
-          <a:p>
-            <a:pPr lvl="1"/>
-            <a:r>
-              <a:rPr lang="en-CA" sz="1200" b="0" i="0" kern="1200" dirty="0">
-                <a:solidFill>
-                  <a:schemeClr val="tx1"/>
-                </a:solidFill>
-                <a:effectLst/>
-                <a:latin typeface="+mn-lt"/>
-                <a:ea typeface="+mn-ea"/>
-                <a:cs typeface="+mn-cs"/>
-              </a:rPr>
-              <a:t>Users get profiles where they can view their performance in previous games</a:t>
-            </a:r>
-          </a:p>
-          <a:p>
             <a:endParaRPr lang="en-US" dirty="0"/>
           </a:p>
         </p:txBody>
@@ -1378,7 +1067,7 @@
           <a:p>
             <a:fld id="{E4A74916-00A0-C849-8911-B521A9C8724E}" type="slidenum">
               <a:rPr lang="en-US" smtClean="0"/>
-              <a:t>6</a:t>
+              <a:t>5</a:t>
             </a:fld>
             <a:endParaRPr lang="en-US"/>
           </a:p>
@@ -1387,7 +1076,7 @@
     </p:spTree>
     <p:extLst>
       <p:ext uri="{BB962C8B-B14F-4D97-AF65-F5344CB8AC3E}">
-        <p14:creationId xmlns:p14="http://schemas.microsoft.com/office/powerpoint/2010/main" val="1598011070"/>
+        <p14:creationId xmlns:p14="http://schemas.microsoft.com/office/powerpoint/2010/main" val="1593874264"/>
       </p:ext>
     </p:extLst>
   </p:cSld>
@@ -1441,6 +1130,353 @@
           <a:bodyPr/>
           <a:lstStyle/>
           <a:p>
+            <a:r>
+              <a:rPr lang="en-CA" sz="1200" b="0" i="0" kern="1200" dirty="0">
+                <a:solidFill>
+                  <a:schemeClr val="tx1"/>
+                </a:solidFill>
+                <a:effectLst/>
+                <a:latin typeface="+mn-lt"/>
+                <a:ea typeface="+mn-ea"/>
+                <a:cs typeface="+mn-cs"/>
+              </a:rPr>
+              <a:t>The playability of the game will be the primary focus during development. We will have playtesting sessions in order to ensure that the game is fun and working as intended (in addition to other tests). The game has multiple parameters that can be changed to make sure that it meets our desires.</a:t>
+            </a:r>
+          </a:p>
+          <a:p>
+            <a:r>
+              <a:rPr lang="en-CA" sz="1200" b="0" i="0" kern="1200" dirty="0">
+                <a:solidFill>
+                  <a:schemeClr val="tx1"/>
+                </a:solidFill>
+                <a:effectLst/>
+                <a:latin typeface="+mn-lt"/>
+                <a:ea typeface="+mn-ea"/>
+                <a:cs typeface="+mn-cs"/>
+              </a:rPr>
+              <a:t>Game mechanics:</a:t>
+            </a:r>
+          </a:p>
+          <a:p>
+            <a:r>
+              <a:rPr lang="en-CA" sz="1200" b="0" i="0" kern="1200" dirty="0">
+                <a:solidFill>
+                  <a:schemeClr val="tx1"/>
+                </a:solidFill>
+                <a:effectLst/>
+                <a:latin typeface="+mn-lt"/>
+                <a:ea typeface="+mn-ea"/>
+                <a:cs typeface="+mn-cs"/>
+              </a:rPr>
+              <a:t>Stock simulation based on historical data</a:t>
+            </a:r>
+          </a:p>
+          <a:p>
+            <a:pPr lvl="1"/>
+            <a:r>
+              <a:rPr lang="en-CA" sz="1200" b="0" i="0" kern="1200" dirty="0">
+                <a:solidFill>
+                  <a:schemeClr val="tx1"/>
+                </a:solidFill>
+                <a:effectLst/>
+                <a:latin typeface="+mn-lt"/>
+                <a:ea typeface="+mn-ea"/>
+                <a:cs typeface="+mn-cs"/>
+              </a:rPr>
+              <a:t>Players benefit from being knowledgeable in stock theory</a:t>
+            </a:r>
+          </a:p>
+          <a:p>
+            <a:pPr lvl="1"/>
+            <a:r>
+              <a:rPr lang="en-CA" sz="1200" b="0" i="0" kern="1200" dirty="0">
+                <a:solidFill>
+                  <a:schemeClr val="tx1"/>
+                </a:solidFill>
+                <a:effectLst/>
+                <a:latin typeface="+mn-lt"/>
+                <a:ea typeface="+mn-ea"/>
+                <a:cs typeface="+mn-cs"/>
+              </a:rPr>
+              <a:t>Player decides when they want to sell their stock, they are in control</a:t>
+            </a:r>
+          </a:p>
+          <a:p>
+            <a:pPr lvl="1"/>
+            <a:r>
+              <a:rPr lang="en-CA" sz="1200" b="0" i="0" kern="1200" dirty="0">
+                <a:solidFill>
+                  <a:schemeClr val="tx1"/>
+                </a:solidFill>
+                <a:effectLst/>
+                <a:latin typeface="+mn-lt"/>
+                <a:ea typeface="+mn-ea"/>
+                <a:cs typeface="+mn-cs"/>
+              </a:rPr>
+              <a:t>Randomization added to make the game nondeterministic</a:t>
+            </a:r>
+          </a:p>
+          <a:p>
+            <a:pPr lvl="1"/>
+            <a:r>
+              <a:rPr lang="en-CA" sz="1200" b="0" i="0" kern="1200" dirty="0">
+                <a:solidFill>
+                  <a:schemeClr val="tx1"/>
+                </a:solidFill>
+                <a:effectLst/>
+                <a:latin typeface="+mn-lt"/>
+                <a:ea typeface="+mn-ea"/>
+                <a:cs typeface="+mn-cs"/>
+              </a:rPr>
+              <a:t>Stock description helps users estimate the performance of the stock</a:t>
+            </a:r>
+          </a:p>
+          <a:p>
+            <a:r>
+              <a:rPr lang="en-CA" sz="1200" b="0" i="0" kern="1200" dirty="0">
+                <a:solidFill>
+                  <a:schemeClr val="tx1"/>
+                </a:solidFill>
+                <a:effectLst/>
+                <a:latin typeface="+mn-lt"/>
+                <a:ea typeface="+mn-ea"/>
+                <a:cs typeface="+mn-cs"/>
+              </a:rPr>
+              <a:t>Buy-out interactivity between users</a:t>
+            </a:r>
+          </a:p>
+          <a:p>
+            <a:pPr lvl="1"/>
+            <a:r>
+              <a:rPr lang="en-CA" sz="1200" b="0" i="0" kern="1200" dirty="0">
+                <a:solidFill>
+                  <a:schemeClr val="tx1"/>
+                </a:solidFill>
+                <a:effectLst/>
+                <a:latin typeface="+mn-lt"/>
+                <a:ea typeface="+mn-ea"/>
+                <a:cs typeface="+mn-cs"/>
+              </a:rPr>
+              <a:t>Players who are performing well are rewarded</a:t>
+            </a:r>
+          </a:p>
+          <a:p>
+            <a:pPr lvl="1"/>
+            <a:r>
+              <a:rPr lang="en-CA" sz="1200" b="0" i="0" kern="1200" dirty="0">
+                <a:solidFill>
+                  <a:schemeClr val="tx1"/>
+                </a:solidFill>
+                <a:effectLst/>
+                <a:latin typeface="+mn-lt"/>
+                <a:ea typeface="+mn-ea"/>
+                <a:cs typeface="+mn-cs"/>
+              </a:rPr>
+              <a:t>Last man standing declared as winner</a:t>
+            </a:r>
+          </a:p>
+          <a:p>
+            <a:pPr lvl="1"/>
+            <a:r>
+              <a:rPr lang="en-CA" sz="1200" b="0" i="0" kern="1200" dirty="0">
+                <a:solidFill>
+                  <a:schemeClr val="tx1"/>
+                </a:solidFill>
+                <a:effectLst/>
+                <a:latin typeface="+mn-lt"/>
+                <a:ea typeface="+mn-ea"/>
+                <a:cs typeface="+mn-cs"/>
+              </a:rPr>
+              <a:t>Increases competitive aspect of the game</a:t>
+            </a:r>
+          </a:p>
+          <a:p>
+            <a:r>
+              <a:rPr lang="en-CA" sz="1200" b="0" i="0" kern="1200" dirty="0">
+                <a:solidFill>
+                  <a:schemeClr val="tx1"/>
+                </a:solidFill>
+                <a:effectLst/>
+                <a:latin typeface="+mn-lt"/>
+                <a:ea typeface="+mn-ea"/>
+                <a:cs typeface="+mn-cs"/>
+              </a:rPr>
+              <a:t>Lobby includes chat between all participants</a:t>
+            </a:r>
+          </a:p>
+          <a:p>
+            <a:pPr lvl="1"/>
+            <a:r>
+              <a:rPr lang="en-CA" sz="1200" b="0" i="0" kern="1200" dirty="0">
+                <a:solidFill>
+                  <a:schemeClr val="tx1"/>
+                </a:solidFill>
+                <a:effectLst/>
+                <a:latin typeface="+mn-lt"/>
+                <a:ea typeface="+mn-ea"/>
+                <a:cs typeface="+mn-cs"/>
+              </a:rPr>
+              <a:t>Teamwork to collaborate to take down big threats</a:t>
+            </a:r>
+          </a:p>
+          <a:p>
+            <a:r>
+              <a:rPr lang="en-CA" sz="1200" b="0" i="0" kern="1200" dirty="0">
+                <a:solidFill>
+                  <a:schemeClr val="tx1"/>
+                </a:solidFill>
+                <a:effectLst/>
+                <a:latin typeface="+mn-lt"/>
+                <a:ea typeface="+mn-ea"/>
+                <a:cs typeface="+mn-cs"/>
+              </a:rPr>
+              <a:t>Lobby includes active player list</a:t>
+            </a:r>
+          </a:p>
+          <a:p>
+            <a:pPr lvl="1"/>
+            <a:r>
+              <a:rPr lang="en-CA" sz="1200" b="0" i="0" kern="1200" dirty="0">
+                <a:solidFill>
+                  <a:schemeClr val="tx1"/>
+                </a:solidFill>
+                <a:effectLst/>
+                <a:latin typeface="+mn-lt"/>
+                <a:ea typeface="+mn-ea"/>
+                <a:cs typeface="+mn-cs"/>
+              </a:rPr>
+              <a:t>Know who else is in your lobby</a:t>
+            </a:r>
+          </a:p>
+          <a:p>
+            <a:pPr lvl="1"/>
+            <a:r>
+              <a:rPr lang="en-CA" sz="1200" b="0" i="0" kern="1200" dirty="0">
+                <a:solidFill>
+                  <a:schemeClr val="tx1"/>
+                </a:solidFill>
+                <a:effectLst/>
+                <a:latin typeface="+mn-lt"/>
+                <a:ea typeface="+mn-ea"/>
+                <a:cs typeface="+mn-cs"/>
+              </a:rPr>
+              <a:t>Adjust your playstyle knowing the competence of your opponents</a:t>
+            </a:r>
+          </a:p>
+          <a:p>
+            <a:r>
+              <a:rPr lang="en-CA" sz="1200" b="0" i="0" kern="1200" dirty="0">
+                <a:solidFill>
+                  <a:schemeClr val="tx1"/>
+                </a:solidFill>
+                <a:effectLst/>
+                <a:latin typeface="+mn-lt"/>
+                <a:ea typeface="+mn-ea"/>
+                <a:cs typeface="+mn-cs"/>
+              </a:rPr>
+              <a:t>Login functionality</a:t>
+            </a:r>
+          </a:p>
+          <a:p>
+            <a:pPr lvl="1"/>
+            <a:r>
+              <a:rPr lang="en-CA" sz="1200" b="0" i="0" kern="1200" dirty="0">
+                <a:solidFill>
+                  <a:schemeClr val="tx1"/>
+                </a:solidFill>
+                <a:effectLst/>
+                <a:latin typeface="+mn-lt"/>
+                <a:ea typeface="+mn-ea"/>
+                <a:cs typeface="+mn-cs"/>
+              </a:rPr>
+              <a:t>Users get profiles where they can view their performance in previous games</a:t>
+            </a:r>
+          </a:p>
+          <a:p>
+            <a:endParaRPr lang="en-US" dirty="0"/>
+          </a:p>
+        </p:txBody>
+      </p:sp>
+      <p:sp>
+        <p:nvSpPr>
+          <p:cNvPr id="4" name="Slide Number Placeholder 3"/>
+          <p:cNvSpPr>
+            <a:spLocks noGrp="1"/>
+          </p:cNvSpPr>
+          <p:nvPr>
+            <p:ph type="sldNum" sz="quarter" idx="5"/>
+          </p:nvPr>
+        </p:nvSpPr>
+        <p:spPr/>
+        <p:txBody>
+          <a:bodyPr/>
+          <a:lstStyle/>
+          <a:p>
+            <a:fld id="{E4A74916-00A0-C849-8911-B521A9C8724E}" type="slidenum">
+              <a:rPr lang="en-US" smtClean="0"/>
+              <a:t>6</a:t>
+            </a:fld>
+            <a:endParaRPr lang="en-US"/>
+          </a:p>
+        </p:txBody>
+      </p:sp>
+    </p:spTree>
+    <p:extLst>
+      <p:ext uri="{BB962C8B-B14F-4D97-AF65-F5344CB8AC3E}">
+        <p14:creationId xmlns:p14="http://schemas.microsoft.com/office/powerpoint/2010/main" val="1598011070"/>
+      </p:ext>
+    </p:extLst>
+  </p:cSld>
+  <p:clrMapOvr>
+    <a:masterClrMapping/>
+  </p:clrMapOvr>
+</p:notes>
+</file>
+
+<file path=ppt/notesSlides/notesSlide7.xml><?xml version="1.0" encoding="utf-8"?>
+<p:notes xmlns:a="http://schemas.openxmlformats.org/drawingml/2006/main" xmlns:r="http://schemas.openxmlformats.org/officeDocument/2006/relationships" xmlns:p="http://schemas.openxmlformats.org/presentationml/2006/main">
+  <p:cSld>
+    <p:spTree>
+      <p:nvGrpSpPr>
+        <p:cNvPr id="1" name=""/>
+        <p:cNvGrpSpPr/>
+        <p:nvPr/>
+      </p:nvGrpSpPr>
+      <p:grpSpPr>
+        <a:xfrm>
+          <a:off x="0" y="0"/>
+          <a:ext cx="0" cy="0"/>
+          <a:chOff x="0" y="0"/>
+          <a:chExt cx="0" cy="0"/>
+        </a:xfrm>
+      </p:grpSpPr>
+      <p:sp>
+        <p:nvSpPr>
+          <p:cNvPr id="2" name="Slide Image Placeholder 1"/>
+          <p:cNvSpPr>
+            <a:spLocks noGrp="1" noRot="1" noChangeAspect="1"/>
+          </p:cNvSpPr>
+          <p:nvPr>
+            <p:ph type="sldImg"/>
+          </p:nvPr>
+        </p:nvSpPr>
+        <p:spPr/>
+      </p:sp>
+      <p:sp>
+        <p:nvSpPr>
+          <p:cNvPr id="3" name="Notes Placeholder 2"/>
+          <p:cNvSpPr>
+            <a:spLocks noGrp="1"/>
+          </p:cNvSpPr>
+          <p:nvPr>
+            <p:ph type="body" idx="1"/>
+          </p:nvPr>
+        </p:nvSpPr>
+        <p:spPr/>
+        <p:txBody>
+          <a:bodyPr/>
+          <a:lstStyle/>
+          <a:p>
             <a:endParaRPr lang="en-US" dirty="0"/>
           </a:p>
         </p:txBody>
@@ -1481,7 +1517,7 @@
 </p:notes>
 </file>
 
-<file path=ppt/notesSlides/notesSlide7.xml><?xml version="1.0" encoding="utf-8"?>
+<file path=ppt/notesSlides/notesSlide8.xml><?xml version="1.0" encoding="utf-8"?>
 <p:notes xmlns:a="http://schemas.openxmlformats.org/drawingml/2006/main" xmlns:r="http://schemas.openxmlformats.org/officeDocument/2006/relationships" xmlns:p="http://schemas.openxmlformats.org/presentationml/2006/main">
   <p:cSld>
     <p:spTree>
@@ -2311,7 +2347,7 @@
             <a:fld id="{08B9EBBA-996F-894A-B54A-D6246ED52CEA}" type="datetimeFigureOut">
               <a:rPr lang="en-US" smtClean="0"/>
               <a:pPr/>
-              <a:t>11/21/19</a:t>
+              <a:t>11/22/2019</a:t>
             </a:fld>
             <a:endParaRPr lang="en-US" dirty="0"/>
           </a:p>
@@ -2564,7 +2600,7 @@
             <a:fld id="{09B482E8-6E0E-1B4F-B1FD-C69DB9E858D9}" type="datetimeFigureOut">
               <a:rPr lang="en-US" smtClean="0"/>
               <a:pPr/>
-              <a:t>11/21/19</a:t>
+              <a:t>11/22/2019</a:t>
             </a:fld>
             <a:endParaRPr lang="en-US" dirty="0"/>
           </a:p>
@@ -2881,7 +2917,7 @@
             <a:fld id="{09B482E8-6E0E-1B4F-B1FD-C69DB9E858D9}" type="datetimeFigureOut">
               <a:rPr lang="en-US" smtClean="0"/>
               <a:pPr/>
-              <a:t>11/21/19</a:t>
+              <a:t>11/22/2019</a:t>
             </a:fld>
             <a:endParaRPr lang="en-US" dirty="0"/>
           </a:p>
@@ -3217,7 +3253,7 @@
             <a:fld id="{09B482E8-6E0E-1B4F-B1FD-C69DB9E858D9}" type="datetimeFigureOut">
               <a:rPr lang="en-US" smtClean="0"/>
               <a:pPr/>
-              <a:t>11/21/19</a:t>
+              <a:t>11/22/2019</a:t>
             </a:fld>
             <a:endParaRPr lang="en-US" dirty="0"/>
           </a:p>
@@ -3534,7 +3570,7 @@
             <a:fld id="{09B482E8-6E0E-1B4F-B1FD-C69DB9E858D9}" type="datetimeFigureOut">
               <a:rPr lang="en-US" smtClean="0"/>
               <a:pPr/>
-              <a:t>11/21/19</a:t>
+              <a:t>11/22/2019</a:t>
             </a:fld>
             <a:endParaRPr lang="en-US" dirty="0"/>
           </a:p>
@@ -3930,7 +3966,7 @@
             <a:fld id="{09B482E8-6E0E-1B4F-B1FD-C69DB9E858D9}" type="datetimeFigureOut">
               <a:rPr lang="en-US" smtClean="0"/>
               <a:pPr/>
-              <a:t>11/21/19</a:t>
+              <a:t>11/22/2019</a:t>
             </a:fld>
             <a:endParaRPr lang="en-US" dirty="0"/>
           </a:p>
@@ -4103,7 +4139,7 @@
             <a:fld id="{C6C52C72-DE31-F449-A4ED-4C594FD91407}" type="datetimeFigureOut">
               <a:rPr lang="en-US" smtClean="0"/>
               <a:pPr/>
-              <a:t>11/21/19</a:t>
+              <a:t>11/22/2019</a:t>
             </a:fld>
             <a:endParaRPr lang="en-US" dirty="0"/>
           </a:p>
@@ -4285,7 +4321,7 @@
             <a:fld id="{ED62726E-379B-B349-9EED-81ED093FA806}" type="datetimeFigureOut">
               <a:rPr lang="en-US" smtClean="0"/>
               <a:pPr/>
-              <a:t>11/21/19</a:t>
+              <a:t>11/22/2019</a:t>
             </a:fld>
             <a:endParaRPr lang="en-US" dirty="0"/>
           </a:p>
@@ -4457,7 +4493,7 @@
             <a:fld id="{9B3A1323-8D79-1946-B0D7-40001CF92E9D}" type="datetimeFigureOut">
               <a:rPr lang="en-US" smtClean="0"/>
               <a:pPr/>
-              <a:t>11/21/19</a:t>
+              <a:t>11/22/2019</a:t>
             </a:fld>
             <a:endParaRPr lang="en-US" dirty="0"/>
           </a:p>
@@ -4706,7 +4742,7 @@
             <a:fld id="{8DFA1846-DA80-1C48-A609-854EA85C59AD}" type="datetimeFigureOut">
               <a:rPr lang="en-US" smtClean="0"/>
               <a:pPr/>
-              <a:t>11/21/19</a:t>
+              <a:t>11/22/2019</a:t>
             </a:fld>
             <a:endParaRPr lang="en-US" dirty="0"/>
           </a:p>
@@ -4940,7 +4976,7 @@
             <a:fld id="{57302355-E14B-8545-A8F8-0FE83CC9D524}" type="datetimeFigureOut">
               <a:rPr lang="en-US" smtClean="0"/>
               <a:pPr/>
-              <a:t>11/21/19</a:t>
+              <a:t>11/22/2019</a:t>
             </a:fld>
             <a:endParaRPr lang="en-US" dirty="0"/>
           </a:p>
@@ -5316,7 +5352,7 @@
             <a:fld id="{02640F58-564D-2B4F-AE67-E407BA4FCF45}" type="datetimeFigureOut">
               <a:rPr lang="en-US" smtClean="0"/>
               <a:pPr/>
-              <a:t>11/21/19</a:t>
+              <a:t>11/22/2019</a:t>
             </a:fld>
             <a:endParaRPr lang="en-US" dirty="0"/>
           </a:p>
@@ -5441,7 +5477,7 @@
             <a:fld id="{F13A34C8-038E-2045-AF43-DF7DBB8E0E9E}" type="datetimeFigureOut">
               <a:rPr lang="en-US" smtClean="0"/>
               <a:pPr/>
-              <a:t>11/21/19</a:t>
+              <a:t>11/22/2019</a:t>
             </a:fld>
             <a:endParaRPr lang="en-US" dirty="0"/>
           </a:p>
@@ -5538,7 +5574,7 @@
             <a:fld id="{8818C68F-D26B-8F47-958C-23B49CF8A634}" type="datetimeFigureOut">
               <a:rPr lang="en-US" smtClean="0"/>
               <a:pPr/>
-              <a:t>11/21/19</a:t>
+              <a:t>11/22/2019</a:t>
             </a:fld>
             <a:endParaRPr lang="en-US" dirty="0"/>
           </a:p>
@@ -5795,7 +5831,7 @@
             <a:fld id="{D0DF5E60-9974-AC48-9591-99C2BB44B7CF}" type="datetimeFigureOut">
               <a:rPr lang="en-US" smtClean="0"/>
               <a:pPr/>
-              <a:t>11/21/19</a:t>
+              <a:t>11/22/2019</a:t>
             </a:fld>
             <a:endParaRPr lang="en-US" dirty="0"/>
           </a:p>
@@ -6103,7 +6139,7 @@
             <a:fld id="{09B482E8-6E0E-1B4F-B1FD-C69DB9E858D9}" type="datetimeFigureOut">
               <a:rPr lang="en-US" smtClean="0"/>
               <a:pPr/>
-              <a:t>11/21/19</a:t>
+              <a:t>11/22/2019</a:t>
             </a:fld>
             <a:endParaRPr lang="en-US" dirty="0"/>
           </a:p>
@@ -6807,7 +6843,7 @@
             <a:fld id="{09B482E8-6E0E-1B4F-B1FD-C69DB9E858D9}" type="datetimeFigureOut">
               <a:rPr lang="en-US" smtClean="0"/>
               <a:pPr/>
-              <a:t>11/21/19</a:t>
+              <a:t>11/22/2019</a:t>
             </a:fld>
             <a:endParaRPr lang="en-US" dirty="0"/>
           </a:p>
@@ -7397,23 +7433,7 @@
           <a:p>
             <a:r>
               <a:rPr lang="en-US" dirty="0"/>
-              <a:t>Holly Atkinson, </a:t>
-            </a:r>
-            <a:r>
-              <a:rPr lang="en-US" dirty="0" err="1"/>
-              <a:t>Micheal</a:t>
-            </a:r>
-            <a:r>
-              <a:rPr lang="en-US" dirty="0"/>
-              <a:t> </a:t>
-            </a:r>
-            <a:r>
-              <a:rPr lang="en-US" dirty="0" err="1"/>
-              <a:t>Kurdyla</a:t>
-            </a:r>
-            <a:r>
-              <a:rPr lang="en-US" dirty="0"/>
-              <a:t>, Dominic Phillips, Kyle Singer, </a:t>
+              <a:t>Holly Atkinson, Michael Kurdyla, Dominic Phillips, Kyle Singer, </a:t>
             </a:r>
             <a:r>
               <a:rPr lang="en-US" dirty="0" err="1"/>
@@ -8182,7 +8202,7 @@
             <a:pPr lvl="1"/>
             <a:r>
               <a:rPr lang="en-US" dirty="0"/>
-              <a:t>Spring-based issue prioritization</a:t>
+              <a:t>Sprint-based issue prioritization</a:t>
             </a:r>
           </a:p>
           <a:p>
@@ -9646,12 +9666,6 @@
           <a:p>
             <a:r>
               <a:rPr lang="en-US" sz="1600" dirty="0"/>
-              <a:t>Server hosted on Linux</a:t>
-            </a:r>
-          </a:p>
-          <a:p>
-            <a:r>
-              <a:rPr lang="en-US" sz="1600" dirty="0"/>
               <a:t>Sockets</a:t>
             </a:r>
           </a:p>
@@ -9659,6 +9673,12 @@
             <a:r>
               <a:rPr lang="en-US" sz="1600" dirty="0"/>
               <a:t>Multithreading</a:t>
+            </a:r>
+          </a:p>
+          <a:p>
+            <a:r>
+              <a:rPr lang="en-US" sz="1600" dirty="0"/>
+              <a:t>Server hosted on Linux</a:t>
             </a:r>
           </a:p>
         </p:txBody>
@@ -10345,7 +10365,7 @@
         </p:nvSpPr>
         <p:spPr>
           <a:xfrm>
-            <a:off x="6236676" y="2177053"/>
+            <a:off x="5990097" y="2177053"/>
             <a:ext cx="3793589" cy="3880772"/>
           </a:xfrm>
           <a:prstGeom prst="rect">
@@ -10607,10 +10627,13 @@
           <a:p>
             <a:r>
               <a:rPr lang="en-US" sz="1600" dirty="0"/>
-              <a:t>Fine tuning stock simulation algorithm to return realistic results</a:t>
-            </a:r>
-          </a:p>
-          <a:p>
+              <a:t>Model too predictable</a:t>
+            </a:r>
+          </a:p>
+          <a:p>
+            <a:pPr marL="0" indent="0">
+              <a:buNone/>
+            </a:pPr>
             <a:endParaRPr lang="en-US" dirty="0"/>
           </a:p>
         </p:txBody>
@@ -10874,7 +10897,14 @@
           <a:p>
             <a:r>
               <a:rPr lang="en-US" dirty="0"/>
-              <a:t>Game aesthetics</a:t>
+              <a:t>Implement new game logic for additional features</a:t>
+            </a:r>
+          </a:p>
+          <a:p>
+            <a:pPr lvl="1"/>
+            <a:r>
+              <a:rPr lang="en-US" dirty="0"/>
+              <a:t>Chat box</a:t>
             </a:r>
           </a:p>
           <a:p>
@@ -10886,14 +10916,7 @@
           <a:p>
             <a:r>
               <a:rPr lang="en-US" dirty="0"/>
-              <a:t>Implement new game logic for additional features</a:t>
-            </a:r>
-          </a:p>
-          <a:p>
-            <a:pPr lvl="1"/>
-            <a:r>
-              <a:rPr lang="en-US" dirty="0"/>
-              <a:t>Chat box</a:t>
+              <a:t>Game aesthetics</a:t>
             </a:r>
           </a:p>
         </p:txBody>
